--- a/课程ppt/(九)主成分分析在人脸识别中的应用.pptx
+++ b/课程ppt/(九)主成分分析在人脸识别中的应用.pptx
@@ -1,25 +1,25 @@
 
 <file path=ppt/presentation.xml><?xml version="1.0" encoding="utf-8"?>
-<p:presentation xmlns:a="http://schemas.openxmlformats.org/drawingml/2006/main" xmlns:r="http://schemas.openxmlformats.org/officeDocument/2006/relationships" xmlns:p="http://schemas.openxmlformats.org/presentationml/2006/main" showSpecialPlsOnTitleSld="0" saveSubsetFonts="1">
+<p:presentation xmlns:a="http://schemas.openxmlformats.org/drawingml/2006/main" xmlns:r="http://schemas.openxmlformats.org/officeDocument/2006/relationships" xmlns:p="http://schemas.openxmlformats.org/presentationml/2006/main" showSpecialPlsOnTitleSld="0">
   <p:sldMasterIdLst>
-    <p:sldMasterId id="2147483660" r:id="rId1"/>
-    <p:sldMasterId id="2147483672" r:id="rId2"/>
+    <p:sldMasterId id="2147483648" r:id="rId1"/>
+    <p:sldMasterId id="2147483660" r:id="rId3"/>
   </p:sldMasterIdLst>
   <p:notesMasterIdLst>
-    <p:notesMasterId r:id="rId14"/>
+    <p:notesMasterId r:id="rId5"/>
   </p:notesMasterIdLst>
   <p:sldIdLst>
-    <p:sldId id="256" r:id="rId3"/>
-    <p:sldId id="390" r:id="rId4"/>
-    <p:sldId id="392" r:id="rId5"/>
-    <p:sldId id="393" r:id="rId6"/>
-    <p:sldId id="395" r:id="rId7"/>
-    <p:sldId id="396" r:id="rId8"/>
-    <p:sldId id="400" r:id="rId9"/>
-    <p:sldId id="401" r:id="rId10"/>
-    <p:sldId id="403" r:id="rId11"/>
-    <p:sldId id="402" r:id="rId12"/>
-    <p:sldId id="278" r:id="rId13"/>
+    <p:sldId id="256" r:id="rId4"/>
+    <p:sldId id="390" r:id="rId6"/>
+    <p:sldId id="392" r:id="rId7"/>
+    <p:sldId id="393" r:id="rId8"/>
+    <p:sldId id="395" r:id="rId9"/>
+    <p:sldId id="396" r:id="rId10"/>
+    <p:sldId id="400" r:id="rId11"/>
+    <p:sldId id="401" r:id="rId12"/>
+    <p:sldId id="403" r:id="rId13"/>
+    <p:sldId id="402" r:id="rId14"/>
+    <p:sldId id="278" r:id="rId15"/>
   </p:sldIdLst>
   <p:sldSz cx="9144000" cy="6858000" type="screen4x3"/>
   <p:notesSz cx="6858000" cy="9144000"/>
@@ -118,22 +118,6 @@
       </a:defRPr>
     </a:lvl9pPr>
   </p:defaultTextStyle>
-  <p:extLst>
-    <p:ext uri="{EFAFB233-063F-42B5-8137-9DF3F51BA10A}">
-      <p15:sldGuideLst xmlns:p15="http://schemas.microsoft.com/office/powerpoint/2012/main">
-        <p15:guide id="1" orient="horz" pos="2160">
-          <p15:clr>
-            <a:srgbClr val="A4A3A4"/>
-          </p15:clr>
-        </p15:guide>
-        <p15:guide id="2" pos="2880">
-          <p15:clr>
-            <a:srgbClr val="A4A3A4"/>
-          </p15:clr>
-        </p15:guide>
-      </p15:sldGuideLst>
-    </p:ext>
-  </p:extLst>
 </p:presentation>
 </file>
 
@@ -219,7 +203,6 @@
           <a:p>
             <a:fld id="{4ED6A55B-0B0C-48BE-ACB9-8BC4F137FFF3}" type="datetimeFigureOut">
               <a:rPr lang="zh-CN" altLang="en-US" smtClean="0"/>
-              <a:t>2017/10/27</a:t>
             </a:fld>
             <a:endParaRPr lang="zh-CN" altLang="en-US"/>
           </a:p>
@@ -286,6 +269,7 @@
               <a:rPr lang="zh-CN" altLang="en-US" smtClean="0"/>
               <a:t>单击此处编辑母版文本样式</a:t>
             </a:r>
+            <a:endParaRPr lang="zh-CN" altLang="en-US" smtClean="0"/>
           </a:p>
           <a:p>
             <a:pPr lvl="1"/>
@@ -293,6 +277,7 @@
               <a:rPr lang="zh-CN" altLang="en-US" smtClean="0"/>
               <a:t>第二级</a:t>
             </a:r>
+            <a:endParaRPr lang="zh-CN" altLang="en-US" smtClean="0"/>
           </a:p>
           <a:p>
             <a:pPr lvl="2"/>
@@ -300,6 +285,7 @@
               <a:rPr lang="zh-CN" altLang="en-US" smtClean="0"/>
               <a:t>第三级</a:t>
             </a:r>
+            <a:endParaRPr lang="zh-CN" altLang="en-US" smtClean="0"/>
           </a:p>
           <a:p>
             <a:pPr lvl="3"/>
@@ -307,6 +293,7 @@
               <a:rPr lang="zh-CN" altLang="en-US" smtClean="0"/>
               <a:t>第四级</a:t>
             </a:r>
+            <a:endParaRPr lang="zh-CN" altLang="en-US" smtClean="0"/>
           </a:p>
           <a:p>
             <a:pPr lvl="4"/>
@@ -378,18 +365,12 @@
           <a:p>
             <a:fld id="{8E7C9746-1040-4D60-8B0E-E2F7B35B42C2}" type="slidenum">
               <a:rPr lang="zh-CN" altLang="en-US" smtClean="0"/>
-              <a:t>‹#›</a:t>
             </a:fld>
             <a:endParaRPr lang="zh-CN" altLang="en-US"/>
           </a:p>
         </p:txBody>
       </p:sp>
     </p:spTree>
-    <p:extLst>
-      <p:ext uri="{BB962C8B-B14F-4D97-AF65-F5344CB8AC3E}">
-        <p14:creationId xmlns:p14="http://schemas.microsoft.com/office/powerpoint/2010/main" val="1204531870"/>
-      </p:ext>
-    </p:extLst>
   </p:cSld>
   <p:clrMap bg1="lt1" tx1="dk1" bg2="lt2" tx2="dk2" accent1="accent1" accent2="accent2" accent3="accent3" accent4="accent4" accent5="accent5" accent6="accent6" hlink="hlink" folHlink="folHlink"/>
   <p:notesStyle>
@@ -521,8 +502,6 @@
               <a:srgbClr val="000000"/>
             </a:solidFill>
             <a:miter lim="800000"/>
-            <a:headEnd/>
-            <a:tailEnd/>
           </a:ln>
           <a:extLst>
             <a:ext uri="{909E8E84-426E-40DD-AFC4-6F175D3DCCD1}">
@@ -568,11 +547,7 @@
           </a:extLst>
         </p:spPr>
         <p:txBody>
-          <a:bodyPr wrap="square" numCol="1" anchor="t" anchorCtr="0" compatLnSpc="1">
-            <a:prstTxWarp prst="textNoShape">
-              <a:avLst/>
-            </a:prstTxWarp>
-          </a:bodyPr>
+          <a:bodyPr wrap="square" numCol="1" anchor="t" anchorCtr="0" compatLnSpc="1"/>
           <a:lstStyle/>
           <a:p>
             <a:pPr eaLnBrk="1" hangingPunct="1">
@@ -617,18 +592,14 @@
           </a:extLst>
         </p:spPr>
         <p:txBody>
-          <a:bodyPr wrap="square" numCol="1" anchorCtr="0" compatLnSpc="1">
-            <a:prstTxWarp prst="textNoShape">
-              <a:avLst/>
-            </a:prstTxWarp>
-          </a:bodyPr>
+          <a:bodyPr wrap="square" numCol="1" anchorCtr="0" compatLnSpc="1"/>
           <a:lstStyle>
             <a:lvl1pPr eaLnBrk="0" hangingPunct="0">
               <a:defRPr>
                 <a:solidFill>
                   <a:schemeClr val="tx1"/>
                 </a:solidFill>
-                <a:latin typeface="Arial" charset="0"/>
+                <a:latin typeface="Arial" panose="020B0604020202090204" pitchFamily="34" charset="0"/>
                 <a:ea typeface="宋体" pitchFamily="2" charset="-122"/>
               </a:defRPr>
             </a:lvl1pPr>
@@ -637,7 +608,7 @@
                 <a:solidFill>
                   <a:schemeClr val="tx1"/>
                 </a:solidFill>
-                <a:latin typeface="Arial" charset="0"/>
+                <a:latin typeface="Arial" panose="020B0604020202090204" pitchFamily="34" charset="0"/>
                 <a:ea typeface="宋体" pitchFamily="2" charset="-122"/>
               </a:defRPr>
             </a:lvl2pPr>
@@ -646,7 +617,7 @@
                 <a:solidFill>
                   <a:schemeClr val="tx1"/>
                 </a:solidFill>
-                <a:latin typeface="Arial" charset="0"/>
+                <a:latin typeface="Arial" panose="020B0604020202090204" pitchFamily="34" charset="0"/>
                 <a:ea typeface="宋体" pitchFamily="2" charset="-122"/>
               </a:defRPr>
             </a:lvl3pPr>
@@ -655,7 +626,7 @@
                 <a:solidFill>
                   <a:schemeClr val="tx1"/>
                 </a:solidFill>
-                <a:latin typeface="Arial" charset="0"/>
+                <a:latin typeface="Arial" panose="020B0604020202090204" pitchFamily="34" charset="0"/>
                 <a:ea typeface="宋体" pitchFamily="2" charset="-122"/>
               </a:defRPr>
             </a:lvl4pPr>
@@ -664,7 +635,7 @@
                 <a:solidFill>
                   <a:schemeClr val="tx1"/>
                 </a:solidFill>
-                <a:latin typeface="Arial" charset="0"/>
+                <a:latin typeface="Arial" panose="020B0604020202090204" pitchFamily="34" charset="0"/>
                 <a:ea typeface="宋体" pitchFamily="2" charset="-122"/>
               </a:defRPr>
             </a:lvl5pPr>
@@ -679,7 +650,7 @@
                 <a:solidFill>
                   <a:schemeClr val="tx1"/>
                 </a:solidFill>
-                <a:latin typeface="Arial" charset="0"/>
+                <a:latin typeface="Arial" panose="020B0604020202090204" pitchFamily="34" charset="0"/>
                 <a:ea typeface="宋体" pitchFamily="2" charset="-122"/>
               </a:defRPr>
             </a:lvl6pPr>
@@ -694,7 +665,7 @@
                 <a:solidFill>
                   <a:schemeClr val="tx1"/>
                 </a:solidFill>
-                <a:latin typeface="Arial" charset="0"/>
+                <a:latin typeface="Arial" panose="020B0604020202090204" pitchFamily="34" charset="0"/>
                 <a:ea typeface="宋体" pitchFamily="2" charset="-122"/>
               </a:defRPr>
             </a:lvl7pPr>
@@ -709,7 +680,7 @@
                 <a:solidFill>
                   <a:schemeClr val="tx1"/>
                 </a:solidFill>
-                <a:latin typeface="Arial" charset="0"/>
+                <a:latin typeface="Arial" panose="020B0604020202090204" pitchFamily="34" charset="0"/>
                 <a:ea typeface="宋体" pitchFamily="2" charset="-122"/>
               </a:defRPr>
             </a:lvl8pPr>
@@ -724,7 +695,7 @@
                 <a:solidFill>
                   <a:schemeClr val="tx1"/>
                 </a:solidFill>
-                <a:latin typeface="Arial" charset="0"/>
+                <a:latin typeface="Arial" panose="020B0604020202090204" pitchFamily="34" charset="0"/>
                 <a:ea typeface="宋体" pitchFamily="2" charset="-122"/>
               </a:defRPr>
             </a:lvl9pPr>
@@ -737,8 +708,6 @@
                   <a:prstClr val="black"/>
                 </a:solidFill>
               </a:rPr>
-              <a:pPr eaLnBrk="1" hangingPunct="1"/>
-              <a:t>1</a:t>
             </a:fld>
             <a:endParaRPr lang="zh-CN" altLang="en-US">
               <a:solidFill>
@@ -749,11 +718,6 @@
         </p:txBody>
       </p:sp>
     </p:spTree>
-    <p:extLst>
-      <p:ext uri="{BB962C8B-B14F-4D97-AF65-F5344CB8AC3E}">
-        <p14:creationId xmlns:p14="http://schemas.microsoft.com/office/powerpoint/2010/main" val="3498303366"/>
-      </p:ext>
-    </p:extLst>
   </p:cSld>
   <p:clrMapOvr>
     <a:masterClrMapping/>
@@ -795,8 +759,6 @@
               <a:srgbClr val="000000"/>
             </a:solidFill>
             <a:miter lim="800000"/>
-            <a:headEnd/>
-            <a:tailEnd/>
           </a:ln>
           <a:extLst>
             <a:ext uri="{909E8E84-426E-40DD-AFC4-6F175D3DCCD1}">
@@ -842,11 +804,7 @@
           </a:extLst>
         </p:spPr>
         <p:txBody>
-          <a:bodyPr wrap="square" numCol="1" anchor="t" anchorCtr="0" compatLnSpc="1">
-            <a:prstTxWarp prst="textNoShape">
-              <a:avLst/>
-            </a:prstTxWarp>
-          </a:bodyPr>
+          <a:bodyPr wrap="square" numCol="1" anchor="t" anchorCtr="0" compatLnSpc="1"/>
           <a:lstStyle/>
           <a:p>
             <a:endParaRPr lang="zh-CN" altLang="en-US" dirty="0" smtClean="0"/>
@@ -886,18 +844,14 @@
           </a:extLst>
         </p:spPr>
         <p:txBody>
-          <a:bodyPr wrap="square" numCol="1" anchorCtr="0" compatLnSpc="1">
-            <a:prstTxWarp prst="textNoShape">
-              <a:avLst/>
-            </a:prstTxWarp>
-          </a:bodyPr>
+          <a:bodyPr wrap="square" numCol="1" anchorCtr="0" compatLnSpc="1"/>
           <a:lstStyle>
             <a:lvl1pPr eaLnBrk="0" hangingPunct="0">
               <a:defRPr>
                 <a:solidFill>
                   <a:schemeClr val="tx1"/>
                 </a:solidFill>
-                <a:latin typeface="Arial" charset="0"/>
+                <a:latin typeface="Arial" panose="020B0604020202090204" pitchFamily="34" charset="0"/>
                 <a:ea typeface="宋体" pitchFamily="2" charset="-122"/>
               </a:defRPr>
             </a:lvl1pPr>
@@ -906,7 +860,7 @@
                 <a:solidFill>
                   <a:schemeClr val="tx1"/>
                 </a:solidFill>
-                <a:latin typeface="Arial" charset="0"/>
+                <a:latin typeface="Arial" panose="020B0604020202090204" pitchFamily="34" charset="0"/>
                 <a:ea typeface="宋体" pitchFamily="2" charset="-122"/>
               </a:defRPr>
             </a:lvl2pPr>
@@ -915,7 +869,7 @@
                 <a:solidFill>
                   <a:schemeClr val="tx1"/>
                 </a:solidFill>
-                <a:latin typeface="Arial" charset="0"/>
+                <a:latin typeface="Arial" panose="020B0604020202090204" pitchFamily="34" charset="0"/>
                 <a:ea typeface="宋体" pitchFamily="2" charset="-122"/>
               </a:defRPr>
             </a:lvl3pPr>
@@ -924,7 +878,7 @@
                 <a:solidFill>
                   <a:schemeClr val="tx1"/>
                 </a:solidFill>
-                <a:latin typeface="Arial" charset="0"/>
+                <a:latin typeface="Arial" panose="020B0604020202090204" pitchFamily="34" charset="0"/>
                 <a:ea typeface="宋体" pitchFamily="2" charset="-122"/>
               </a:defRPr>
             </a:lvl4pPr>
@@ -933,7 +887,7 @@
                 <a:solidFill>
                   <a:schemeClr val="tx1"/>
                 </a:solidFill>
-                <a:latin typeface="Arial" charset="0"/>
+                <a:latin typeface="Arial" panose="020B0604020202090204" pitchFamily="34" charset="0"/>
                 <a:ea typeface="宋体" pitchFamily="2" charset="-122"/>
               </a:defRPr>
             </a:lvl5pPr>
@@ -948,7 +902,7 @@
                 <a:solidFill>
                   <a:schemeClr val="tx1"/>
                 </a:solidFill>
-                <a:latin typeface="Arial" charset="0"/>
+                <a:latin typeface="Arial" panose="020B0604020202090204" pitchFamily="34" charset="0"/>
                 <a:ea typeface="宋体" pitchFamily="2" charset="-122"/>
               </a:defRPr>
             </a:lvl6pPr>
@@ -963,7 +917,7 @@
                 <a:solidFill>
                   <a:schemeClr val="tx1"/>
                 </a:solidFill>
-                <a:latin typeface="Arial" charset="0"/>
+                <a:latin typeface="Arial" panose="020B0604020202090204" pitchFamily="34" charset="0"/>
                 <a:ea typeface="宋体" pitchFamily="2" charset="-122"/>
               </a:defRPr>
             </a:lvl7pPr>
@@ -978,7 +932,7 @@
                 <a:solidFill>
                   <a:schemeClr val="tx1"/>
                 </a:solidFill>
-                <a:latin typeface="Arial" charset="0"/>
+                <a:latin typeface="Arial" panose="020B0604020202090204" pitchFamily="34" charset="0"/>
                 <a:ea typeface="宋体" pitchFamily="2" charset="-122"/>
               </a:defRPr>
             </a:lvl8pPr>
@@ -993,7 +947,7 @@
                 <a:solidFill>
                   <a:schemeClr val="tx1"/>
                 </a:solidFill>
-                <a:latin typeface="Arial" charset="0"/>
+                <a:latin typeface="Arial" panose="020B0604020202090204" pitchFamily="34" charset="0"/>
                 <a:ea typeface="宋体" pitchFamily="2" charset="-122"/>
               </a:defRPr>
             </a:lvl9pPr>
@@ -1006,8 +960,6 @@
                   <a:prstClr val="black"/>
                 </a:solidFill>
               </a:rPr>
-              <a:pPr eaLnBrk="1" hangingPunct="1"/>
-              <a:t>10</a:t>
             </a:fld>
             <a:endParaRPr lang="zh-CN" altLang="en-US">
               <a:solidFill>
@@ -1018,11 +970,6 @@
         </p:txBody>
       </p:sp>
     </p:spTree>
-    <p:extLst>
-      <p:ext uri="{BB962C8B-B14F-4D97-AF65-F5344CB8AC3E}">
-        <p14:creationId xmlns:p14="http://schemas.microsoft.com/office/powerpoint/2010/main" val="3268415494"/>
-      </p:ext>
-    </p:extLst>
   </p:cSld>
   <p:clrMapOvr>
     <a:masterClrMapping/>
@@ -1064,8 +1011,6 @@
               <a:srgbClr val="000000"/>
             </a:solidFill>
             <a:miter lim="800000"/>
-            <a:headEnd/>
-            <a:tailEnd/>
           </a:ln>
           <a:extLst>
             <a:ext uri="{909E8E84-426E-40DD-AFC4-6F175D3DCCD1}">
@@ -1111,11 +1056,7 @@
           </a:extLst>
         </p:spPr>
         <p:txBody>
-          <a:bodyPr wrap="square" numCol="1" anchor="t" anchorCtr="0" compatLnSpc="1">
-            <a:prstTxWarp prst="textNoShape">
-              <a:avLst/>
-            </a:prstTxWarp>
-          </a:bodyPr>
+          <a:bodyPr wrap="square" numCol="1" anchor="t" anchorCtr="0" compatLnSpc="1"/>
           <a:lstStyle/>
           <a:p>
             <a:endParaRPr lang="zh-CN" altLang="en-US" dirty="0" smtClean="0"/>
@@ -1155,18 +1096,14 @@
           </a:extLst>
         </p:spPr>
         <p:txBody>
-          <a:bodyPr wrap="square" numCol="1" anchorCtr="0" compatLnSpc="1">
-            <a:prstTxWarp prst="textNoShape">
-              <a:avLst/>
-            </a:prstTxWarp>
-          </a:bodyPr>
+          <a:bodyPr wrap="square" numCol="1" anchorCtr="0" compatLnSpc="1"/>
           <a:lstStyle>
             <a:lvl1pPr eaLnBrk="0" hangingPunct="0">
               <a:defRPr>
                 <a:solidFill>
                   <a:schemeClr val="tx1"/>
                 </a:solidFill>
-                <a:latin typeface="Arial" charset="0"/>
+                <a:latin typeface="Arial" panose="020B0604020202090204" pitchFamily="34" charset="0"/>
                 <a:ea typeface="宋体" pitchFamily="2" charset="-122"/>
               </a:defRPr>
             </a:lvl1pPr>
@@ -1175,7 +1112,7 @@
                 <a:solidFill>
                   <a:schemeClr val="tx1"/>
                 </a:solidFill>
-                <a:latin typeface="Arial" charset="0"/>
+                <a:latin typeface="Arial" panose="020B0604020202090204" pitchFamily="34" charset="0"/>
                 <a:ea typeface="宋体" pitchFamily="2" charset="-122"/>
               </a:defRPr>
             </a:lvl2pPr>
@@ -1184,7 +1121,7 @@
                 <a:solidFill>
                   <a:schemeClr val="tx1"/>
                 </a:solidFill>
-                <a:latin typeface="Arial" charset="0"/>
+                <a:latin typeface="Arial" panose="020B0604020202090204" pitchFamily="34" charset="0"/>
                 <a:ea typeface="宋体" pitchFamily="2" charset="-122"/>
               </a:defRPr>
             </a:lvl3pPr>
@@ -1193,7 +1130,7 @@
                 <a:solidFill>
                   <a:schemeClr val="tx1"/>
                 </a:solidFill>
-                <a:latin typeface="Arial" charset="0"/>
+                <a:latin typeface="Arial" panose="020B0604020202090204" pitchFamily="34" charset="0"/>
                 <a:ea typeface="宋体" pitchFamily="2" charset="-122"/>
               </a:defRPr>
             </a:lvl4pPr>
@@ -1202,7 +1139,7 @@
                 <a:solidFill>
                   <a:schemeClr val="tx1"/>
                 </a:solidFill>
-                <a:latin typeface="Arial" charset="0"/>
+                <a:latin typeface="Arial" panose="020B0604020202090204" pitchFamily="34" charset="0"/>
                 <a:ea typeface="宋体" pitchFamily="2" charset="-122"/>
               </a:defRPr>
             </a:lvl5pPr>
@@ -1217,7 +1154,7 @@
                 <a:solidFill>
                   <a:schemeClr val="tx1"/>
                 </a:solidFill>
-                <a:latin typeface="Arial" charset="0"/>
+                <a:latin typeface="Arial" panose="020B0604020202090204" pitchFamily="34" charset="0"/>
                 <a:ea typeface="宋体" pitchFamily="2" charset="-122"/>
               </a:defRPr>
             </a:lvl6pPr>
@@ -1232,7 +1169,7 @@
                 <a:solidFill>
                   <a:schemeClr val="tx1"/>
                 </a:solidFill>
-                <a:latin typeface="Arial" charset="0"/>
+                <a:latin typeface="Arial" panose="020B0604020202090204" pitchFamily="34" charset="0"/>
                 <a:ea typeface="宋体" pitchFamily="2" charset="-122"/>
               </a:defRPr>
             </a:lvl7pPr>
@@ -1247,7 +1184,7 @@
                 <a:solidFill>
                   <a:schemeClr val="tx1"/>
                 </a:solidFill>
-                <a:latin typeface="Arial" charset="0"/>
+                <a:latin typeface="Arial" panose="020B0604020202090204" pitchFamily="34" charset="0"/>
                 <a:ea typeface="宋体" pitchFamily="2" charset="-122"/>
               </a:defRPr>
             </a:lvl8pPr>
@@ -1262,7 +1199,7 @@
                 <a:solidFill>
                   <a:schemeClr val="tx1"/>
                 </a:solidFill>
-                <a:latin typeface="Arial" charset="0"/>
+                <a:latin typeface="Arial" panose="020B0604020202090204" pitchFamily="34" charset="0"/>
                 <a:ea typeface="宋体" pitchFamily="2" charset="-122"/>
               </a:defRPr>
             </a:lvl9pPr>
@@ -1275,8 +1212,6 @@
                   <a:prstClr val="black"/>
                 </a:solidFill>
               </a:rPr>
-              <a:pPr eaLnBrk="1" hangingPunct="1"/>
-              <a:t>2</a:t>
             </a:fld>
             <a:endParaRPr lang="zh-CN" altLang="en-US">
               <a:solidFill>
@@ -1287,11 +1222,6 @@
         </p:txBody>
       </p:sp>
     </p:spTree>
-    <p:extLst>
-      <p:ext uri="{BB962C8B-B14F-4D97-AF65-F5344CB8AC3E}">
-        <p14:creationId xmlns:p14="http://schemas.microsoft.com/office/powerpoint/2010/main" val="1694410338"/>
-      </p:ext>
-    </p:extLst>
   </p:cSld>
   <p:clrMapOvr>
     <a:masterClrMapping/>
@@ -1333,8 +1263,6 @@
               <a:srgbClr val="000000"/>
             </a:solidFill>
             <a:miter lim="800000"/>
-            <a:headEnd/>
-            <a:tailEnd/>
           </a:ln>
           <a:extLst>
             <a:ext uri="{909E8E84-426E-40DD-AFC4-6F175D3DCCD1}">
@@ -1380,11 +1308,7 @@
           </a:extLst>
         </p:spPr>
         <p:txBody>
-          <a:bodyPr wrap="square" numCol="1" anchor="t" anchorCtr="0" compatLnSpc="1">
-            <a:prstTxWarp prst="textNoShape">
-              <a:avLst/>
-            </a:prstTxWarp>
-          </a:bodyPr>
+          <a:bodyPr wrap="square" numCol="1" anchor="t" anchorCtr="0" compatLnSpc="1"/>
           <a:lstStyle/>
           <a:p>
             <a:endParaRPr lang="zh-CN" altLang="en-US" dirty="0" smtClean="0"/>
@@ -1424,18 +1348,14 @@
           </a:extLst>
         </p:spPr>
         <p:txBody>
-          <a:bodyPr wrap="square" numCol="1" anchorCtr="0" compatLnSpc="1">
-            <a:prstTxWarp prst="textNoShape">
-              <a:avLst/>
-            </a:prstTxWarp>
-          </a:bodyPr>
+          <a:bodyPr wrap="square" numCol="1" anchorCtr="0" compatLnSpc="1"/>
           <a:lstStyle>
             <a:lvl1pPr eaLnBrk="0" hangingPunct="0">
               <a:defRPr>
                 <a:solidFill>
                   <a:schemeClr val="tx1"/>
                 </a:solidFill>
-                <a:latin typeface="Arial" charset="0"/>
+                <a:latin typeface="Arial" panose="020B0604020202090204" pitchFamily="34" charset="0"/>
                 <a:ea typeface="宋体" pitchFamily="2" charset="-122"/>
               </a:defRPr>
             </a:lvl1pPr>
@@ -1444,7 +1364,7 @@
                 <a:solidFill>
                   <a:schemeClr val="tx1"/>
                 </a:solidFill>
-                <a:latin typeface="Arial" charset="0"/>
+                <a:latin typeface="Arial" panose="020B0604020202090204" pitchFamily="34" charset="0"/>
                 <a:ea typeface="宋体" pitchFamily="2" charset="-122"/>
               </a:defRPr>
             </a:lvl2pPr>
@@ -1453,7 +1373,7 @@
                 <a:solidFill>
                   <a:schemeClr val="tx1"/>
                 </a:solidFill>
-                <a:latin typeface="Arial" charset="0"/>
+                <a:latin typeface="Arial" panose="020B0604020202090204" pitchFamily="34" charset="0"/>
                 <a:ea typeface="宋体" pitchFamily="2" charset="-122"/>
               </a:defRPr>
             </a:lvl3pPr>
@@ -1462,7 +1382,7 @@
                 <a:solidFill>
                   <a:schemeClr val="tx1"/>
                 </a:solidFill>
-                <a:latin typeface="Arial" charset="0"/>
+                <a:latin typeface="Arial" panose="020B0604020202090204" pitchFamily="34" charset="0"/>
                 <a:ea typeface="宋体" pitchFamily="2" charset="-122"/>
               </a:defRPr>
             </a:lvl4pPr>
@@ -1471,7 +1391,7 @@
                 <a:solidFill>
                   <a:schemeClr val="tx1"/>
                 </a:solidFill>
-                <a:latin typeface="Arial" charset="0"/>
+                <a:latin typeface="Arial" panose="020B0604020202090204" pitchFamily="34" charset="0"/>
                 <a:ea typeface="宋体" pitchFamily="2" charset="-122"/>
               </a:defRPr>
             </a:lvl5pPr>
@@ -1486,7 +1406,7 @@
                 <a:solidFill>
                   <a:schemeClr val="tx1"/>
                 </a:solidFill>
-                <a:latin typeface="Arial" charset="0"/>
+                <a:latin typeface="Arial" panose="020B0604020202090204" pitchFamily="34" charset="0"/>
                 <a:ea typeface="宋体" pitchFamily="2" charset="-122"/>
               </a:defRPr>
             </a:lvl6pPr>
@@ -1501,7 +1421,7 @@
                 <a:solidFill>
                   <a:schemeClr val="tx1"/>
                 </a:solidFill>
-                <a:latin typeface="Arial" charset="0"/>
+                <a:latin typeface="Arial" panose="020B0604020202090204" pitchFamily="34" charset="0"/>
                 <a:ea typeface="宋体" pitchFamily="2" charset="-122"/>
               </a:defRPr>
             </a:lvl7pPr>
@@ -1516,7 +1436,7 @@
                 <a:solidFill>
                   <a:schemeClr val="tx1"/>
                 </a:solidFill>
-                <a:latin typeface="Arial" charset="0"/>
+                <a:latin typeface="Arial" panose="020B0604020202090204" pitchFamily="34" charset="0"/>
                 <a:ea typeface="宋体" pitchFamily="2" charset="-122"/>
               </a:defRPr>
             </a:lvl8pPr>
@@ -1531,7 +1451,7 @@
                 <a:solidFill>
                   <a:schemeClr val="tx1"/>
                 </a:solidFill>
-                <a:latin typeface="Arial" charset="0"/>
+                <a:latin typeface="Arial" panose="020B0604020202090204" pitchFamily="34" charset="0"/>
                 <a:ea typeface="宋体" pitchFamily="2" charset="-122"/>
               </a:defRPr>
             </a:lvl9pPr>
@@ -1544,8 +1464,6 @@
                   <a:prstClr val="black"/>
                 </a:solidFill>
               </a:rPr>
-              <a:pPr eaLnBrk="1" hangingPunct="1"/>
-              <a:t>3</a:t>
             </a:fld>
             <a:endParaRPr lang="zh-CN" altLang="en-US">
               <a:solidFill>
@@ -1556,11 +1474,6 @@
         </p:txBody>
       </p:sp>
     </p:spTree>
-    <p:extLst>
-      <p:ext uri="{BB962C8B-B14F-4D97-AF65-F5344CB8AC3E}">
-        <p14:creationId xmlns:p14="http://schemas.microsoft.com/office/powerpoint/2010/main" val="912889680"/>
-      </p:ext>
-    </p:extLst>
   </p:cSld>
   <p:clrMapOvr>
     <a:masterClrMapping/>
@@ -1602,8 +1515,6 @@
               <a:srgbClr val="000000"/>
             </a:solidFill>
             <a:miter lim="800000"/>
-            <a:headEnd/>
-            <a:tailEnd/>
           </a:ln>
           <a:extLst>
             <a:ext uri="{909E8E84-426E-40DD-AFC4-6F175D3DCCD1}">
@@ -1649,11 +1560,7 @@
           </a:extLst>
         </p:spPr>
         <p:txBody>
-          <a:bodyPr wrap="square" numCol="1" anchor="t" anchorCtr="0" compatLnSpc="1">
-            <a:prstTxWarp prst="textNoShape">
-              <a:avLst/>
-            </a:prstTxWarp>
-          </a:bodyPr>
+          <a:bodyPr wrap="square" numCol="1" anchor="t" anchorCtr="0" compatLnSpc="1"/>
           <a:lstStyle/>
           <a:p>
             <a:endParaRPr lang="zh-CN" altLang="en-US" dirty="0" smtClean="0"/>
@@ -1693,18 +1600,14 @@
           </a:extLst>
         </p:spPr>
         <p:txBody>
-          <a:bodyPr wrap="square" numCol="1" anchorCtr="0" compatLnSpc="1">
-            <a:prstTxWarp prst="textNoShape">
-              <a:avLst/>
-            </a:prstTxWarp>
-          </a:bodyPr>
+          <a:bodyPr wrap="square" numCol="1" anchorCtr="0" compatLnSpc="1"/>
           <a:lstStyle>
             <a:lvl1pPr eaLnBrk="0" hangingPunct="0">
               <a:defRPr>
                 <a:solidFill>
                   <a:schemeClr val="tx1"/>
                 </a:solidFill>
-                <a:latin typeface="Arial" charset="0"/>
+                <a:latin typeface="Arial" panose="020B0604020202090204" pitchFamily="34" charset="0"/>
                 <a:ea typeface="宋体" pitchFamily="2" charset="-122"/>
               </a:defRPr>
             </a:lvl1pPr>
@@ -1713,7 +1616,7 @@
                 <a:solidFill>
                   <a:schemeClr val="tx1"/>
                 </a:solidFill>
-                <a:latin typeface="Arial" charset="0"/>
+                <a:latin typeface="Arial" panose="020B0604020202090204" pitchFamily="34" charset="0"/>
                 <a:ea typeface="宋体" pitchFamily="2" charset="-122"/>
               </a:defRPr>
             </a:lvl2pPr>
@@ -1722,7 +1625,7 @@
                 <a:solidFill>
                   <a:schemeClr val="tx1"/>
                 </a:solidFill>
-                <a:latin typeface="Arial" charset="0"/>
+                <a:latin typeface="Arial" panose="020B0604020202090204" pitchFamily="34" charset="0"/>
                 <a:ea typeface="宋体" pitchFamily="2" charset="-122"/>
               </a:defRPr>
             </a:lvl3pPr>
@@ -1731,7 +1634,7 @@
                 <a:solidFill>
                   <a:schemeClr val="tx1"/>
                 </a:solidFill>
-                <a:latin typeface="Arial" charset="0"/>
+                <a:latin typeface="Arial" panose="020B0604020202090204" pitchFamily="34" charset="0"/>
                 <a:ea typeface="宋体" pitchFamily="2" charset="-122"/>
               </a:defRPr>
             </a:lvl4pPr>
@@ -1740,7 +1643,7 @@
                 <a:solidFill>
                   <a:schemeClr val="tx1"/>
                 </a:solidFill>
-                <a:latin typeface="Arial" charset="0"/>
+                <a:latin typeface="Arial" panose="020B0604020202090204" pitchFamily="34" charset="0"/>
                 <a:ea typeface="宋体" pitchFamily="2" charset="-122"/>
               </a:defRPr>
             </a:lvl5pPr>
@@ -1755,7 +1658,7 @@
                 <a:solidFill>
                   <a:schemeClr val="tx1"/>
                 </a:solidFill>
-                <a:latin typeface="Arial" charset="0"/>
+                <a:latin typeface="Arial" panose="020B0604020202090204" pitchFamily="34" charset="0"/>
                 <a:ea typeface="宋体" pitchFamily="2" charset="-122"/>
               </a:defRPr>
             </a:lvl6pPr>
@@ -1770,7 +1673,7 @@
                 <a:solidFill>
                   <a:schemeClr val="tx1"/>
                 </a:solidFill>
-                <a:latin typeface="Arial" charset="0"/>
+                <a:latin typeface="Arial" panose="020B0604020202090204" pitchFamily="34" charset="0"/>
                 <a:ea typeface="宋体" pitchFamily="2" charset="-122"/>
               </a:defRPr>
             </a:lvl7pPr>
@@ -1785,7 +1688,7 @@
                 <a:solidFill>
                   <a:schemeClr val="tx1"/>
                 </a:solidFill>
-                <a:latin typeface="Arial" charset="0"/>
+                <a:latin typeface="Arial" panose="020B0604020202090204" pitchFamily="34" charset="0"/>
                 <a:ea typeface="宋体" pitchFamily="2" charset="-122"/>
               </a:defRPr>
             </a:lvl8pPr>
@@ -1800,7 +1703,7 @@
                 <a:solidFill>
                   <a:schemeClr val="tx1"/>
                 </a:solidFill>
-                <a:latin typeface="Arial" charset="0"/>
+                <a:latin typeface="Arial" panose="020B0604020202090204" pitchFamily="34" charset="0"/>
                 <a:ea typeface="宋体" pitchFamily="2" charset="-122"/>
               </a:defRPr>
             </a:lvl9pPr>
@@ -1813,8 +1716,6 @@
                   <a:prstClr val="black"/>
                 </a:solidFill>
               </a:rPr>
-              <a:pPr eaLnBrk="1" hangingPunct="1"/>
-              <a:t>4</a:t>
             </a:fld>
             <a:endParaRPr lang="zh-CN" altLang="en-US">
               <a:solidFill>
@@ -1825,11 +1726,6 @@
         </p:txBody>
       </p:sp>
     </p:spTree>
-    <p:extLst>
-      <p:ext uri="{BB962C8B-B14F-4D97-AF65-F5344CB8AC3E}">
-        <p14:creationId xmlns:p14="http://schemas.microsoft.com/office/powerpoint/2010/main" val="2501858167"/>
-      </p:ext>
-    </p:extLst>
   </p:cSld>
   <p:clrMapOvr>
     <a:masterClrMapping/>
@@ -1871,8 +1767,6 @@
               <a:srgbClr val="000000"/>
             </a:solidFill>
             <a:miter lim="800000"/>
-            <a:headEnd/>
-            <a:tailEnd/>
           </a:ln>
           <a:extLst>
             <a:ext uri="{909E8E84-426E-40DD-AFC4-6F175D3DCCD1}">
@@ -1918,11 +1812,7 @@
           </a:extLst>
         </p:spPr>
         <p:txBody>
-          <a:bodyPr wrap="square" numCol="1" anchor="t" anchorCtr="0" compatLnSpc="1">
-            <a:prstTxWarp prst="textNoShape">
-              <a:avLst/>
-            </a:prstTxWarp>
-          </a:bodyPr>
+          <a:bodyPr wrap="square" numCol="1" anchor="t" anchorCtr="0" compatLnSpc="1"/>
           <a:lstStyle/>
           <a:p>
             <a:endParaRPr lang="zh-CN" altLang="en-US" dirty="0" smtClean="0"/>
@@ -1962,18 +1852,14 @@
           </a:extLst>
         </p:spPr>
         <p:txBody>
-          <a:bodyPr wrap="square" numCol="1" anchorCtr="0" compatLnSpc="1">
-            <a:prstTxWarp prst="textNoShape">
-              <a:avLst/>
-            </a:prstTxWarp>
-          </a:bodyPr>
+          <a:bodyPr wrap="square" numCol="1" anchorCtr="0" compatLnSpc="1"/>
           <a:lstStyle>
             <a:lvl1pPr eaLnBrk="0" hangingPunct="0">
               <a:defRPr>
                 <a:solidFill>
                   <a:schemeClr val="tx1"/>
                 </a:solidFill>
-                <a:latin typeface="Arial" charset="0"/>
+                <a:latin typeface="Arial" panose="020B0604020202090204" pitchFamily="34" charset="0"/>
                 <a:ea typeface="宋体" pitchFamily="2" charset="-122"/>
               </a:defRPr>
             </a:lvl1pPr>
@@ -1982,7 +1868,7 @@
                 <a:solidFill>
                   <a:schemeClr val="tx1"/>
                 </a:solidFill>
-                <a:latin typeface="Arial" charset="0"/>
+                <a:latin typeface="Arial" panose="020B0604020202090204" pitchFamily="34" charset="0"/>
                 <a:ea typeface="宋体" pitchFamily="2" charset="-122"/>
               </a:defRPr>
             </a:lvl2pPr>
@@ -1991,7 +1877,7 @@
                 <a:solidFill>
                   <a:schemeClr val="tx1"/>
                 </a:solidFill>
-                <a:latin typeface="Arial" charset="0"/>
+                <a:latin typeface="Arial" panose="020B0604020202090204" pitchFamily="34" charset="0"/>
                 <a:ea typeface="宋体" pitchFamily="2" charset="-122"/>
               </a:defRPr>
             </a:lvl3pPr>
@@ -2000,7 +1886,7 @@
                 <a:solidFill>
                   <a:schemeClr val="tx1"/>
                 </a:solidFill>
-                <a:latin typeface="Arial" charset="0"/>
+                <a:latin typeface="Arial" panose="020B0604020202090204" pitchFamily="34" charset="0"/>
                 <a:ea typeface="宋体" pitchFamily="2" charset="-122"/>
               </a:defRPr>
             </a:lvl4pPr>
@@ -2009,7 +1895,7 @@
                 <a:solidFill>
                   <a:schemeClr val="tx1"/>
                 </a:solidFill>
-                <a:latin typeface="Arial" charset="0"/>
+                <a:latin typeface="Arial" panose="020B0604020202090204" pitchFamily="34" charset="0"/>
                 <a:ea typeface="宋体" pitchFamily="2" charset="-122"/>
               </a:defRPr>
             </a:lvl5pPr>
@@ -2024,7 +1910,7 @@
                 <a:solidFill>
                   <a:schemeClr val="tx1"/>
                 </a:solidFill>
-                <a:latin typeface="Arial" charset="0"/>
+                <a:latin typeface="Arial" panose="020B0604020202090204" pitchFamily="34" charset="0"/>
                 <a:ea typeface="宋体" pitchFamily="2" charset="-122"/>
               </a:defRPr>
             </a:lvl6pPr>
@@ -2039,7 +1925,7 @@
                 <a:solidFill>
                   <a:schemeClr val="tx1"/>
                 </a:solidFill>
-                <a:latin typeface="Arial" charset="0"/>
+                <a:latin typeface="Arial" panose="020B0604020202090204" pitchFamily="34" charset="0"/>
                 <a:ea typeface="宋体" pitchFamily="2" charset="-122"/>
               </a:defRPr>
             </a:lvl7pPr>
@@ -2054,7 +1940,7 @@
                 <a:solidFill>
                   <a:schemeClr val="tx1"/>
                 </a:solidFill>
-                <a:latin typeface="Arial" charset="0"/>
+                <a:latin typeface="Arial" panose="020B0604020202090204" pitchFamily="34" charset="0"/>
                 <a:ea typeface="宋体" pitchFamily="2" charset="-122"/>
               </a:defRPr>
             </a:lvl8pPr>
@@ -2069,7 +1955,7 @@
                 <a:solidFill>
                   <a:schemeClr val="tx1"/>
                 </a:solidFill>
-                <a:latin typeface="Arial" charset="0"/>
+                <a:latin typeface="Arial" panose="020B0604020202090204" pitchFamily="34" charset="0"/>
                 <a:ea typeface="宋体" pitchFamily="2" charset="-122"/>
               </a:defRPr>
             </a:lvl9pPr>
@@ -2082,8 +1968,6 @@
                   <a:prstClr val="black"/>
                 </a:solidFill>
               </a:rPr>
-              <a:pPr eaLnBrk="1" hangingPunct="1"/>
-              <a:t>5</a:t>
             </a:fld>
             <a:endParaRPr lang="zh-CN" altLang="en-US">
               <a:solidFill>
@@ -2094,11 +1978,6 @@
         </p:txBody>
       </p:sp>
     </p:spTree>
-    <p:extLst>
-      <p:ext uri="{BB962C8B-B14F-4D97-AF65-F5344CB8AC3E}">
-        <p14:creationId xmlns:p14="http://schemas.microsoft.com/office/powerpoint/2010/main" val="1950299614"/>
-      </p:ext>
-    </p:extLst>
   </p:cSld>
   <p:clrMapOvr>
     <a:masterClrMapping/>
@@ -2140,8 +2019,6 @@
               <a:srgbClr val="000000"/>
             </a:solidFill>
             <a:miter lim="800000"/>
-            <a:headEnd/>
-            <a:tailEnd/>
           </a:ln>
           <a:extLst>
             <a:ext uri="{909E8E84-426E-40DD-AFC4-6F175D3DCCD1}">
@@ -2187,11 +2064,7 @@
           </a:extLst>
         </p:spPr>
         <p:txBody>
-          <a:bodyPr wrap="square" numCol="1" anchor="t" anchorCtr="0" compatLnSpc="1">
-            <a:prstTxWarp prst="textNoShape">
-              <a:avLst/>
-            </a:prstTxWarp>
-          </a:bodyPr>
+          <a:bodyPr wrap="square" numCol="1" anchor="t" anchorCtr="0" compatLnSpc="1"/>
           <a:lstStyle/>
           <a:p>
             <a:endParaRPr lang="zh-CN" altLang="en-US" dirty="0" smtClean="0"/>
@@ -2231,18 +2104,14 @@
           </a:extLst>
         </p:spPr>
         <p:txBody>
-          <a:bodyPr wrap="square" numCol="1" anchorCtr="0" compatLnSpc="1">
-            <a:prstTxWarp prst="textNoShape">
-              <a:avLst/>
-            </a:prstTxWarp>
-          </a:bodyPr>
+          <a:bodyPr wrap="square" numCol="1" anchorCtr="0" compatLnSpc="1"/>
           <a:lstStyle>
             <a:lvl1pPr eaLnBrk="0" hangingPunct="0">
               <a:defRPr>
                 <a:solidFill>
                   <a:schemeClr val="tx1"/>
                 </a:solidFill>
-                <a:latin typeface="Arial" charset="0"/>
+                <a:latin typeface="Arial" panose="020B0604020202090204" pitchFamily="34" charset="0"/>
                 <a:ea typeface="宋体" pitchFamily="2" charset="-122"/>
               </a:defRPr>
             </a:lvl1pPr>
@@ -2251,7 +2120,7 @@
                 <a:solidFill>
                   <a:schemeClr val="tx1"/>
                 </a:solidFill>
-                <a:latin typeface="Arial" charset="0"/>
+                <a:latin typeface="Arial" panose="020B0604020202090204" pitchFamily="34" charset="0"/>
                 <a:ea typeface="宋体" pitchFamily="2" charset="-122"/>
               </a:defRPr>
             </a:lvl2pPr>
@@ -2260,7 +2129,7 @@
                 <a:solidFill>
                   <a:schemeClr val="tx1"/>
                 </a:solidFill>
-                <a:latin typeface="Arial" charset="0"/>
+                <a:latin typeface="Arial" panose="020B0604020202090204" pitchFamily="34" charset="0"/>
                 <a:ea typeface="宋体" pitchFamily="2" charset="-122"/>
               </a:defRPr>
             </a:lvl3pPr>
@@ -2269,7 +2138,7 @@
                 <a:solidFill>
                   <a:schemeClr val="tx1"/>
                 </a:solidFill>
-                <a:latin typeface="Arial" charset="0"/>
+                <a:latin typeface="Arial" panose="020B0604020202090204" pitchFamily="34" charset="0"/>
                 <a:ea typeface="宋体" pitchFamily="2" charset="-122"/>
               </a:defRPr>
             </a:lvl4pPr>
@@ -2278,7 +2147,7 @@
                 <a:solidFill>
                   <a:schemeClr val="tx1"/>
                 </a:solidFill>
-                <a:latin typeface="Arial" charset="0"/>
+                <a:latin typeface="Arial" panose="020B0604020202090204" pitchFamily="34" charset="0"/>
                 <a:ea typeface="宋体" pitchFamily="2" charset="-122"/>
               </a:defRPr>
             </a:lvl5pPr>
@@ -2293,7 +2162,7 @@
                 <a:solidFill>
                   <a:schemeClr val="tx1"/>
                 </a:solidFill>
-                <a:latin typeface="Arial" charset="0"/>
+                <a:latin typeface="Arial" panose="020B0604020202090204" pitchFamily="34" charset="0"/>
                 <a:ea typeface="宋体" pitchFamily="2" charset="-122"/>
               </a:defRPr>
             </a:lvl6pPr>
@@ -2308,7 +2177,7 @@
                 <a:solidFill>
                   <a:schemeClr val="tx1"/>
                 </a:solidFill>
-                <a:latin typeface="Arial" charset="0"/>
+                <a:latin typeface="Arial" panose="020B0604020202090204" pitchFamily="34" charset="0"/>
                 <a:ea typeface="宋体" pitchFamily="2" charset="-122"/>
               </a:defRPr>
             </a:lvl7pPr>
@@ -2323,7 +2192,7 @@
                 <a:solidFill>
                   <a:schemeClr val="tx1"/>
                 </a:solidFill>
-                <a:latin typeface="Arial" charset="0"/>
+                <a:latin typeface="Arial" panose="020B0604020202090204" pitchFamily="34" charset="0"/>
                 <a:ea typeface="宋体" pitchFamily="2" charset="-122"/>
               </a:defRPr>
             </a:lvl8pPr>
@@ -2338,7 +2207,7 @@
                 <a:solidFill>
                   <a:schemeClr val="tx1"/>
                 </a:solidFill>
-                <a:latin typeface="Arial" charset="0"/>
+                <a:latin typeface="Arial" panose="020B0604020202090204" pitchFamily="34" charset="0"/>
                 <a:ea typeface="宋体" pitchFamily="2" charset="-122"/>
               </a:defRPr>
             </a:lvl9pPr>
@@ -2351,8 +2220,6 @@
                   <a:prstClr val="black"/>
                 </a:solidFill>
               </a:rPr>
-              <a:pPr eaLnBrk="1" hangingPunct="1"/>
-              <a:t>6</a:t>
             </a:fld>
             <a:endParaRPr lang="zh-CN" altLang="en-US">
               <a:solidFill>
@@ -2363,11 +2230,6 @@
         </p:txBody>
       </p:sp>
     </p:spTree>
-    <p:extLst>
-      <p:ext uri="{BB962C8B-B14F-4D97-AF65-F5344CB8AC3E}">
-        <p14:creationId xmlns:p14="http://schemas.microsoft.com/office/powerpoint/2010/main" val="1833147074"/>
-      </p:ext>
-    </p:extLst>
   </p:cSld>
   <p:clrMapOvr>
     <a:masterClrMapping/>
@@ -2409,8 +2271,6 @@
               <a:srgbClr val="000000"/>
             </a:solidFill>
             <a:miter lim="800000"/>
-            <a:headEnd/>
-            <a:tailEnd/>
           </a:ln>
           <a:extLst>
             <a:ext uri="{909E8E84-426E-40DD-AFC4-6F175D3DCCD1}">
@@ -2456,11 +2316,7 @@
           </a:extLst>
         </p:spPr>
         <p:txBody>
-          <a:bodyPr wrap="square" numCol="1" anchor="t" anchorCtr="0" compatLnSpc="1">
-            <a:prstTxWarp prst="textNoShape">
-              <a:avLst/>
-            </a:prstTxWarp>
-          </a:bodyPr>
+          <a:bodyPr wrap="square" numCol="1" anchor="t" anchorCtr="0" compatLnSpc="1"/>
           <a:lstStyle/>
           <a:p>
             <a:endParaRPr lang="zh-CN" altLang="en-US" dirty="0" smtClean="0"/>
@@ -2500,18 +2356,14 @@
           </a:extLst>
         </p:spPr>
         <p:txBody>
-          <a:bodyPr wrap="square" numCol="1" anchorCtr="0" compatLnSpc="1">
-            <a:prstTxWarp prst="textNoShape">
-              <a:avLst/>
-            </a:prstTxWarp>
-          </a:bodyPr>
+          <a:bodyPr wrap="square" numCol="1" anchorCtr="0" compatLnSpc="1"/>
           <a:lstStyle>
             <a:lvl1pPr eaLnBrk="0" hangingPunct="0">
               <a:defRPr>
                 <a:solidFill>
                   <a:schemeClr val="tx1"/>
                 </a:solidFill>
-                <a:latin typeface="Arial" charset="0"/>
+                <a:latin typeface="Arial" panose="020B0604020202090204" pitchFamily="34" charset="0"/>
                 <a:ea typeface="宋体" pitchFamily="2" charset="-122"/>
               </a:defRPr>
             </a:lvl1pPr>
@@ -2520,7 +2372,7 @@
                 <a:solidFill>
                   <a:schemeClr val="tx1"/>
                 </a:solidFill>
-                <a:latin typeface="Arial" charset="0"/>
+                <a:latin typeface="Arial" panose="020B0604020202090204" pitchFamily="34" charset="0"/>
                 <a:ea typeface="宋体" pitchFamily="2" charset="-122"/>
               </a:defRPr>
             </a:lvl2pPr>
@@ -2529,7 +2381,7 @@
                 <a:solidFill>
                   <a:schemeClr val="tx1"/>
                 </a:solidFill>
-                <a:latin typeface="Arial" charset="0"/>
+                <a:latin typeface="Arial" panose="020B0604020202090204" pitchFamily="34" charset="0"/>
                 <a:ea typeface="宋体" pitchFamily="2" charset="-122"/>
               </a:defRPr>
             </a:lvl3pPr>
@@ -2538,7 +2390,7 @@
                 <a:solidFill>
                   <a:schemeClr val="tx1"/>
                 </a:solidFill>
-                <a:latin typeface="Arial" charset="0"/>
+                <a:latin typeface="Arial" panose="020B0604020202090204" pitchFamily="34" charset="0"/>
                 <a:ea typeface="宋体" pitchFamily="2" charset="-122"/>
               </a:defRPr>
             </a:lvl4pPr>
@@ -2547,7 +2399,7 @@
                 <a:solidFill>
                   <a:schemeClr val="tx1"/>
                 </a:solidFill>
-                <a:latin typeface="Arial" charset="0"/>
+                <a:latin typeface="Arial" panose="020B0604020202090204" pitchFamily="34" charset="0"/>
                 <a:ea typeface="宋体" pitchFamily="2" charset="-122"/>
               </a:defRPr>
             </a:lvl5pPr>
@@ -2562,7 +2414,7 @@
                 <a:solidFill>
                   <a:schemeClr val="tx1"/>
                 </a:solidFill>
-                <a:latin typeface="Arial" charset="0"/>
+                <a:latin typeface="Arial" panose="020B0604020202090204" pitchFamily="34" charset="0"/>
                 <a:ea typeface="宋体" pitchFamily="2" charset="-122"/>
               </a:defRPr>
             </a:lvl6pPr>
@@ -2577,7 +2429,7 @@
                 <a:solidFill>
                   <a:schemeClr val="tx1"/>
                 </a:solidFill>
-                <a:latin typeface="Arial" charset="0"/>
+                <a:latin typeface="Arial" panose="020B0604020202090204" pitchFamily="34" charset="0"/>
                 <a:ea typeface="宋体" pitchFamily="2" charset="-122"/>
               </a:defRPr>
             </a:lvl7pPr>
@@ -2592,7 +2444,7 @@
                 <a:solidFill>
                   <a:schemeClr val="tx1"/>
                 </a:solidFill>
-                <a:latin typeface="Arial" charset="0"/>
+                <a:latin typeface="Arial" panose="020B0604020202090204" pitchFamily="34" charset="0"/>
                 <a:ea typeface="宋体" pitchFamily="2" charset="-122"/>
               </a:defRPr>
             </a:lvl8pPr>
@@ -2607,7 +2459,7 @@
                 <a:solidFill>
                   <a:schemeClr val="tx1"/>
                 </a:solidFill>
-                <a:latin typeface="Arial" charset="0"/>
+                <a:latin typeface="Arial" panose="020B0604020202090204" pitchFamily="34" charset="0"/>
                 <a:ea typeface="宋体" pitchFamily="2" charset="-122"/>
               </a:defRPr>
             </a:lvl9pPr>
@@ -2620,8 +2472,6 @@
                   <a:prstClr val="black"/>
                 </a:solidFill>
               </a:rPr>
-              <a:pPr eaLnBrk="1" hangingPunct="1"/>
-              <a:t>7</a:t>
             </a:fld>
             <a:endParaRPr lang="zh-CN" altLang="en-US">
               <a:solidFill>
@@ -2632,11 +2482,6 @@
         </p:txBody>
       </p:sp>
     </p:spTree>
-    <p:extLst>
-      <p:ext uri="{BB962C8B-B14F-4D97-AF65-F5344CB8AC3E}">
-        <p14:creationId xmlns:p14="http://schemas.microsoft.com/office/powerpoint/2010/main" val="1760455159"/>
-      </p:ext>
-    </p:extLst>
   </p:cSld>
   <p:clrMapOvr>
     <a:masterClrMapping/>
@@ -2678,8 +2523,6 @@
               <a:srgbClr val="000000"/>
             </a:solidFill>
             <a:miter lim="800000"/>
-            <a:headEnd/>
-            <a:tailEnd/>
           </a:ln>
           <a:extLst>
             <a:ext uri="{909E8E84-426E-40DD-AFC4-6F175D3DCCD1}">
@@ -2725,11 +2568,7 @@
           </a:extLst>
         </p:spPr>
         <p:txBody>
-          <a:bodyPr wrap="square" numCol="1" anchor="t" anchorCtr="0" compatLnSpc="1">
-            <a:prstTxWarp prst="textNoShape">
-              <a:avLst/>
-            </a:prstTxWarp>
-          </a:bodyPr>
+          <a:bodyPr wrap="square" numCol="1" anchor="t" anchorCtr="0" compatLnSpc="1"/>
           <a:lstStyle/>
           <a:p>
             <a:endParaRPr lang="zh-CN" altLang="en-US" dirty="0" smtClean="0"/>
@@ -2769,18 +2608,14 @@
           </a:extLst>
         </p:spPr>
         <p:txBody>
-          <a:bodyPr wrap="square" numCol="1" anchorCtr="0" compatLnSpc="1">
-            <a:prstTxWarp prst="textNoShape">
-              <a:avLst/>
-            </a:prstTxWarp>
-          </a:bodyPr>
+          <a:bodyPr wrap="square" numCol="1" anchorCtr="0" compatLnSpc="1"/>
           <a:lstStyle>
             <a:lvl1pPr eaLnBrk="0" hangingPunct="0">
               <a:defRPr>
                 <a:solidFill>
                   <a:schemeClr val="tx1"/>
                 </a:solidFill>
-                <a:latin typeface="Arial" charset="0"/>
+                <a:latin typeface="Arial" panose="020B0604020202090204" pitchFamily="34" charset="0"/>
                 <a:ea typeface="宋体" pitchFamily="2" charset="-122"/>
               </a:defRPr>
             </a:lvl1pPr>
@@ -2789,7 +2624,7 @@
                 <a:solidFill>
                   <a:schemeClr val="tx1"/>
                 </a:solidFill>
-                <a:latin typeface="Arial" charset="0"/>
+                <a:latin typeface="Arial" panose="020B0604020202090204" pitchFamily="34" charset="0"/>
                 <a:ea typeface="宋体" pitchFamily="2" charset="-122"/>
               </a:defRPr>
             </a:lvl2pPr>
@@ -2798,7 +2633,7 @@
                 <a:solidFill>
                   <a:schemeClr val="tx1"/>
                 </a:solidFill>
-                <a:latin typeface="Arial" charset="0"/>
+                <a:latin typeface="Arial" panose="020B0604020202090204" pitchFamily="34" charset="0"/>
                 <a:ea typeface="宋体" pitchFamily="2" charset="-122"/>
               </a:defRPr>
             </a:lvl3pPr>
@@ -2807,7 +2642,7 @@
                 <a:solidFill>
                   <a:schemeClr val="tx1"/>
                 </a:solidFill>
-                <a:latin typeface="Arial" charset="0"/>
+                <a:latin typeface="Arial" panose="020B0604020202090204" pitchFamily="34" charset="0"/>
                 <a:ea typeface="宋体" pitchFamily="2" charset="-122"/>
               </a:defRPr>
             </a:lvl4pPr>
@@ -2816,7 +2651,7 @@
                 <a:solidFill>
                   <a:schemeClr val="tx1"/>
                 </a:solidFill>
-                <a:latin typeface="Arial" charset="0"/>
+                <a:latin typeface="Arial" panose="020B0604020202090204" pitchFamily="34" charset="0"/>
                 <a:ea typeface="宋体" pitchFamily="2" charset="-122"/>
               </a:defRPr>
             </a:lvl5pPr>
@@ -2831,7 +2666,7 @@
                 <a:solidFill>
                   <a:schemeClr val="tx1"/>
                 </a:solidFill>
-                <a:latin typeface="Arial" charset="0"/>
+                <a:latin typeface="Arial" panose="020B0604020202090204" pitchFamily="34" charset="0"/>
                 <a:ea typeface="宋体" pitchFamily="2" charset="-122"/>
               </a:defRPr>
             </a:lvl6pPr>
@@ -2846,7 +2681,7 @@
                 <a:solidFill>
                   <a:schemeClr val="tx1"/>
                 </a:solidFill>
-                <a:latin typeface="Arial" charset="0"/>
+                <a:latin typeface="Arial" panose="020B0604020202090204" pitchFamily="34" charset="0"/>
                 <a:ea typeface="宋体" pitchFamily="2" charset="-122"/>
               </a:defRPr>
             </a:lvl7pPr>
@@ -2861,7 +2696,7 @@
                 <a:solidFill>
                   <a:schemeClr val="tx1"/>
                 </a:solidFill>
-                <a:latin typeface="Arial" charset="0"/>
+                <a:latin typeface="Arial" panose="020B0604020202090204" pitchFamily="34" charset="0"/>
                 <a:ea typeface="宋体" pitchFamily="2" charset="-122"/>
               </a:defRPr>
             </a:lvl8pPr>
@@ -2876,7 +2711,7 @@
                 <a:solidFill>
                   <a:schemeClr val="tx1"/>
                 </a:solidFill>
-                <a:latin typeface="Arial" charset="0"/>
+                <a:latin typeface="Arial" panose="020B0604020202090204" pitchFamily="34" charset="0"/>
                 <a:ea typeface="宋体" pitchFamily="2" charset="-122"/>
               </a:defRPr>
             </a:lvl9pPr>
@@ -2889,8 +2724,6 @@
                   <a:prstClr val="black"/>
                 </a:solidFill>
               </a:rPr>
-              <a:pPr eaLnBrk="1" hangingPunct="1"/>
-              <a:t>8</a:t>
             </a:fld>
             <a:endParaRPr lang="zh-CN" altLang="en-US">
               <a:solidFill>
@@ -2901,11 +2734,6 @@
         </p:txBody>
       </p:sp>
     </p:spTree>
-    <p:extLst>
-      <p:ext uri="{BB962C8B-B14F-4D97-AF65-F5344CB8AC3E}">
-        <p14:creationId xmlns:p14="http://schemas.microsoft.com/office/powerpoint/2010/main" val="3296612224"/>
-      </p:ext>
-    </p:extLst>
   </p:cSld>
   <p:clrMapOvr>
     <a:masterClrMapping/>
@@ -2947,8 +2775,6 @@
               <a:srgbClr val="000000"/>
             </a:solidFill>
             <a:miter lim="800000"/>
-            <a:headEnd/>
-            <a:tailEnd/>
           </a:ln>
           <a:extLst>
             <a:ext uri="{909E8E84-426E-40DD-AFC4-6F175D3DCCD1}">
@@ -2994,11 +2820,7 @@
           </a:extLst>
         </p:spPr>
         <p:txBody>
-          <a:bodyPr wrap="square" numCol="1" anchor="t" anchorCtr="0" compatLnSpc="1">
-            <a:prstTxWarp prst="textNoShape">
-              <a:avLst/>
-            </a:prstTxWarp>
-          </a:bodyPr>
+          <a:bodyPr wrap="square" numCol="1" anchor="t" anchorCtr="0" compatLnSpc="1"/>
           <a:lstStyle/>
           <a:p>
             <a:endParaRPr lang="zh-CN" altLang="en-US" dirty="0" smtClean="0"/>
@@ -3038,18 +2860,14 @@
           </a:extLst>
         </p:spPr>
         <p:txBody>
-          <a:bodyPr wrap="square" numCol="1" anchorCtr="0" compatLnSpc="1">
-            <a:prstTxWarp prst="textNoShape">
-              <a:avLst/>
-            </a:prstTxWarp>
-          </a:bodyPr>
+          <a:bodyPr wrap="square" numCol="1" anchorCtr="0" compatLnSpc="1"/>
           <a:lstStyle>
             <a:lvl1pPr eaLnBrk="0" hangingPunct="0">
               <a:defRPr>
                 <a:solidFill>
                   <a:schemeClr val="tx1"/>
                 </a:solidFill>
-                <a:latin typeface="Arial" charset="0"/>
+                <a:latin typeface="Arial" panose="020B0604020202090204" pitchFamily="34" charset="0"/>
                 <a:ea typeface="宋体" pitchFamily="2" charset="-122"/>
               </a:defRPr>
             </a:lvl1pPr>
@@ -3058,7 +2876,7 @@
                 <a:solidFill>
                   <a:schemeClr val="tx1"/>
                 </a:solidFill>
-                <a:latin typeface="Arial" charset="0"/>
+                <a:latin typeface="Arial" panose="020B0604020202090204" pitchFamily="34" charset="0"/>
                 <a:ea typeface="宋体" pitchFamily="2" charset="-122"/>
               </a:defRPr>
             </a:lvl2pPr>
@@ -3067,7 +2885,7 @@
                 <a:solidFill>
                   <a:schemeClr val="tx1"/>
                 </a:solidFill>
-                <a:latin typeface="Arial" charset="0"/>
+                <a:latin typeface="Arial" panose="020B0604020202090204" pitchFamily="34" charset="0"/>
                 <a:ea typeface="宋体" pitchFamily="2" charset="-122"/>
               </a:defRPr>
             </a:lvl3pPr>
@@ -3076,7 +2894,7 @@
                 <a:solidFill>
                   <a:schemeClr val="tx1"/>
                 </a:solidFill>
-                <a:latin typeface="Arial" charset="0"/>
+                <a:latin typeface="Arial" panose="020B0604020202090204" pitchFamily="34" charset="0"/>
                 <a:ea typeface="宋体" pitchFamily="2" charset="-122"/>
               </a:defRPr>
             </a:lvl4pPr>
@@ -3085,7 +2903,7 @@
                 <a:solidFill>
                   <a:schemeClr val="tx1"/>
                 </a:solidFill>
-                <a:latin typeface="Arial" charset="0"/>
+                <a:latin typeface="Arial" panose="020B0604020202090204" pitchFamily="34" charset="0"/>
                 <a:ea typeface="宋体" pitchFamily="2" charset="-122"/>
               </a:defRPr>
             </a:lvl5pPr>
@@ -3100,7 +2918,7 @@
                 <a:solidFill>
                   <a:schemeClr val="tx1"/>
                 </a:solidFill>
-                <a:latin typeface="Arial" charset="0"/>
+                <a:latin typeface="Arial" panose="020B0604020202090204" pitchFamily="34" charset="0"/>
                 <a:ea typeface="宋体" pitchFamily="2" charset="-122"/>
               </a:defRPr>
             </a:lvl6pPr>
@@ -3115,7 +2933,7 @@
                 <a:solidFill>
                   <a:schemeClr val="tx1"/>
                 </a:solidFill>
-                <a:latin typeface="Arial" charset="0"/>
+                <a:latin typeface="Arial" panose="020B0604020202090204" pitchFamily="34" charset="0"/>
                 <a:ea typeface="宋体" pitchFamily="2" charset="-122"/>
               </a:defRPr>
             </a:lvl7pPr>
@@ -3130,7 +2948,7 @@
                 <a:solidFill>
                   <a:schemeClr val="tx1"/>
                 </a:solidFill>
-                <a:latin typeface="Arial" charset="0"/>
+                <a:latin typeface="Arial" panose="020B0604020202090204" pitchFamily="34" charset="0"/>
                 <a:ea typeface="宋体" pitchFamily="2" charset="-122"/>
               </a:defRPr>
             </a:lvl8pPr>
@@ -3145,7 +2963,7 @@
                 <a:solidFill>
                   <a:schemeClr val="tx1"/>
                 </a:solidFill>
-                <a:latin typeface="Arial" charset="0"/>
+                <a:latin typeface="Arial" panose="020B0604020202090204" pitchFamily="34" charset="0"/>
                 <a:ea typeface="宋体" pitchFamily="2" charset="-122"/>
               </a:defRPr>
             </a:lvl9pPr>
@@ -3158,8 +2976,6 @@
                   <a:prstClr val="black"/>
                 </a:solidFill>
               </a:rPr>
-              <a:pPr eaLnBrk="1" hangingPunct="1"/>
-              <a:t>9</a:t>
             </a:fld>
             <a:endParaRPr lang="zh-CN" altLang="en-US">
               <a:solidFill>
@@ -3170,11 +2986,6 @@
         </p:txBody>
       </p:sp>
     </p:spTree>
-    <p:extLst>
-      <p:ext uri="{BB962C8B-B14F-4D97-AF65-F5344CB8AC3E}">
-        <p14:creationId xmlns:p14="http://schemas.microsoft.com/office/powerpoint/2010/main" val="2756669616"/>
-      </p:ext>
-    </p:extLst>
   </p:cSld>
   <p:clrMapOvr>
     <a:masterClrMapping/>
@@ -3388,7 +3199,6 @@
                   </a:prstClr>
                 </a:solidFill>
               </a:rPr>
-              <a:t>2017/10/27</a:t>
             </a:fld>
             <a:endParaRPr lang="zh-CN" altLang="en-US">
               <a:solidFill>
@@ -3477,10 +3287,6 @@
                   <a:prstClr val="black"/>
                 </a:solidFill>
               </a:rPr>
-              <a:pPr>
-                <a:defRPr/>
-              </a:pPr>
-              <a:t>‹#›</a:t>
             </a:fld>
             <a:r>
               <a:rPr lang="zh-CN" altLang="en-US">
@@ -3507,11 +3313,6 @@
         </p:txBody>
       </p:sp>
     </p:spTree>
-    <p:extLst>
-      <p:ext uri="{BB962C8B-B14F-4D97-AF65-F5344CB8AC3E}">
-        <p14:creationId xmlns:p14="http://schemas.microsoft.com/office/powerpoint/2010/main" val="712013199"/>
-      </p:ext>
-    </p:extLst>
   </p:cSld>
   <p:clrMapOvr>
     <a:masterClrMapping/>
@@ -3583,6 +3384,7 @@
               <a:rPr lang="zh-CN" altLang="en-US" dirty="0" smtClean="0"/>
               <a:t>单击此处编辑母版文本样式</a:t>
             </a:r>
+            <a:endParaRPr lang="zh-CN" altLang="en-US" dirty="0" smtClean="0"/>
           </a:p>
           <a:p>
             <a:pPr lvl="1"/>
@@ -3590,6 +3392,7 @@
               <a:rPr lang="zh-CN" altLang="en-US" dirty="0" smtClean="0"/>
               <a:t>第二级</a:t>
             </a:r>
+            <a:endParaRPr lang="zh-CN" altLang="en-US" dirty="0" smtClean="0"/>
           </a:p>
           <a:p>
             <a:pPr lvl="2"/>
@@ -3597,6 +3400,7 @@
               <a:rPr lang="zh-CN" altLang="en-US" dirty="0" smtClean="0"/>
               <a:t>第三级</a:t>
             </a:r>
+            <a:endParaRPr lang="zh-CN" altLang="en-US" dirty="0" smtClean="0"/>
           </a:p>
           <a:p>
             <a:pPr lvl="3"/>
@@ -3604,6 +3408,7 @@
               <a:rPr lang="zh-CN" altLang="en-US" dirty="0" smtClean="0"/>
               <a:t>第四级</a:t>
             </a:r>
+            <a:endParaRPr lang="zh-CN" altLang="en-US" dirty="0" smtClean="0"/>
           </a:p>
           <a:p>
             <a:pPr lvl="4"/>
@@ -3645,7 +3450,6 @@
                   </a:prstClr>
                 </a:solidFill>
               </a:rPr>
-              <a:t>2017/10/27</a:t>
             </a:fld>
             <a:endParaRPr lang="zh-CN" altLang="en-US">
               <a:solidFill>
@@ -3717,7 +3521,6 @@
               <a:buSzTx/>
               <a:buFontTx/>
               <a:buNone/>
-              <a:tabLst/>
               <a:defRPr sz="2000">
                 <a:solidFill>
                   <a:schemeClr val="tx1"/>
@@ -3743,10 +3546,6 @@
                   <a:prstClr val="black"/>
                 </a:solidFill>
               </a:rPr>
-              <a:pPr>
-                <a:defRPr/>
-              </a:pPr>
-              <a:t>‹#›</a:t>
             </a:fld>
             <a:r>
               <a:rPr lang="zh-CN" altLang="en-US">
@@ -3773,11 +3572,6 @@
         </p:txBody>
       </p:sp>
     </p:spTree>
-    <p:extLst>
-      <p:ext uri="{BB962C8B-B14F-4D97-AF65-F5344CB8AC3E}">
-        <p14:creationId xmlns:p14="http://schemas.microsoft.com/office/powerpoint/2010/main" val="249411990"/>
-      </p:ext>
-    </p:extLst>
   </p:cSld>
   <p:clrMapOvr>
     <a:masterClrMapping/>
@@ -3865,6 +3659,7 @@
               <a:rPr lang="zh-CN" altLang="en-US" smtClean="0"/>
               <a:t>单击此处编辑母版文本样式</a:t>
             </a:r>
+            <a:endParaRPr lang="zh-CN" altLang="en-US" smtClean="0"/>
           </a:p>
           <a:p>
             <a:pPr lvl="1"/>
@@ -3872,6 +3667,7 @@
               <a:rPr lang="zh-CN" altLang="en-US" smtClean="0"/>
               <a:t>第二级</a:t>
             </a:r>
+            <a:endParaRPr lang="zh-CN" altLang="en-US" smtClean="0"/>
           </a:p>
           <a:p>
             <a:pPr lvl="2"/>
@@ -3879,6 +3675,7 @@
               <a:rPr lang="zh-CN" altLang="en-US" smtClean="0"/>
               <a:t>第三级</a:t>
             </a:r>
+            <a:endParaRPr lang="zh-CN" altLang="en-US" smtClean="0"/>
           </a:p>
           <a:p>
             <a:pPr lvl="3"/>
@@ -3886,6 +3683,7 @@
               <a:rPr lang="zh-CN" altLang="en-US" smtClean="0"/>
               <a:t>第四级</a:t>
             </a:r>
+            <a:endParaRPr lang="zh-CN" altLang="en-US" smtClean="0"/>
           </a:p>
           <a:p>
             <a:pPr lvl="4"/>
@@ -3927,7 +3725,6 @@
                   </a:prstClr>
                 </a:solidFill>
               </a:rPr>
-              <a:t>2017/10/27</a:t>
             </a:fld>
             <a:endParaRPr lang="zh-CN" altLang="en-US">
               <a:solidFill>
@@ -3999,7 +3796,6 @@
               <a:buSzTx/>
               <a:buFontTx/>
               <a:buNone/>
-              <a:tabLst/>
               <a:defRPr sz="2000">
                 <a:solidFill>
                   <a:schemeClr val="tx1"/>
@@ -4025,10 +3821,6 @@
                   <a:prstClr val="black"/>
                 </a:solidFill>
               </a:rPr>
-              <a:pPr>
-                <a:defRPr/>
-              </a:pPr>
-              <a:t>‹#›</a:t>
             </a:fld>
             <a:r>
               <a:rPr lang="zh-CN" altLang="en-US">
@@ -4055,11 +3847,6 @@
         </p:txBody>
       </p:sp>
     </p:spTree>
-    <p:extLst>
-      <p:ext uri="{BB962C8B-B14F-4D97-AF65-F5344CB8AC3E}">
-        <p14:creationId xmlns:p14="http://schemas.microsoft.com/office/powerpoint/2010/main" val="3660981691"/>
-      </p:ext>
-    </p:extLst>
   </p:cSld>
   <p:clrMapOvr>
     <a:masterClrMapping/>
@@ -4273,7 +4060,6 @@
                   </a:prstClr>
                 </a:solidFill>
               </a:rPr>
-              <a:t>2017/10/27</a:t>
             </a:fld>
             <a:endParaRPr lang="zh-CN" altLang="en-US">
               <a:solidFill>
@@ -4362,10 +4148,6 @@
                   <a:prstClr val="black"/>
                 </a:solidFill>
               </a:rPr>
-              <a:pPr>
-                <a:defRPr/>
-              </a:pPr>
-              <a:t>‹#›</a:t>
             </a:fld>
             <a:r>
               <a:rPr lang="zh-CN" altLang="en-US">
@@ -4392,11 +4174,6 @@
         </p:txBody>
       </p:sp>
     </p:spTree>
-    <p:extLst>
-      <p:ext uri="{BB962C8B-B14F-4D97-AF65-F5344CB8AC3E}">
-        <p14:creationId xmlns:p14="http://schemas.microsoft.com/office/powerpoint/2010/main" val="1031695763"/>
-      </p:ext>
-    </p:extLst>
   </p:cSld>
   <p:clrMapOvr>
     <a:masterClrMapping/>
@@ -4468,6 +4245,7 @@
               <a:rPr lang="zh-CN" altLang="en-US" dirty="0" smtClean="0"/>
               <a:t>单击此处编辑母版文本样式</a:t>
             </a:r>
+            <a:endParaRPr lang="zh-CN" altLang="en-US" dirty="0" smtClean="0"/>
           </a:p>
           <a:p>
             <a:pPr lvl="1"/>
@@ -4475,6 +4253,7 @@
               <a:rPr lang="zh-CN" altLang="en-US" dirty="0" smtClean="0"/>
               <a:t>第二级</a:t>
             </a:r>
+            <a:endParaRPr lang="zh-CN" altLang="en-US" dirty="0" smtClean="0"/>
           </a:p>
           <a:p>
             <a:pPr lvl="2"/>
@@ -4482,6 +4261,7 @@
               <a:rPr lang="zh-CN" altLang="en-US" dirty="0" smtClean="0"/>
               <a:t>第三级</a:t>
             </a:r>
+            <a:endParaRPr lang="zh-CN" altLang="en-US" dirty="0" smtClean="0"/>
           </a:p>
           <a:p>
             <a:pPr lvl="3"/>
@@ -4489,6 +4269,7 @@
               <a:rPr lang="zh-CN" altLang="en-US" dirty="0" smtClean="0"/>
               <a:t>第四级</a:t>
             </a:r>
+            <a:endParaRPr lang="zh-CN" altLang="en-US" dirty="0" smtClean="0"/>
           </a:p>
           <a:p>
             <a:pPr lvl="4"/>
@@ -4530,7 +4311,6 @@
                   </a:prstClr>
                 </a:solidFill>
               </a:rPr>
-              <a:t>2017/10/27</a:t>
             </a:fld>
             <a:endParaRPr lang="zh-CN" altLang="en-US">
               <a:solidFill>
@@ -4614,10 +4394,6 @@
                   <a:prstClr val="black"/>
                 </a:solidFill>
               </a:rPr>
-              <a:pPr>
-                <a:defRPr/>
-              </a:pPr>
-              <a:t>‹#›</a:t>
             </a:fld>
             <a:r>
               <a:rPr lang="zh-CN" altLang="en-US">
@@ -4644,11 +4420,6 @@
         </p:txBody>
       </p:sp>
     </p:spTree>
-    <p:extLst>
-      <p:ext uri="{BB962C8B-B14F-4D97-AF65-F5344CB8AC3E}">
-        <p14:creationId xmlns:p14="http://schemas.microsoft.com/office/powerpoint/2010/main" val="1148465904"/>
-      </p:ext>
-    </p:extLst>
   </p:cSld>
   <p:clrMapOvr>
     <a:masterClrMapping/>
@@ -4821,6 +4592,7 @@
               <a:rPr lang="zh-CN" altLang="en-US" smtClean="0"/>
               <a:t>单击此处编辑母版文本样式</a:t>
             </a:r>
+            <a:endParaRPr lang="zh-CN" altLang="en-US" smtClean="0"/>
           </a:p>
         </p:txBody>
       </p:sp>
@@ -4854,7 +4626,6 @@
                   </a:prstClr>
                 </a:solidFill>
               </a:rPr>
-              <a:t>2017/10/27</a:t>
             </a:fld>
             <a:endParaRPr lang="zh-CN" altLang="en-US">
               <a:solidFill>
@@ -4938,10 +4709,6 @@
                   <a:prstClr val="black"/>
                 </a:solidFill>
               </a:rPr>
-              <a:pPr>
-                <a:defRPr/>
-              </a:pPr>
-              <a:t>‹#›</a:t>
             </a:fld>
             <a:r>
               <a:rPr lang="zh-CN" altLang="en-US">
@@ -4968,11 +4735,6 @@
         </p:txBody>
       </p:sp>
     </p:spTree>
-    <p:extLst>
-      <p:ext uri="{BB962C8B-B14F-4D97-AF65-F5344CB8AC3E}">
-        <p14:creationId xmlns:p14="http://schemas.microsoft.com/office/powerpoint/2010/main" val="4097210744"/>
-      </p:ext>
-    </p:extLst>
   </p:cSld>
   <p:clrMapOvr>
     <a:masterClrMapping/>
@@ -5073,6 +4835,7 @@
               <a:rPr lang="zh-CN" altLang="en-US" smtClean="0"/>
               <a:t>单击此处编辑母版文本样式</a:t>
             </a:r>
+            <a:endParaRPr lang="zh-CN" altLang="en-US" smtClean="0"/>
           </a:p>
           <a:p>
             <a:pPr lvl="1"/>
@@ -5080,6 +4843,7 @@
               <a:rPr lang="zh-CN" altLang="en-US" smtClean="0"/>
               <a:t>第二级</a:t>
             </a:r>
+            <a:endParaRPr lang="zh-CN" altLang="en-US" smtClean="0"/>
           </a:p>
           <a:p>
             <a:pPr lvl="2"/>
@@ -5087,6 +4851,7 @@
               <a:rPr lang="zh-CN" altLang="en-US" smtClean="0"/>
               <a:t>第三级</a:t>
             </a:r>
+            <a:endParaRPr lang="zh-CN" altLang="en-US" smtClean="0"/>
           </a:p>
           <a:p>
             <a:pPr lvl="3"/>
@@ -5094,6 +4859,7 @@
               <a:rPr lang="zh-CN" altLang="en-US" smtClean="0"/>
               <a:t>第四级</a:t>
             </a:r>
+            <a:endParaRPr lang="zh-CN" altLang="en-US" smtClean="0"/>
           </a:p>
           <a:p>
             <a:pPr lvl="4"/>
@@ -5158,6 +4924,7 @@
               <a:rPr lang="zh-CN" altLang="en-US" smtClean="0"/>
               <a:t>单击此处编辑母版文本样式</a:t>
             </a:r>
+            <a:endParaRPr lang="zh-CN" altLang="en-US" smtClean="0"/>
           </a:p>
           <a:p>
             <a:pPr lvl="1"/>
@@ -5165,6 +4932,7 @@
               <a:rPr lang="zh-CN" altLang="en-US" smtClean="0"/>
               <a:t>第二级</a:t>
             </a:r>
+            <a:endParaRPr lang="zh-CN" altLang="en-US" smtClean="0"/>
           </a:p>
           <a:p>
             <a:pPr lvl="2"/>
@@ -5172,6 +4940,7 @@
               <a:rPr lang="zh-CN" altLang="en-US" smtClean="0"/>
               <a:t>第三级</a:t>
             </a:r>
+            <a:endParaRPr lang="zh-CN" altLang="en-US" smtClean="0"/>
           </a:p>
           <a:p>
             <a:pPr lvl="3"/>
@@ -5179,6 +4948,7 @@
               <a:rPr lang="zh-CN" altLang="en-US" smtClean="0"/>
               <a:t>第四级</a:t>
             </a:r>
+            <a:endParaRPr lang="zh-CN" altLang="en-US" smtClean="0"/>
           </a:p>
           <a:p>
             <a:pPr lvl="4"/>
@@ -5220,7 +4990,6 @@
                   </a:prstClr>
                 </a:solidFill>
               </a:rPr>
-              <a:t>2017/10/27</a:t>
             </a:fld>
             <a:endParaRPr lang="zh-CN" altLang="en-US">
               <a:solidFill>
@@ -5292,7 +5061,6 @@
               <a:buSzTx/>
               <a:buFontTx/>
               <a:buNone/>
-              <a:tabLst/>
               <a:defRPr sz="2000">
                 <a:solidFill>
                   <a:schemeClr val="tx1"/>
@@ -5318,10 +5086,6 @@
                   <a:prstClr val="black"/>
                 </a:solidFill>
               </a:rPr>
-              <a:pPr>
-                <a:defRPr/>
-              </a:pPr>
-              <a:t>‹#›</a:t>
             </a:fld>
             <a:r>
               <a:rPr lang="zh-CN" altLang="en-US">
@@ -5348,11 +5112,6 @@
         </p:txBody>
       </p:sp>
     </p:spTree>
-    <p:extLst>
-      <p:ext uri="{BB962C8B-B14F-4D97-AF65-F5344CB8AC3E}">
-        <p14:creationId xmlns:p14="http://schemas.microsoft.com/office/powerpoint/2010/main" val="3498031158"/>
-      </p:ext>
-    </p:extLst>
   </p:cSld>
   <p:clrMapOvr>
     <a:masterClrMapping/>
@@ -5466,6 +5225,7 @@
               <a:rPr lang="zh-CN" altLang="en-US" dirty="0" smtClean="0"/>
               <a:t>单击此处编辑母版文本样式</a:t>
             </a:r>
+            <a:endParaRPr lang="zh-CN" altLang="en-US" dirty="0" smtClean="0"/>
           </a:p>
         </p:txBody>
       </p:sp>
@@ -5522,6 +5282,7 @@
               <a:rPr lang="zh-CN" altLang="en-US" dirty="0" smtClean="0"/>
               <a:t>单击此处编辑母版文本样式</a:t>
             </a:r>
+            <a:endParaRPr lang="zh-CN" altLang="en-US" dirty="0" smtClean="0"/>
           </a:p>
           <a:p>
             <a:pPr lvl="1"/>
@@ -5529,6 +5290,7 @@
               <a:rPr lang="zh-CN" altLang="en-US" dirty="0" smtClean="0"/>
               <a:t>第二级</a:t>
             </a:r>
+            <a:endParaRPr lang="zh-CN" altLang="en-US" dirty="0" smtClean="0"/>
           </a:p>
           <a:p>
             <a:pPr lvl="2"/>
@@ -5536,6 +5298,7 @@
               <a:rPr lang="zh-CN" altLang="en-US" dirty="0" smtClean="0"/>
               <a:t>第三级</a:t>
             </a:r>
+            <a:endParaRPr lang="zh-CN" altLang="en-US" dirty="0" smtClean="0"/>
           </a:p>
           <a:p>
             <a:pPr lvl="3"/>
@@ -5543,6 +5306,7 @@
               <a:rPr lang="zh-CN" altLang="en-US" dirty="0" smtClean="0"/>
               <a:t>第四级</a:t>
             </a:r>
+            <a:endParaRPr lang="zh-CN" altLang="en-US" dirty="0" smtClean="0"/>
           </a:p>
           <a:p>
             <a:pPr lvl="4"/>
@@ -5616,6 +5380,7 @@
               <a:rPr lang="zh-CN" altLang="en-US" dirty="0" smtClean="0"/>
               <a:t>单击此处编辑母版文本样式</a:t>
             </a:r>
+            <a:endParaRPr lang="zh-CN" altLang="en-US" dirty="0" smtClean="0"/>
           </a:p>
         </p:txBody>
       </p:sp>
@@ -5672,6 +5437,7 @@
               <a:rPr lang="zh-CN" altLang="en-US" dirty="0" smtClean="0"/>
               <a:t>单击此处编辑母版文本样式</a:t>
             </a:r>
+            <a:endParaRPr lang="zh-CN" altLang="en-US" dirty="0" smtClean="0"/>
           </a:p>
           <a:p>
             <a:pPr lvl="1"/>
@@ -5679,6 +5445,7 @@
               <a:rPr lang="zh-CN" altLang="en-US" dirty="0" smtClean="0"/>
               <a:t>第二级</a:t>
             </a:r>
+            <a:endParaRPr lang="zh-CN" altLang="en-US" dirty="0" smtClean="0"/>
           </a:p>
           <a:p>
             <a:pPr lvl="2"/>
@@ -5686,6 +5453,7 @@
               <a:rPr lang="zh-CN" altLang="en-US" dirty="0" smtClean="0"/>
               <a:t>第三级</a:t>
             </a:r>
+            <a:endParaRPr lang="zh-CN" altLang="en-US" dirty="0" smtClean="0"/>
           </a:p>
           <a:p>
             <a:pPr lvl="3"/>
@@ -5693,6 +5461,7 @@
               <a:rPr lang="zh-CN" altLang="en-US" dirty="0" smtClean="0"/>
               <a:t>第四级</a:t>
             </a:r>
+            <a:endParaRPr lang="zh-CN" altLang="en-US" dirty="0" smtClean="0"/>
           </a:p>
           <a:p>
             <a:pPr lvl="4"/>
@@ -5734,7 +5503,6 @@
                   </a:prstClr>
                 </a:solidFill>
               </a:rPr>
-              <a:t>2017/10/27</a:t>
             </a:fld>
             <a:endParaRPr lang="zh-CN" altLang="en-US">
               <a:solidFill>
@@ -5818,10 +5586,6 @@
                   <a:prstClr val="black"/>
                 </a:solidFill>
               </a:rPr>
-              <a:pPr>
-                <a:defRPr/>
-              </a:pPr>
-              <a:t>‹#›</a:t>
             </a:fld>
             <a:r>
               <a:rPr lang="zh-CN" altLang="en-US">
@@ -5848,11 +5612,6 @@
         </p:txBody>
       </p:sp>
     </p:spTree>
-    <p:extLst>
-      <p:ext uri="{BB962C8B-B14F-4D97-AF65-F5344CB8AC3E}">
-        <p14:creationId xmlns:p14="http://schemas.microsoft.com/office/powerpoint/2010/main" val="1894967320"/>
-      </p:ext>
-    </p:extLst>
   </p:cSld>
   <p:clrMapOvr>
     <a:masterClrMapping/>
@@ -5930,7 +5689,6 @@
                   </a:prstClr>
                 </a:solidFill>
               </a:rPr>
-              <a:t>2017/10/27</a:t>
             </a:fld>
             <a:endParaRPr lang="zh-CN" altLang="en-US">
               <a:solidFill>
@@ -6002,7 +5760,6 @@
               <a:buSzTx/>
               <a:buFontTx/>
               <a:buNone/>
-              <a:tabLst/>
               <a:defRPr sz="2000">
                 <a:solidFill>
                   <a:schemeClr val="tx1"/>
@@ -6028,10 +5785,6 @@
                   <a:prstClr val="black"/>
                 </a:solidFill>
               </a:rPr>
-              <a:pPr>
-                <a:defRPr/>
-              </a:pPr>
-              <a:t>‹#›</a:t>
             </a:fld>
             <a:r>
               <a:rPr lang="zh-CN" altLang="en-US">
@@ -6058,11 +5811,6 @@
         </p:txBody>
       </p:sp>
     </p:spTree>
-    <p:extLst>
-      <p:ext uri="{BB962C8B-B14F-4D97-AF65-F5344CB8AC3E}">
-        <p14:creationId xmlns:p14="http://schemas.microsoft.com/office/powerpoint/2010/main" val="1696531539"/>
-      </p:ext>
-    </p:extLst>
   </p:cSld>
   <p:clrMapOvr>
     <a:masterClrMapping/>
@@ -6117,7 +5865,6 @@
                   </a:prstClr>
                 </a:solidFill>
               </a:rPr>
-              <a:t>2017/10/27</a:t>
             </a:fld>
             <a:endParaRPr lang="zh-CN" altLang="en-US">
               <a:solidFill>
@@ -6201,10 +5948,6 @@
                   <a:prstClr val="black"/>
                 </a:solidFill>
               </a:rPr>
-              <a:pPr>
-                <a:defRPr/>
-              </a:pPr>
-              <a:t>‹#›</a:t>
             </a:fld>
             <a:r>
               <a:rPr lang="zh-CN" altLang="en-US">
@@ -6231,11 +5974,6 @@
         </p:txBody>
       </p:sp>
     </p:spTree>
-    <p:extLst>
-      <p:ext uri="{BB962C8B-B14F-4D97-AF65-F5344CB8AC3E}">
-        <p14:creationId xmlns:p14="http://schemas.microsoft.com/office/powerpoint/2010/main" val="388188479"/>
-      </p:ext>
-    </p:extLst>
   </p:cSld>
   <p:clrMapOvr>
     <a:masterClrMapping/>
@@ -6349,6 +6087,7 @@
               <a:rPr lang="zh-CN" altLang="en-US" dirty="0" smtClean="0"/>
               <a:t>单击此处编辑母版文本样式</a:t>
             </a:r>
+            <a:endParaRPr lang="zh-CN" altLang="en-US" dirty="0" smtClean="0"/>
           </a:p>
           <a:p>
             <a:pPr lvl="1"/>
@@ -6356,6 +6095,7 @@
               <a:rPr lang="zh-CN" altLang="en-US" dirty="0" smtClean="0"/>
               <a:t>第二级</a:t>
             </a:r>
+            <a:endParaRPr lang="zh-CN" altLang="en-US" dirty="0" smtClean="0"/>
           </a:p>
           <a:p>
             <a:pPr lvl="2"/>
@@ -6363,6 +6103,7 @@
               <a:rPr lang="zh-CN" altLang="en-US" dirty="0" smtClean="0"/>
               <a:t>第三级</a:t>
             </a:r>
+            <a:endParaRPr lang="zh-CN" altLang="en-US" dirty="0" smtClean="0"/>
           </a:p>
           <a:p>
             <a:pPr lvl="3"/>
@@ -6370,6 +6111,7 @@
               <a:rPr lang="zh-CN" altLang="en-US" dirty="0" smtClean="0"/>
               <a:t>第四级</a:t>
             </a:r>
+            <a:endParaRPr lang="zh-CN" altLang="en-US" dirty="0" smtClean="0"/>
           </a:p>
           <a:p>
             <a:pPr lvl="4"/>
@@ -6443,6 +6185,7 @@
               <a:rPr lang="zh-CN" altLang="en-US" dirty="0" smtClean="0"/>
               <a:t>单击此处编辑母版文本样式</a:t>
             </a:r>
+            <a:endParaRPr lang="zh-CN" altLang="en-US" dirty="0" smtClean="0"/>
           </a:p>
         </p:txBody>
       </p:sp>
@@ -6476,7 +6219,6 @@
                   </a:prstClr>
                 </a:solidFill>
               </a:rPr>
-              <a:t>2017/10/27</a:t>
             </a:fld>
             <a:endParaRPr lang="zh-CN" altLang="en-US">
               <a:solidFill>
@@ -6560,10 +6302,6 @@
                   <a:prstClr val="black"/>
                 </a:solidFill>
               </a:rPr>
-              <a:pPr>
-                <a:defRPr/>
-              </a:pPr>
-              <a:t>‹#›</a:t>
             </a:fld>
             <a:r>
               <a:rPr lang="zh-CN" altLang="en-US">
@@ -6590,11 +6328,6 @@
         </p:txBody>
       </p:sp>
     </p:spTree>
-    <p:extLst>
-      <p:ext uri="{BB962C8B-B14F-4D97-AF65-F5344CB8AC3E}">
-        <p14:creationId xmlns:p14="http://schemas.microsoft.com/office/powerpoint/2010/main" val="3568742"/>
-      </p:ext>
-    </p:extLst>
   </p:cSld>
   <p:clrMapOvr>
     <a:masterClrMapping/>
@@ -6666,6 +6399,7 @@
               <a:rPr lang="zh-CN" altLang="en-US" dirty="0" smtClean="0"/>
               <a:t>单击此处编辑母版文本样式</a:t>
             </a:r>
+            <a:endParaRPr lang="zh-CN" altLang="en-US" dirty="0" smtClean="0"/>
           </a:p>
           <a:p>
             <a:pPr lvl="1"/>
@@ -6673,6 +6407,7 @@
               <a:rPr lang="zh-CN" altLang="en-US" dirty="0" smtClean="0"/>
               <a:t>第二级</a:t>
             </a:r>
+            <a:endParaRPr lang="zh-CN" altLang="en-US" dirty="0" smtClean="0"/>
           </a:p>
           <a:p>
             <a:pPr lvl="2"/>
@@ -6680,6 +6415,7 @@
               <a:rPr lang="zh-CN" altLang="en-US" dirty="0" smtClean="0"/>
               <a:t>第三级</a:t>
             </a:r>
+            <a:endParaRPr lang="zh-CN" altLang="en-US" dirty="0" smtClean="0"/>
           </a:p>
           <a:p>
             <a:pPr lvl="3"/>
@@ -6687,6 +6423,7 @@
               <a:rPr lang="zh-CN" altLang="en-US" dirty="0" smtClean="0"/>
               <a:t>第四级</a:t>
             </a:r>
+            <a:endParaRPr lang="zh-CN" altLang="en-US" dirty="0" smtClean="0"/>
           </a:p>
           <a:p>
             <a:pPr lvl="4"/>
@@ -6728,7 +6465,6 @@
                   </a:prstClr>
                 </a:solidFill>
               </a:rPr>
-              <a:t>2017/10/27</a:t>
             </a:fld>
             <a:endParaRPr lang="zh-CN" altLang="en-US">
               <a:solidFill>
@@ -6812,10 +6548,6 @@
                   <a:prstClr val="black"/>
                 </a:solidFill>
               </a:rPr>
-              <a:pPr>
-                <a:defRPr/>
-              </a:pPr>
-              <a:t>‹#›</a:t>
             </a:fld>
             <a:r>
               <a:rPr lang="zh-CN" altLang="en-US">
@@ -6842,11 +6574,6 @@
         </p:txBody>
       </p:sp>
     </p:spTree>
-    <p:extLst>
-      <p:ext uri="{BB962C8B-B14F-4D97-AF65-F5344CB8AC3E}">
-        <p14:creationId xmlns:p14="http://schemas.microsoft.com/office/powerpoint/2010/main" val="2156226491"/>
-      </p:ext>
-    </p:extLst>
   </p:cSld>
   <p:clrMapOvr>
     <a:masterClrMapping/>
@@ -7029,6 +6756,7 @@
               <a:rPr lang="zh-CN" altLang="en-US" smtClean="0"/>
               <a:t>单击此处编辑母版文本样式</a:t>
             </a:r>
+            <a:endParaRPr lang="zh-CN" altLang="en-US" smtClean="0"/>
           </a:p>
         </p:txBody>
       </p:sp>
@@ -7062,7 +6790,6 @@
                   </a:prstClr>
                 </a:solidFill>
               </a:rPr>
-              <a:t>2017/10/27</a:t>
             </a:fld>
             <a:endParaRPr lang="zh-CN" altLang="en-US">
               <a:solidFill>
@@ -7134,7 +6861,6 @@
               <a:buSzTx/>
               <a:buFontTx/>
               <a:buNone/>
-              <a:tabLst/>
               <a:defRPr sz="2000">
                 <a:solidFill>
                   <a:schemeClr val="tx1"/>
@@ -7160,10 +6886,6 @@
                   <a:prstClr val="black"/>
                 </a:solidFill>
               </a:rPr>
-              <a:pPr>
-                <a:defRPr/>
-              </a:pPr>
-              <a:t>‹#›</a:t>
             </a:fld>
             <a:r>
               <a:rPr lang="zh-CN" altLang="en-US">
@@ -7190,11 +6912,6 @@
         </p:txBody>
       </p:sp>
     </p:spTree>
-    <p:extLst>
-      <p:ext uri="{BB962C8B-B14F-4D97-AF65-F5344CB8AC3E}">
-        <p14:creationId xmlns:p14="http://schemas.microsoft.com/office/powerpoint/2010/main" val="3532762387"/>
-      </p:ext>
-    </p:extLst>
   </p:cSld>
   <p:clrMapOvr>
     <a:masterClrMapping/>
@@ -7266,6 +6983,7 @@
               <a:rPr lang="zh-CN" altLang="en-US" dirty="0" smtClean="0"/>
               <a:t>单击此处编辑母版文本样式</a:t>
             </a:r>
+            <a:endParaRPr lang="zh-CN" altLang="en-US" dirty="0" smtClean="0"/>
           </a:p>
           <a:p>
             <a:pPr lvl="1"/>
@@ -7273,6 +6991,7 @@
               <a:rPr lang="zh-CN" altLang="en-US" dirty="0" smtClean="0"/>
               <a:t>第二级</a:t>
             </a:r>
+            <a:endParaRPr lang="zh-CN" altLang="en-US" dirty="0" smtClean="0"/>
           </a:p>
           <a:p>
             <a:pPr lvl="2"/>
@@ -7280,6 +6999,7 @@
               <a:rPr lang="zh-CN" altLang="en-US" dirty="0" smtClean="0"/>
               <a:t>第三级</a:t>
             </a:r>
+            <a:endParaRPr lang="zh-CN" altLang="en-US" dirty="0" smtClean="0"/>
           </a:p>
           <a:p>
             <a:pPr lvl="3"/>
@@ -7287,6 +7007,7 @@
               <a:rPr lang="zh-CN" altLang="en-US" dirty="0" smtClean="0"/>
               <a:t>第四级</a:t>
             </a:r>
+            <a:endParaRPr lang="zh-CN" altLang="en-US" dirty="0" smtClean="0"/>
           </a:p>
           <a:p>
             <a:pPr lvl="4"/>
@@ -7328,7 +7049,6 @@
                   </a:prstClr>
                 </a:solidFill>
               </a:rPr>
-              <a:t>2017/10/27</a:t>
             </a:fld>
             <a:endParaRPr lang="zh-CN" altLang="en-US">
               <a:solidFill>
@@ -7400,7 +7120,6 @@
               <a:buSzTx/>
               <a:buFontTx/>
               <a:buNone/>
-              <a:tabLst/>
               <a:defRPr sz="2000">
                 <a:solidFill>
                   <a:schemeClr val="tx1"/>
@@ -7426,10 +7145,6 @@
                   <a:prstClr val="black"/>
                 </a:solidFill>
               </a:rPr>
-              <a:pPr>
-                <a:defRPr/>
-              </a:pPr>
-              <a:t>‹#›</a:t>
             </a:fld>
             <a:r>
               <a:rPr lang="zh-CN" altLang="en-US">
@@ -7456,11 +7171,6 @@
         </p:txBody>
       </p:sp>
     </p:spTree>
-    <p:extLst>
-      <p:ext uri="{BB962C8B-B14F-4D97-AF65-F5344CB8AC3E}">
-        <p14:creationId xmlns:p14="http://schemas.microsoft.com/office/powerpoint/2010/main" val="4189831128"/>
-      </p:ext>
-    </p:extLst>
   </p:cSld>
   <p:clrMapOvr>
     <a:masterClrMapping/>
@@ -7548,6 +7258,7 @@
               <a:rPr lang="zh-CN" altLang="en-US" smtClean="0"/>
               <a:t>单击此处编辑母版文本样式</a:t>
             </a:r>
+            <a:endParaRPr lang="zh-CN" altLang="en-US" smtClean="0"/>
           </a:p>
           <a:p>
             <a:pPr lvl="1"/>
@@ -7555,6 +7266,7 @@
               <a:rPr lang="zh-CN" altLang="en-US" smtClean="0"/>
               <a:t>第二级</a:t>
             </a:r>
+            <a:endParaRPr lang="zh-CN" altLang="en-US" smtClean="0"/>
           </a:p>
           <a:p>
             <a:pPr lvl="2"/>
@@ -7562,6 +7274,7 @@
               <a:rPr lang="zh-CN" altLang="en-US" smtClean="0"/>
               <a:t>第三级</a:t>
             </a:r>
+            <a:endParaRPr lang="zh-CN" altLang="en-US" smtClean="0"/>
           </a:p>
           <a:p>
             <a:pPr lvl="3"/>
@@ -7569,6 +7282,7 @@
               <a:rPr lang="zh-CN" altLang="en-US" smtClean="0"/>
               <a:t>第四级</a:t>
             </a:r>
+            <a:endParaRPr lang="zh-CN" altLang="en-US" smtClean="0"/>
           </a:p>
           <a:p>
             <a:pPr lvl="4"/>
@@ -7610,7 +7324,6 @@
                   </a:prstClr>
                 </a:solidFill>
               </a:rPr>
-              <a:t>2017/10/27</a:t>
             </a:fld>
             <a:endParaRPr lang="zh-CN" altLang="en-US">
               <a:solidFill>
@@ -7682,7 +7395,6 @@
               <a:buSzTx/>
               <a:buFontTx/>
               <a:buNone/>
-              <a:tabLst/>
               <a:defRPr sz="2000">
                 <a:solidFill>
                   <a:schemeClr val="tx1"/>
@@ -7708,10 +7420,6 @@
                   <a:prstClr val="black"/>
                 </a:solidFill>
               </a:rPr>
-              <a:pPr>
-                <a:defRPr/>
-              </a:pPr>
-              <a:t>‹#›</a:t>
             </a:fld>
             <a:r>
               <a:rPr lang="zh-CN" altLang="en-US">
@@ -7738,11 +7446,6 @@
         </p:txBody>
       </p:sp>
     </p:spTree>
-    <p:extLst>
-      <p:ext uri="{BB962C8B-B14F-4D97-AF65-F5344CB8AC3E}">
-        <p14:creationId xmlns:p14="http://schemas.microsoft.com/office/powerpoint/2010/main" val="3927471640"/>
-      </p:ext>
-    </p:extLst>
   </p:cSld>
   <p:clrMapOvr>
     <a:masterClrMapping/>
@@ -7915,6 +7618,7 @@
               <a:rPr lang="zh-CN" altLang="en-US" smtClean="0"/>
               <a:t>单击此处编辑母版文本样式</a:t>
             </a:r>
+            <a:endParaRPr lang="zh-CN" altLang="en-US" smtClean="0"/>
           </a:p>
         </p:txBody>
       </p:sp>
@@ -7948,7 +7652,6 @@
                   </a:prstClr>
                 </a:solidFill>
               </a:rPr>
-              <a:t>2017/10/27</a:t>
             </a:fld>
             <a:endParaRPr lang="zh-CN" altLang="en-US">
               <a:solidFill>
@@ -8032,10 +7735,6 @@
                   <a:prstClr val="black"/>
                 </a:solidFill>
               </a:rPr>
-              <a:pPr>
-                <a:defRPr/>
-              </a:pPr>
-              <a:t>‹#›</a:t>
             </a:fld>
             <a:r>
               <a:rPr lang="zh-CN" altLang="en-US">
@@ -8062,11 +7761,6 @@
         </p:txBody>
       </p:sp>
     </p:spTree>
-    <p:extLst>
-      <p:ext uri="{BB962C8B-B14F-4D97-AF65-F5344CB8AC3E}">
-        <p14:creationId xmlns:p14="http://schemas.microsoft.com/office/powerpoint/2010/main" val="201669516"/>
-      </p:ext>
-    </p:extLst>
   </p:cSld>
   <p:clrMapOvr>
     <a:masterClrMapping/>
@@ -8167,6 +7861,7 @@
               <a:rPr lang="zh-CN" altLang="en-US" smtClean="0"/>
               <a:t>单击此处编辑母版文本样式</a:t>
             </a:r>
+            <a:endParaRPr lang="zh-CN" altLang="en-US" smtClean="0"/>
           </a:p>
           <a:p>
             <a:pPr lvl="1"/>
@@ -8174,6 +7869,7 @@
               <a:rPr lang="zh-CN" altLang="en-US" smtClean="0"/>
               <a:t>第二级</a:t>
             </a:r>
+            <a:endParaRPr lang="zh-CN" altLang="en-US" smtClean="0"/>
           </a:p>
           <a:p>
             <a:pPr lvl="2"/>
@@ -8181,6 +7877,7 @@
               <a:rPr lang="zh-CN" altLang="en-US" smtClean="0"/>
               <a:t>第三级</a:t>
             </a:r>
+            <a:endParaRPr lang="zh-CN" altLang="en-US" smtClean="0"/>
           </a:p>
           <a:p>
             <a:pPr lvl="3"/>
@@ -8188,6 +7885,7 @@
               <a:rPr lang="zh-CN" altLang="en-US" smtClean="0"/>
               <a:t>第四级</a:t>
             </a:r>
+            <a:endParaRPr lang="zh-CN" altLang="en-US" smtClean="0"/>
           </a:p>
           <a:p>
             <a:pPr lvl="4"/>
@@ -8252,6 +7950,7 @@
               <a:rPr lang="zh-CN" altLang="en-US" smtClean="0"/>
               <a:t>单击此处编辑母版文本样式</a:t>
             </a:r>
+            <a:endParaRPr lang="zh-CN" altLang="en-US" smtClean="0"/>
           </a:p>
           <a:p>
             <a:pPr lvl="1"/>
@@ -8259,6 +7958,7 @@
               <a:rPr lang="zh-CN" altLang="en-US" smtClean="0"/>
               <a:t>第二级</a:t>
             </a:r>
+            <a:endParaRPr lang="zh-CN" altLang="en-US" smtClean="0"/>
           </a:p>
           <a:p>
             <a:pPr lvl="2"/>
@@ -8266,6 +7966,7 @@
               <a:rPr lang="zh-CN" altLang="en-US" smtClean="0"/>
               <a:t>第三级</a:t>
             </a:r>
+            <a:endParaRPr lang="zh-CN" altLang="en-US" smtClean="0"/>
           </a:p>
           <a:p>
             <a:pPr lvl="3"/>
@@ -8273,6 +7974,7 @@
               <a:rPr lang="zh-CN" altLang="en-US" smtClean="0"/>
               <a:t>第四级</a:t>
             </a:r>
+            <a:endParaRPr lang="zh-CN" altLang="en-US" smtClean="0"/>
           </a:p>
           <a:p>
             <a:pPr lvl="4"/>
@@ -8314,7 +8016,6 @@
                   </a:prstClr>
                 </a:solidFill>
               </a:rPr>
-              <a:t>2017/10/27</a:t>
             </a:fld>
             <a:endParaRPr lang="zh-CN" altLang="en-US">
               <a:solidFill>
@@ -8386,7 +8087,6 @@
               <a:buSzTx/>
               <a:buFontTx/>
               <a:buNone/>
-              <a:tabLst/>
               <a:defRPr sz="2000">
                 <a:solidFill>
                   <a:schemeClr val="tx1"/>
@@ -8412,10 +8112,6 @@
                   <a:prstClr val="black"/>
                 </a:solidFill>
               </a:rPr>
-              <a:pPr>
-                <a:defRPr/>
-              </a:pPr>
-              <a:t>‹#›</a:t>
             </a:fld>
             <a:r>
               <a:rPr lang="zh-CN" altLang="en-US">
@@ -8442,11 +8138,6 @@
         </p:txBody>
       </p:sp>
     </p:spTree>
-    <p:extLst>
-      <p:ext uri="{BB962C8B-B14F-4D97-AF65-F5344CB8AC3E}">
-        <p14:creationId xmlns:p14="http://schemas.microsoft.com/office/powerpoint/2010/main" val="955637520"/>
-      </p:ext>
-    </p:extLst>
   </p:cSld>
   <p:clrMapOvr>
     <a:masterClrMapping/>
@@ -8560,6 +8251,7 @@
               <a:rPr lang="zh-CN" altLang="en-US" dirty="0" smtClean="0"/>
               <a:t>单击此处编辑母版文本样式</a:t>
             </a:r>
+            <a:endParaRPr lang="zh-CN" altLang="en-US" dirty="0" smtClean="0"/>
           </a:p>
         </p:txBody>
       </p:sp>
@@ -8616,6 +8308,7 @@
               <a:rPr lang="zh-CN" altLang="en-US" dirty="0" smtClean="0"/>
               <a:t>单击此处编辑母版文本样式</a:t>
             </a:r>
+            <a:endParaRPr lang="zh-CN" altLang="en-US" dirty="0" smtClean="0"/>
           </a:p>
           <a:p>
             <a:pPr lvl="1"/>
@@ -8623,6 +8316,7 @@
               <a:rPr lang="zh-CN" altLang="en-US" dirty="0" smtClean="0"/>
               <a:t>第二级</a:t>
             </a:r>
+            <a:endParaRPr lang="zh-CN" altLang="en-US" dirty="0" smtClean="0"/>
           </a:p>
           <a:p>
             <a:pPr lvl="2"/>
@@ -8630,6 +8324,7 @@
               <a:rPr lang="zh-CN" altLang="en-US" dirty="0" smtClean="0"/>
               <a:t>第三级</a:t>
             </a:r>
+            <a:endParaRPr lang="zh-CN" altLang="en-US" dirty="0" smtClean="0"/>
           </a:p>
           <a:p>
             <a:pPr lvl="3"/>
@@ -8637,6 +8332,7 @@
               <a:rPr lang="zh-CN" altLang="en-US" dirty="0" smtClean="0"/>
               <a:t>第四级</a:t>
             </a:r>
+            <a:endParaRPr lang="zh-CN" altLang="en-US" dirty="0" smtClean="0"/>
           </a:p>
           <a:p>
             <a:pPr lvl="4"/>
@@ -8710,6 +8406,7 @@
               <a:rPr lang="zh-CN" altLang="en-US" dirty="0" smtClean="0"/>
               <a:t>单击此处编辑母版文本样式</a:t>
             </a:r>
+            <a:endParaRPr lang="zh-CN" altLang="en-US" dirty="0" smtClean="0"/>
           </a:p>
         </p:txBody>
       </p:sp>
@@ -8766,6 +8463,7 @@
               <a:rPr lang="zh-CN" altLang="en-US" dirty="0" smtClean="0"/>
               <a:t>单击此处编辑母版文本样式</a:t>
             </a:r>
+            <a:endParaRPr lang="zh-CN" altLang="en-US" dirty="0" smtClean="0"/>
           </a:p>
           <a:p>
             <a:pPr lvl="1"/>
@@ -8773,6 +8471,7 @@
               <a:rPr lang="zh-CN" altLang="en-US" dirty="0" smtClean="0"/>
               <a:t>第二级</a:t>
             </a:r>
+            <a:endParaRPr lang="zh-CN" altLang="en-US" dirty="0" smtClean="0"/>
           </a:p>
           <a:p>
             <a:pPr lvl="2"/>
@@ -8780,6 +8479,7 @@
               <a:rPr lang="zh-CN" altLang="en-US" dirty="0" smtClean="0"/>
               <a:t>第三级</a:t>
             </a:r>
+            <a:endParaRPr lang="zh-CN" altLang="en-US" dirty="0" smtClean="0"/>
           </a:p>
           <a:p>
             <a:pPr lvl="3"/>
@@ -8787,6 +8487,7 @@
               <a:rPr lang="zh-CN" altLang="en-US" dirty="0" smtClean="0"/>
               <a:t>第四级</a:t>
             </a:r>
+            <a:endParaRPr lang="zh-CN" altLang="en-US" dirty="0" smtClean="0"/>
           </a:p>
           <a:p>
             <a:pPr lvl="4"/>
@@ -8828,7 +8529,6 @@
                   </a:prstClr>
                 </a:solidFill>
               </a:rPr>
-              <a:t>2017/10/27</a:t>
             </a:fld>
             <a:endParaRPr lang="zh-CN" altLang="en-US">
               <a:solidFill>
@@ -8912,10 +8612,6 @@
                   <a:prstClr val="black"/>
                 </a:solidFill>
               </a:rPr>
-              <a:pPr>
-                <a:defRPr/>
-              </a:pPr>
-              <a:t>‹#›</a:t>
             </a:fld>
             <a:r>
               <a:rPr lang="zh-CN" altLang="en-US">
@@ -8942,11 +8638,6 @@
         </p:txBody>
       </p:sp>
     </p:spTree>
-    <p:extLst>
-      <p:ext uri="{BB962C8B-B14F-4D97-AF65-F5344CB8AC3E}">
-        <p14:creationId xmlns:p14="http://schemas.microsoft.com/office/powerpoint/2010/main" val="3676565330"/>
-      </p:ext>
-    </p:extLst>
   </p:cSld>
   <p:clrMapOvr>
     <a:masterClrMapping/>
@@ -9024,7 +8715,6 @@
                   </a:prstClr>
                 </a:solidFill>
               </a:rPr>
-              <a:t>2017/10/27</a:t>
             </a:fld>
             <a:endParaRPr lang="zh-CN" altLang="en-US">
               <a:solidFill>
@@ -9096,7 +8786,6 @@
               <a:buSzTx/>
               <a:buFontTx/>
               <a:buNone/>
-              <a:tabLst/>
               <a:defRPr sz="2000">
                 <a:solidFill>
                   <a:schemeClr val="tx1"/>
@@ -9122,10 +8811,6 @@
                   <a:prstClr val="black"/>
                 </a:solidFill>
               </a:rPr>
-              <a:pPr>
-                <a:defRPr/>
-              </a:pPr>
-              <a:t>‹#›</a:t>
             </a:fld>
             <a:r>
               <a:rPr lang="zh-CN" altLang="en-US">
@@ -9152,11 +8837,6 @@
         </p:txBody>
       </p:sp>
     </p:spTree>
-    <p:extLst>
-      <p:ext uri="{BB962C8B-B14F-4D97-AF65-F5344CB8AC3E}">
-        <p14:creationId xmlns:p14="http://schemas.microsoft.com/office/powerpoint/2010/main" val="342607598"/>
-      </p:ext>
-    </p:extLst>
   </p:cSld>
   <p:clrMapOvr>
     <a:masterClrMapping/>
@@ -9211,7 +8891,6 @@
                   </a:prstClr>
                 </a:solidFill>
               </a:rPr>
-              <a:t>2017/10/27</a:t>
             </a:fld>
             <a:endParaRPr lang="zh-CN" altLang="en-US">
               <a:solidFill>
@@ -9295,10 +8974,6 @@
                   <a:prstClr val="black"/>
                 </a:solidFill>
               </a:rPr>
-              <a:pPr>
-                <a:defRPr/>
-              </a:pPr>
-              <a:t>‹#›</a:t>
             </a:fld>
             <a:r>
               <a:rPr lang="zh-CN" altLang="en-US">
@@ -9325,11 +9000,6 @@
         </p:txBody>
       </p:sp>
     </p:spTree>
-    <p:extLst>
-      <p:ext uri="{BB962C8B-B14F-4D97-AF65-F5344CB8AC3E}">
-        <p14:creationId xmlns:p14="http://schemas.microsoft.com/office/powerpoint/2010/main" val="964713430"/>
-      </p:ext>
-    </p:extLst>
   </p:cSld>
   <p:clrMapOvr>
     <a:masterClrMapping/>
@@ -9443,6 +9113,7 @@
               <a:rPr lang="zh-CN" altLang="en-US" dirty="0" smtClean="0"/>
               <a:t>单击此处编辑母版文本样式</a:t>
             </a:r>
+            <a:endParaRPr lang="zh-CN" altLang="en-US" dirty="0" smtClean="0"/>
           </a:p>
           <a:p>
             <a:pPr lvl="1"/>
@@ -9450,6 +9121,7 @@
               <a:rPr lang="zh-CN" altLang="en-US" dirty="0" smtClean="0"/>
               <a:t>第二级</a:t>
             </a:r>
+            <a:endParaRPr lang="zh-CN" altLang="en-US" dirty="0" smtClean="0"/>
           </a:p>
           <a:p>
             <a:pPr lvl="2"/>
@@ -9457,6 +9129,7 @@
               <a:rPr lang="zh-CN" altLang="en-US" dirty="0" smtClean="0"/>
               <a:t>第三级</a:t>
             </a:r>
+            <a:endParaRPr lang="zh-CN" altLang="en-US" dirty="0" smtClean="0"/>
           </a:p>
           <a:p>
             <a:pPr lvl="3"/>
@@ -9464,6 +9137,7 @@
               <a:rPr lang="zh-CN" altLang="en-US" dirty="0" smtClean="0"/>
               <a:t>第四级</a:t>
             </a:r>
+            <a:endParaRPr lang="zh-CN" altLang="en-US" dirty="0" smtClean="0"/>
           </a:p>
           <a:p>
             <a:pPr lvl="4"/>
@@ -9537,6 +9211,7 @@
               <a:rPr lang="zh-CN" altLang="en-US" dirty="0" smtClean="0"/>
               <a:t>单击此处编辑母版文本样式</a:t>
             </a:r>
+            <a:endParaRPr lang="zh-CN" altLang="en-US" dirty="0" smtClean="0"/>
           </a:p>
         </p:txBody>
       </p:sp>
@@ -9570,7 +9245,6 @@
                   </a:prstClr>
                 </a:solidFill>
               </a:rPr>
-              <a:t>2017/10/27</a:t>
             </a:fld>
             <a:endParaRPr lang="zh-CN" altLang="en-US">
               <a:solidFill>
@@ -9654,10 +9328,6 @@
                   <a:prstClr val="black"/>
                 </a:solidFill>
               </a:rPr>
-              <a:pPr>
-                <a:defRPr/>
-              </a:pPr>
-              <a:t>‹#›</a:t>
             </a:fld>
             <a:r>
               <a:rPr lang="zh-CN" altLang="en-US">
@@ -9684,11 +9354,6 @@
         </p:txBody>
       </p:sp>
     </p:spTree>
-    <p:extLst>
-      <p:ext uri="{BB962C8B-B14F-4D97-AF65-F5344CB8AC3E}">
-        <p14:creationId xmlns:p14="http://schemas.microsoft.com/office/powerpoint/2010/main" val="890958022"/>
-      </p:ext>
-    </p:extLst>
   </p:cSld>
   <p:clrMapOvr>
     <a:masterClrMapping/>
@@ -9871,6 +9536,7 @@
               <a:rPr lang="zh-CN" altLang="en-US" smtClean="0"/>
               <a:t>单击此处编辑母版文本样式</a:t>
             </a:r>
+            <a:endParaRPr lang="zh-CN" altLang="en-US" smtClean="0"/>
           </a:p>
         </p:txBody>
       </p:sp>
@@ -9904,7 +9570,6 @@
                   </a:prstClr>
                 </a:solidFill>
               </a:rPr>
-              <a:t>2017/10/27</a:t>
             </a:fld>
             <a:endParaRPr lang="zh-CN" altLang="en-US">
               <a:solidFill>
@@ -9976,7 +9641,6 @@
               <a:buSzTx/>
               <a:buFontTx/>
               <a:buNone/>
-              <a:tabLst/>
               <a:defRPr sz="2000">
                 <a:solidFill>
                   <a:schemeClr val="tx1"/>
@@ -10002,10 +9666,6 @@
                   <a:prstClr val="black"/>
                 </a:solidFill>
               </a:rPr>
-              <a:pPr>
-                <a:defRPr/>
-              </a:pPr>
-              <a:t>‹#›</a:t>
             </a:fld>
             <a:r>
               <a:rPr lang="zh-CN" altLang="en-US">
@@ -10032,11 +9692,6 @@
         </p:txBody>
       </p:sp>
     </p:spTree>
-    <p:extLst>
-      <p:ext uri="{BB962C8B-B14F-4D97-AF65-F5344CB8AC3E}">
-        <p14:creationId xmlns:p14="http://schemas.microsoft.com/office/powerpoint/2010/main" val="1103618476"/>
-      </p:ext>
-    </p:extLst>
   </p:cSld>
   <p:clrMapOvr>
     <a:masterClrMapping/>
@@ -10050,7 +9705,7 @@
     <p:bg>
       <p:bgPr>
         <a:blipFill dpi="0" rotWithShape="0">
-          <a:blip r:embed="rId13"/>
+          <a:blip r:embed="rId12"/>
           <a:srcRect/>
           <a:stretch>
             <a:fillRect/>
@@ -10116,11 +9771,7 @@
           </a:extLst>
         </p:spPr>
         <p:txBody>
-          <a:bodyPr vert="horz" wrap="square" lIns="91440" tIns="45720" rIns="91440" bIns="45720" numCol="1" anchor="ctr" anchorCtr="0" compatLnSpc="1">
-            <a:prstTxWarp prst="textNoShape">
-              <a:avLst/>
-            </a:prstTxWarp>
-          </a:bodyPr>
+          <a:bodyPr vert="horz" wrap="square" lIns="91440" tIns="45720" rIns="91440" bIns="45720" numCol="1" anchor="ctr" anchorCtr="0" compatLnSpc="1"/>
           <a:lstStyle/>
           <a:p>
             <a:pPr lvl="0"/>
@@ -10128,6 +9779,7 @@
               <a:rPr lang="zh-CN" altLang="en-US" smtClean="0"/>
               <a:t>单击此处编辑母版标题样式</a:t>
             </a:r>
+            <a:endParaRPr lang="zh-CN" altLang="en-US" smtClean="0"/>
           </a:p>
         </p:txBody>
       </p:sp>
@@ -10174,11 +9826,7 @@
           </a:extLst>
         </p:spPr>
         <p:txBody>
-          <a:bodyPr vert="horz" wrap="square" lIns="91440" tIns="45720" rIns="91440" bIns="45720" numCol="1" anchor="t" anchorCtr="0" compatLnSpc="1">
-            <a:prstTxWarp prst="textNoShape">
-              <a:avLst/>
-            </a:prstTxWarp>
-          </a:bodyPr>
+          <a:bodyPr vert="horz" wrap="square" lIns="91440" tIns="45720" rIns="91440" bIns="45720" numCol="1" anchor="t" anchorCtr="0" compatLnSpc="1"/>
           <a:lstStyle/>
           <a:p>
             <a:pPr lvl="0"/>
@@ -10186,6 +9834,7 @@
               <a:rPr lang="zh-CN" altLang="en-US" smtClean="0"/>
               <a:t>单击此处编辑母版文本样式</a:t>
             </a:r>
+            <a:endParaRPr lang="zh-CN" altLang="en-US" smtClean="0"/>
           </a:p>
           <a:p>
             <a:pPr lvl="1"/>
@@ -10193,6 +9842,7 @@
               <a:rPr lang="zh-CN" altLang="en-US" smtClean="0"/>
               <a:t>第二级</a:t>
             </a:r>
+            <a:endParaRPr lang="zh-CN" altLang="en-US" smtClean="0"/>
           </a:p>
           <a:p>
             <a:pPr lvl="2"/>
@@ -10200,6 +9850,7 @@
               <a:rPr lang="zh-CN" altLang="en-US" smtClean="0"/>
               <a:t>第三级</a:t>
             </a:r>
+            <a:endParaRPr lang="zh-CN" altLang="en-US" smtClean="0"/>
           </a:p>
           <a:p>
             <a:pPr lvl="3"/>
@@ -10207,6 +9858,7 @@
               <a:rPr lang="zh-CN" altLang="en-US" smtClean="0"/>
               <a:t>第四级</a:t>
             </a:r>
+            <a:endParaRPr lang="zh-CN" altLang="en-US" smtClean="0"/>
           </a:p>
           <a:p>
             <a:pPr lvl="4"/>
@@ -10214,6 +9866,7 @@
               <a:rPr lang="zh-CN" altLang="en-US" smtClean="0"/>
               <a:t>第五级</a:t>
             </a:r>
+            <a:endParaRPr lang="zh-CN" altLang="en-US" smtClean="0"/>
           </a:p>
         </p:txBody>
       </p:sp>
@@ -10269,7 +9922,6 @@
                   </a:prstClr>
                 </a:solidFill>
               </a:rPr>
-              <a:t>2017/10/27</a:t>
             </a:fld>
             <a:endParaRPr lang="zh-CN" altLang="en-US">
               <a:solidFill>
@@ -10387,10 +10039,6 @@
                   </a:prstClr>
                 </a:solidFill>
               </a:rPr>
-              <a:pPr>
-                <a:defRPr/>
-              </a:pPr>
-              <a:t>‹#›</a:t>
             </a:fld>
             <a:endParaRPr lang="zh-CN" altLang="en-US">
               <a:solidFill>
@@ -10403,11 +10051,764 @@
         </p:txBody>
       </p:sp>
     </p:spTree>
-    <p:extLst>
-      <p:ext uri="{BB962C8B-B14F-4D97-AF65-F5344CB8AC3E}">
-        <p14:creationId xmlns:p14="http://schemas.microsoft.com/office/powerpoint/2010/main" val="3460347721"/>
-      </p:ext>
-    </p:extLst>
+  </p:cSld>
+  <p:clrMap bg1="lt1" tx1="dk1" bg2="lt2" tx2="dk2" accent1="accent1" accent2="accent2" accent3="accent3" accent4="accent4" accent5="accent5" accent6="accent6" hlink="hlink" folHlink="folHlink"/>
+  <p:sldLayoutIdLst>
+    <p:sldLayoutId id="2147483649" r:id="rId1"/>
+    <p:sldLayoutId id="2147483650" r:id="rId2"/>
+    <p:sldLayoutId id="2147483651" r:id="rId3"/>
+    <p:sldLayoutId id="2147483652" r:id="rId4"/>
+    <p:sldLayoutId id="2147483653" r:id="rId5"/>
+    <p:sldLayoutId id="2147483654" r:id="rId6"/>
+    <p:sldLayoutId id="2147483655" r:id="rId7"/>
+    <p:sldLayoutId id="2147483656" r:id="rId8"/>
+    <p:sldLayoutId id="2147483657" r:id="rId9"/>
+    <p:sldLayoutId id="2147483658" r:id="rId10"/>
+    <p:sldLayoutId id="2147483659" r:id="rId11"/>
+  </p:sldLayoutIdLst>
+  <p:hf hdr="0" ftr="0" dt="0"/>
+  <p:txStyles>
+    <p:titleStyle>
+      <a:lvl1pPr algn="l" rtl="0" eaLnBrk="0" fontAlgn="base" hangingPunct="0">
+        <a:spcBef>
+          <a:spcPct val="0"/>
+        </a:spcBef>
+        <a:spcAft>
+          <a:spcPct val="0"/>
+        </a:spcAft>
+        <a:defRPr sz="3200" kern="1200">
+          <a:solidFill>
+            <a:schemeClr val="bg1"/>
+          </a:solidFill>
+          <a:latin typeface="黑体" pitchFamily="2" charset="-122"/>
+          <a:ea typeface="黑体" pitchFamily="2" charset="-122"/>
+          <a:cs typeface="+mj-cs"/>
+        </a:defRPr>
+      </a:lvl1pPr>
+      <a:lvl2pPr algn="l" rtl="0" eaLnBrk="0" fontAlgn="base" hangingPunct="0">
+        <a:spcBef>
+          <a:spcPct val="0"/>
+        </a:spcBef>
+        <a:spcAft>
+          <a:spcPct val="0"/>
+        </a:spcAft>
+        <a:defRPr sz="3200">
+          <a:solidFill>
+            <a:schemeClr val="bg1"/>
+          </a:solidFill>
+          <a:latin typeface="黑体" pitchFamily="2" charset="-122"/>
+          <a:ea typeface="黑体" pitchFamily="2" charset="-122"/>
+        </a:defRPr>
+      </a:lvl2pPr>
+      <a:lvl3pPr algn="l" rtl="0" eaLnBrk="0" fontAlgn="base" hangingPunct="0">
+        <a:spcBef>
+          <a:spcPct val="0"/>
+        </a:spcBef>
+        <a:spcAft>
+          <a:spcPct val="0"/>
+        </a:spcAft>
+        <a:defRPr sz="3200">
+          <a:solidFill>
+            <a:schemeClr val="bg1"/>
+          </a:solidFill>
+          <a:latin typeface="黑体" pitchFamily="2" charset="-122"/>
+          <a:ea typeface="黑体" pitchFamily="2" charset="-122"/>
+        </a:defRPr>
+      </a:lvl3pPr>
+      <a:lvl4pPr algn="l" rtl="0" eaLnBrk="0" fontAlgn="base" hangingPunct="0">
+        <a:spcBef>
+          <a:spcPct val="0"/>
+        </a:spcBef>
+        <a:spcAft>
+          <a:spcPct val="0"/>
+        </a:spcAft>
+        <a:defRPr sz="3200">
+          <a:solidFill>
+            <a:schemeClr val="bg1"/>
+          </a:solidFill>
+          <a:latin typeface="黑体" pitchFamily="2" charset="-122"/>
+          <a:ea typeface="黑体" pitchFamily="2" charset="-122"/>
+        </a:defRPr>
+      </a:lvl4pPr>
+      <a:lvl5pPr algn="l" rtl="0" eaLnBrk="0" fontAlgn="base" hangingPunct="0">
+        <a:spcBef>
+          <a:spcPct val="0"/>
+        </a:spcBef>
+        <a:spcAft>
+          <a:spcPct val="0"/>
+        </a:spcAft>
+        <a:defRPr sz="3200">
+          <a:solidFill>
+            <a:schemeClr val="bg1"/>
+          </a:solidFill>
+          <a:latin typeface="黑体" pitchFamily="2" charset="-122"/>
+          <a:ea typeface="黑体" pitchFamily="2" charset="-122"/>
+        </a:defRPr>
+      </a:lvl5pPr>
+      <a:lvl6pPr marL="457200" algn="l" rtl="0" fontAlgn="base">
+        <a:spcBef>
+          <a:spcPct val="0"/>
+        </a:spcBef>
+        <a:spcAft>
+          <a:spcPct val="0"/>
+        </a:spcAft>
+        <a:defRPr sz="3200">
+          <a:solidFill>
+            <a:schemeClr val="bg1"/>
+          </a:solidFill>
+          <a:latin typeface="黑体" pitchFamily="2" charset="-122"/>
+          <a:ea typeface="黑体" pitchFamily="2" charset="-122"/>
+        </a:defRPr>
+      </a:lvl6pPr>
+      <a:lvl7pPr marL="914400" algn="l" rtl="0" fontAlgn="base">
+        <a:spcBef>
+          <a:spcPct val="0"/>
+        </a:spcBef>
+        <a:spcAft>
+          <a:spcPct val="0"/>
+        </a:spcAft>
+        <a:defRPr sz="3200">
+          <a:solidFill>
+            <a:schemeClr val="bg1"/>
+          </a:solidFill>
+          <a:latin typeface="黑体" pitchFamily="2" charset="-122"/>
+          <a:ea typeface="黑体" pitchFamily="2" charset="-122"/>
+        </a:defRPr>
+      </a:lvl7pPr>
+      <a:lvl8pPr marL="1371600" algn="l" rtl="0" fontAlgn="base">
+        <a:spcBef>
+          <a:spcPct val="0"/>
+        </a:spcBef>
+        <a:spcAft>
+          <a:spcPct val="0"/>
+        </a:spcAft>
+        <a:defRPr sz="3200">
+          <a:solidFill>
+            <a:schemeClr val="bg1"/>
+          </a:solidFill>
+          <a:latin typeface="黑体" pitchFamily="2" charset="-122"/>
+          <a:ea typeface="黑体" pitchFamily="2" charset="-122"/>
+        </a:defRPr>
+      </a:lvl8pPr>
+      <a:lvl9pPr marL="1828800" algn="l" rtl="0" fontAlgn="base">
+        <a:spcBef>
+          <a:spcPct val="0"/>
+        </a:spcBef>
+        <a:spcAft>
+          <a:spcPct val="0"/>
+        </a:spcAft>
+        <a:defRPr sz="3200">
+          <a:solidFill>
+            <a:schemeClr val="bg1"/>
+          </a:solidFill>
+          <a:latin typeface="黑体" pitchFamily="2" charset="-122"/>
+          <a:ea typeface="黑体" pitchFamily="2" charset="-122"/>
+        </a:defRPr>
+      </a:lvl9pPr>
+    </p:titleStyle>
+    <p:bodyStyle>
+      <a:lvl1pPr marL="342900" indent="-342900" algn="l" rtl="0" eaLnBrk="0" fontAlgn="base" hangingPunct="0">
+        <a:spcBef>
+          <a:spcPct val="20000"/>
+        </a:spcBef>
+        <a:spcAft>
+          <a:spcPct val="0"/>
+        </a:spcAft>
+        <a:buFont typeface="Arial" panose="020B0604020202090204" pitchFamily="34" charset="0"/>
+        <a:buChar char="•"/>
+        <a:defRPr sz="3200" kern="1200">
+          <a:solidFill>
+            <a:schemeClr val="tx1"/>
+          </a:solidFill>
+          <a:latin typeface="黑体" pitchFamily="2" charset="-122"/>
+          <a:ea typeface="黑体" pitchFamily="2" charset="-122"/>
+          <a:cs typeface="+mn-cs"/>
+        </a:defRPr>
+      </a:lvl1pPr>
+      <a:lvl2pPr marL="742950" indent="-285750" algn="l" rtl="0" eaLnBrk="0" fontAlgn="base" hangingPunct="0">
+        <a:spcBef>
+          <a:spcPct val="20000"/>
+        </a:spcBef>
+        <a:spcAft>
+          <a:spcPct val="0"/>
+        </a:spcAft>
+        <a:buFont typeface="Arial" panose="020B0604020202090204" pitchFamily="34" charset="0"/>
+        <a:buChar char="–"/>
+        <a:defRPr sz="2800" kern="1200">
+          <a:solidFill>
+            <a:schemeClr val="tx1"/>
+          </a:solidFill>
+          <a:latin typeface="黑体" pitchFamily="2" charset="-122"/>
+          <a:ea typeface="黑体" pitchFamily="2" charset="-122"/>
+          <a:cs typeface="+mn-cs"/>
+        </a:defRPr>
+      </a:lvl2pPr>
+      <a:lvl3pPr marL="1143000" indent="-228600" algn="l" rtl="0" eaLnBrk="0" fontAlgn="base" hangingPunct="0">
+        <a:spcBef>
+          <a:spcPct val="20000"/>
+        </a:spcBef>
+        <a:spcAft>
+          <a:spcPct val="0"/>
+        </a:spcAft>
+        <a:buFont typeface="Arial" panose="020B0604020202090204" pitchFamily="34" charset="0"/>
+        <a:buChar char="•"/>
+        <a:defRPr sz="2400" kern="1200">
+          <a:solidFill>
+            <a:schemeClr val="tx1"/>
+          </a:solidFill>
+          <a:latin typeface="黑体" pitchFamily="2" charset="-122"/>
+          <a:ea typeface="黑体" pitchFamily="2" charset="-122"/>
+          <a:cs typeface="+mn-cs"/>
+        </a:defRPr>
+      </a:lvl3pPr>
+      <a:lvl4pPr marL="1600200" indent="-228600" algn="l" rtl="0" eaLnBrk="0" fontAlgn="base" hangingPunct="0">
+        <a:spcBef>
+          <a:spcPct val="20000"/>
+        </a:spcBef>
+        <a:spcAft>
+          <a:spcPct val="0"/>
+        </a:spcAft>
+        <a:buFont typeface="Arial" panose="020B0604020202090204" pitchFamily="34" charset="0"/>
+        <a:buChar char="–"/>
+        <a:defRPr sz="2000" kern="1200">
+          <a:solidFill>
+            <a:schemeClr val="tx1"/>
+          </a:solidFill>
+          <a:latin typeface="黑体" pitchFamily="2" charset="-122"/>
+          <a:ea typeface="黑体" pitchFamily="2" charset="-122"/>
+          <a:cs typeface="+mn-cs"/>
+        </a:defRPr>
+      </a:lvl4pPr>
+      <a:lvl5pPr marL="2057400" indent="-228600" algn="l" rtl="0" eaLnBrk="0" fontAlgn="base" hangingPunct="0">
+        <a:spcBef>
+          <a:spcPct val="20000"/>
+        </a:spcBef>
+        <a:spcAft>
+          <a:spcPct val="0"/>
+        </a:spcAft>
+        <a:buFont typeface="Arial" panose="020B0604020202090204" pitchFamily="34" charset="0"/>
+        <a:buChar char="»"/>
+        <a:defRPr sz="2000" kern="1200">
+          <a:solidFill>
+            <a:schemeClr val="tx1"/>
+          </a:solidFill>
+          <a:latin typeface="黑体" pitchFamily="2" charset="-122"/>
+          <a:ea typeface="黑体" pitchFamily="2" charset="-122"/>
+          <a:cs typeface="+mn-cs"/>
+        </a:defRPr>
+      </a:lvl5pPr>
+      <a:lvl6pPr marL="2514600" indent="-228600" algn="l" defTabSz="914400" rtl="0" eaLnBrk="1" latinLnBrk="0" hangingPunct="1">
+        <a:spcBef>
+          <a:spcPct val="20000"/>
+        </a:spcBef>
+        <a:buFont typeface="Arial" panose="020B0604020202090204" pitchFamily="34" charset="0"/>
+        <a:buChar char="•"/>
+        <a:defRPr sz="2000" kern="1200">
+          <a:solidFill>
+            <a:schemeClr val="tx1"/>
+          </a:solidFill>
+          <a:latin typeface="+mn-lt"/>
+          <a:ea typeface="+mn-ea"/>
+          <a:cs typeface="+mn-cs"/>
+        </a:defRPr>
+      </a:lvl6pPr>
+      <a:lvl7pPr marL="2971800" indent="-228600" algn="l" defTabSz="914400" rtl="0" eaLnBrk="1" latinLnBrk="0" hangingPunct="1">
+        <a:spcBef>
+          <a:spcPct val="20000"/>
+        </a:spcBef>
+        <a:buFont typeface="Arial" panose="020B0604020202090204" pitchFamily="34" charset="0"/>
+        <a:buChar char="•"/>
+        <a:defRPr sz="2000" kern="1200">
+          <a:solidFill>
+            <a:schemeClr val="tx1"/>
+          </a:solidFill>
+          <a:latin typeface="+mn-lt"/>
+          <a:ea typeface="+mn-ea"/>
+          <a:cs typeface="+mn-cs"/>
+        </a:defRPr>
+      </a:lvl7pPr>
+      <a:lvl8pPr marL="3429000" indent="-228600" algn="l" defTabSz="914400" rtl="0" eaLnBrk="1" latinLnBrk="0" hangingPunct="1">
+        <a:spcBef>
+          <a:spcPct val="20000"/>
+        </a:spcBef>
+        <a:buFont typeface="Arial" panose="020B0604020202090204" pitchFamily="34" charset="0"/>
+        <a:buChar char="•"/>
+        <a:defRPr sz="2000" kern="1200">
+          <a:solidFill>
+            <a:schemeClr val="tx1"/>
+          </a:solidFill>
+          <a:latin typeface="+mn-lt"/>
+          <a:ea typeface="+mn-ea"/>
+          <a:cs typeface="+mn-cs"/>
+        </a:defRPr>
+      </a:lvl8pPr>
+      <a:lvl9pPr marL="3886200" indent="-228600" algn="l" defTabSz="914400" rtl="0" eaLnBrk="1" latinLnBrk="0" hangingPunct="1">
+        <a:spcBef>
+          <a:spcPct val="20000"/>
+        </a:spcBef>
+        <a:buFont typeface="Arial" panose="020B0604020202090204" pitchFamily="34" charset="0"/>
+        <a:buChar char="•"/>
+        <a:defRPr sz="2000" kern="1200">
+          <a:solidFill>
+            <a:schemeClr val="tx1"/>
+          </a:solidFill>
+          <a:latin typeface="+mn-lt"/>
+          <a:ea typeface="+mn-ea"/>
+          <a:cs typeface="+mn-cs"/>
+        </a:defRPr>
+      </a:lvl9pPr>
+    </p:bodyStyle>
+    <p:otherStyle>
+      <a:defPPr>
+        <a:defRPr lang="zh-CN"/>
+      </a:defPPr>
+      <a:lvl1pPr marL="0" algn="l" defTabSz="914400" rtl="0" eaLnBrk="1" latinLnBrk="0" hangingPunct="1">
+        <a:defRPr sz="1800" kern="1200">
+          <a:solidFill>
+            <a:schemeClr val="tx1"/>
+          </a:solidFill>
+          <a:latin typeface="+mn-lt"/>
+          <a:ea typeface="+mn-ea"/>
+          <a:cs typeface="+mn-cs"/>
+        </a:defRPr>
+      </a:lvl1pPr>
+      <a:lvl2pPr marL="457200" algn="l" defTabSz="914400" rtl="0" eaLnBrk="1" latinLnBrk="0" hangingPunct="1">
+        <a:defRPr sz="1800" kern="1200">
+          <a:solidFill>
+            <a:schemeClr val="tx1"/>
+          </a:solidFill>
+          <a:latin typeface="+mn-lt"/>
+          <a:ea typeface="+mn-ea"/>
+          <a:cs typeface="+mn-cs"/>
+        </a:defRPr>
+      </a:lvl2pPr>
+      <a:lvl3pPr marL="914400" algn="l" defTabSz="914400" rtl="0" eaLnBrk="1" latinLnBrk="0" hangingPunct="1">
+        <a:defRPr sz="1800" kern="1200">
+          <a:solidFill>
+            <a:schemeClr val="tx1"/>
+          </a:solidFill>
+          <a:latin typeface="+mn-lt"/>
+          <a:ea typeface="+mn-ea"/>
+          <a:cs typeface="+mn-cs"/>
+        </a:defRPr>
+      </a:lvl3pPr>
+      <a:lvl4pPr marL="1371600" algn="l" defTabSz="914400" rtl="0" eaLnBrk="1" latinLnBrk="0" hangingPunct="1">
+        <a:defRPr sz="1800" kern="1200">
+          <a:solidFill>
+            <a:schemeClr val="tx1"/>
+          </a:solidFill>
+          <a:latin typeface="+mn-lt"/>
+          <a:ea typeface="+mn-ea"/>
+          <a:cs typeface="+mn-cs"/>
+        </a:defRPr>
+      </a:lvl4pPr>
+      <a:lvl5pPr marL="1828800" algn="l" defTabSz="914400" rtl="0" eaLnBrk="1" latinLnBrk="0" hangingPunct="1">
+        <a:defRPr sz="1800" kern="1200">
+          <a:solidFill>
+            <a:schemeClr val="tx1"/>
+          </a:solidFill>
+          <a:latin typeface="+mn-lt"/>
+          <a:ea typeface="+mn-ea"/>
+          <a:cs typeface="+mn-cs"/>
+        </a:defRPr>
+      </a:lvl5pPr>
+      <a:lvl6pPr marL="2286000" algn="l" defTabSz="914400" rtl="0" eaLnBrk="1" latinLnBrk="0" hangingPunct="1">
+        <a:defRPr sz="1800" kern="1200">
+          <a:solidFill>
+            <a:schemeClr val="tx1"/>
+          </a:solidFill>
+          <a:latin typeface="+mn-lt"/>
+          <a:ea typeface="+mn-ea"/>
+          <a:cs typeface="+mn-cs"/>
+        </a:defRPr>
+      </a:lvl6pPr>
+      <a:lvl7pPr marL="2743200" algn="l" defTabSz="914400" rtl="0" eaLnBrk="1" latinLnBrk="0" hangingPunct="1">
+        <a:defRPr sz="1800" kern="1200">
+          <a:solidFill>
+            <a:schemeClr val="tx1"/>
+          </a:solidFill>
+          <a:latin typeface="+mn-lt"/>
+          <a:ea typeface="+mn-ea"/>
+          <a:cs typeface="+mn-cs"/>
+        </a:defRPr>
+      </a:lvl7pPr>
+      <a:lvl8pPr marL="3200400" algn="l" defTabSz="914400" rtl="0" eaLnBrk="1" latinLnBrk="0" hangingPunct="1">
+        <a:defRPr sz="1800" kern="1200">
+          <a:solidFill>
+            <a:schemeClr val="tx1"/>
+          </a:solidFill>
+          <a:latin typeface="+mn-lt"/>
+          <a:ea typeface="+mn-ea"/>
+          <a:cs typeface="+mn-cs"/>
+        </a:defRPr>
+      </a:lvl8pPr>
+      <a:lvl9pPr marL="3657600" algn="l" defTabSz="914400" rtl="0" eaLnBrk="1" latinLnBrk="0" hangingPunct="1">
+        <a:defRPr sz="1800" kern="1200">
+          <a:solidFill>
+            <a:schemeClr val="tx1"/>
+          </a:solidFill>
+          <a:latin typeface="+mn-lt"/>
+          <a:ea typeface="+mn-ea"/>
+          <a:cs typeface="+mn-cs"/>
+        </a:defRPr>
+      </a:lvl9pPr>
+    </p:otherStyle>
+  </p:txStyles>
+</p:sldMaster>
+</file>
+
+<file path=ppt/slideMasters/slideMaster2.xml><?xml version="1.0" encoding="utf-8"?>
+<p:sldMaster xmlns:a="http://schemas.openxmlformats.org/drawingml/2006/main" xmlns:r="http://schemas.openxmlformats.org/officeDocument/2006/relationships" xmlns:p="http://schemas.openxmlformats.org/presentationml/2006/main">
+  <p:cSld>
+    <p:bg>
+      <p:bgPr>
+        <a:blipFill dpi="0" rotWithShape="0">
+          <a:blip r:embed="rId12"/>
+          <a:srcRect/>
+          <a:stretch>
+            <a:fillRect/>
+          </a:stretch>
+        </a:blipFill>
+        <a:effectLst/>
+      </p:bgPr>
+    </p:bg>
+    <p:spTree>
+      <p:nvGrpSpPr>
+        <p:cNvPr id="1" name=""/>
+        <p:cNvGrpSpPr/>
+        <p:nvPr/>
+      </p:nvGrpSpPr>
+      <p:grpSpPr>
+        <a:xfrm>
+          <a:off x="0" y="0"/>
+          <a:ext cx="0" cy="0"/>
+          <a:chOff x="0" y="0"/>
+          <a:chExt cx="0" cy="0"/>
+        </a:xfrm>
+      </p:grpSpPr>
+      <p:sp>
+        <p:nvSpPr>
+          <p:cNvPr id="1026" name="标题占位符 1"/>
+          <p:cNvSpPr>
+            <a:spLocks noGrp="1"/>
+          </p:cNvSpPr>
+          <p:nvPr>
+            <p:ph type="title"/>
+          </p:nvPr>
+        </p:nvSpPr>
+        <p:spPr bwMode="auto">
+          <a:xfrm>
+            <a:off x="142875" y="357188"/>
+            <a:ext cx="8229600" cy="654050"/>
+          </a:xfrm>
+          <a:prstGeom prst="rect">
+            <a:avLst/>
+          </a:prstGeom>
+          <a:noFill/>
+          <a:ln>
+            <a:noFill/>
+          </a:ln>
+          <a:extLst>
+            <a:ext uri="{909E8E84-426E-40DD-AFC4-6F175D3DCCD1}">
+              <a14:hiddenFill xmlns:a14="http://schemas.microsoft.com/office/drawing/2010/main">
+                <a:solidFill>
+                  <a:srgbClr val="FFFFFF"/>
+                </a:solidFill>
+              </a14:hiddenFill>
+            </a:ext>
+            <a:ext uri="{91240B29-F687-4F45-9708-019B960494DF}">
+              <a14:hiddenLine xmlns:a14="http://schemas.microsoft.com/office/drawing/2010/main" w="9525">
+                <a:solidFill>
+                  <a:srgbClr val="000000"/>
+                </a:solidFill>
+                <a:miter lim="800000"/>
+                <a:headEnd/>
+                <a:tailEnd/>
+              </a14:hiddenLine>
+            </a:ext>
+          </a:extLst>
+        </p:spPr>
+        <p:txBody>
+          <a:bodyPr vert="horz" wrap="square" lIns="91440" tIns="45720" rIns="91440" bIns="45720" numCol="1" anchor="ctr" anchorCtr="0" compatLnSpc="1"/>
+          <a:lstStyle/>
+          <a:p>
+            <a:pPr lvl="0"/>
+            <a:r>
+              <a:rPr lang="zh-CN" altLang="en-US" smtClean="0"/>
+              <a:t>单击此处编辑母版标题样式</a:t>
+            </a:r>
+            <a:endParaRPr lang="zh-CN" altLang="en-US" smtClean="0"/>
+          </a:p>
+        </p:txBody>
+      </p:sp>
+      <p:sp>
+        <p:nvSpPr>
+          <p:cNvPr id="1027" name="文本占位符 2"/>
+          <p:cNvSpPr>
+            <a:spLocks noGrp="1"/>
+          </p:cNvSpPr>
+          <p:nvPr>
+            <p:ph type="body" idx="1"/>
+          </p:nvPr>
+        </p:nvSpPr>
+        <p:spPr bwMode="auto">
+          <a:xfrm>
+            <a:off x="457200" y="1600200"/>
+            <a:ext cx="8229600" cy="4525963"/>
+          </a:xfrm>
+          <a:prstGeom prst="rect">
+            <a:avLst/>
+          </a:prstGeom>
+          <a:noFill/>
+          <a:ln>
+            <a:noFill/>
+          </a:ln>
+          <a:extLst>
+            <a:ext uri="{909E8E84-426E-40DD-AFC4-6F175D3DCCD1}">
+              <a14:hiddenFill xmlns:a14="http://schemas.microsoft.com/office/drawing/2010/main">
+                <a:solidFill>
+                  <a:srgbClr val="FFFFFF"/>
+                </a:solidFill>
+              </a14:hiddenFill>
+            </a:ext>
+            <a:ext uri="{91240B29-F687-4F45-9708-019B960494DF}">
+              <a14:hiddenLine xmlns:a14="http://schemas.microsoft.com/office/drawing/2010/main" w="9525">
+                <a:solidFill>
+                  <a:srgbClr val="000000"/>
+                </a:solidFill>
+                <a:miter lim="800000"/>
+                <a:headEnd/>
+                <a:tailEnd/>
+              </a14:hiddenLine>
+            </a:ext>
+          </a:extLst>
+        </p:spPr>
+        <p:txBody>
+          <a:bodyPr vert="horz" wrap="square" lIns="91440" tIns="45720" rIns="91440" bIns="45720" numCol="1" anchor="t" anchorCtr="0" compatLnSpc="1"/>
+          <a:lstStyle/>
+          <a:p>
+            <a:pPr lvl="0"/>
+            <a:r>
+              <a:rPr lang="zh-CN" altLang="en-US" smtClean="0"/>
+              <a:t>单击此处编辑母版文本样式</a:t>
+            </a:r>
+            <a:endParaRPr lang="zh-CN" altLang="en-US" smtClean="0"/>
+          </a:p>
+          <a:p>
+            <a:pPr lvl="1"/>
+            <a:r>
+              <a:rPr lang="zh-CN" altLang="en-US" smtClean="0"/>
+              <a:t>第二级</a:t>
+            </a:r>
+            <a:endParaRPr lang="zh-CN" altLang="en-US" smtClean="0"/>
+          </a:p>
+          <a:p>
+            <a:pPr lvl="2"/>
+            <a:r>
+              <a:rPr lang="zh-CN" altLang="en-US" smtClean="0"/>
+              <a:t>第三级</a:t>
+            </a:r>
+            <a:endParaRPr lang="zh-CN" altLang="en-US" smtClean="0"/>
+          </a:p>
+          <a:p>
+            <a:pPr lvl="3"/>
+            <a:r>
+              <a:rPr lang="zh-CN" altLang="en-US" smtClean="0"/>
+              <a:t>第四级</a:t>
+            </a:r>
+            <a:endParaRPr lang="zh-CN" altLang="en-US" smtClean="0"/>
+          </a:p>
+          <a:p>
+            <a:pPr lvl="4"/>
+            <a:r>
+              <a:rPr lang="zh-CN" altLang="en-US" smtClean="0"/>
+              <a:t>第五级</a:t>
+            </a:r>
+            <a:endParaRPr lang="zh-CN" altLang="en-US" smtClean="0"/>
+          </a:p>
+        </p:txBody>
+      </p:sp>
+      <p:sp>
+        <p:nvSpPr>
+          <p:cNvPr id="4" name="日期占位符 3"/>
+          <p:cNvSpPr>
+            <a:spLocks noGrp="1"/>
+          </p:cNvSpPr>
+          <p:nvPr>
+            <p:ph type="dt" sz="half" idx="2"/>
+          </p:nvPr>
+        </p:nvSpPr>
+        <p:spPr>
+          <a:xfrm>
+            <a:off x="457200" y="6356350"/>
+            <a:ext cx="2133600" cy="365125"/>
+          </a:xfrm>
+          <a:prstGeom prst="rect">
+            <a:avLst/>
+          </a:prstGeom>
+        </p:spPr>
+        <p:txBody>
+          <a:bodyPr vert="horz" lIns="91440" tIns="45720" rIns="91440" bIns="45720" rtlCol="0" anchor="ctr"/>
+          <a:lstStyle>
+            <a:lvl1pPr algn="l" fontAlgn="auto">
+              <a:spcBef>
+                <a:spcPts val="0"/>
+              </a:spcBef>
+              <a:spcAft>
+                <a:spcPts val="0"/>
+              </a:spcAft>
+              <a:defRPr sz="1200">
+                <a:solidFill>
+                  <a:schemeClr val="tx1">
+                    <a:tint val="75000"/>
+                  </a:schemeClr>
+                </a:solidFill>
+                <a:latin typeface="+mn-lt"/>
+                <a:ea typeface="+mn-ea"/>
+              </a:defRPr>
+            </a:lvl1pPr>
+          </a:lstStyle>
+          <a:p>
+            <a:pPr>
+              <a:defRPr/>
+            </a:pPr>
+            <a:fld id="{CA944234-1106-4754-8691-5FC22A1DC318}" type="datetime1">
+              <a:rPr lang="zh-CN" altLang="en-US" smtClean="0">
+                <a:solidFill>
+                  <a:prstClr val="black">
+                    <a:tint val="75000"/>
+                  </a:prstClr>
+                </a:solidFill>
+              </a:rPr>
+            </a:fld>
+            <a:endParaRPr lang="zh-CN" altLang="en-US">
+              <a:solidFill>
+                <a:prstClr val="black">
+                  <a:tint val="75000"/>
+                </a:prstClr>
+              </a:solidFill>
+            </a:endParaRPr>
+          </a:p>
+        </p:txBody>
+      </p:sp>
+      <p:sp>
+        <p:nvSpPr>
+          <p:cNvPr id="5" name="页脚占位符 4"/>
+          <p:cNvSpPr>
+            <a:spLocks noGrp="1"/>
+          </p:cNvSpPr>
+          <p:nvPr>
+            <p:ph type="ftr" sz="quarter" idx="3"/>
+          </p:nvPr>
+        </p:nvSpPr>
+        <p:spPr>
+          <a:xfrm>
+            <a:off x="3124200" y="6356350"/>
+            <a:ext cx="2895600" cy="365125"/>
+          </a:xfrm>
+          <a:prstGeom prst="rect">
+            <a:avLst/>
+          </a:prstGeom>
+        </p:spPr>
+        <p:txBody>
+          <a:bodyPr vert="horz" lIns="91440" tIns="45720" rIns="91440" bIns="45720" rtlCol="0" anchor="ctr"/>
+          <a:lstStyle>
+            <a:lvl1pPr algn="ctr" fontAlgn="auto">
+              <a:spcBef>
+                <a:spcPts val="0"/>
+              </a:spcBef>
+              <a:spcAft>
+                <a:spcPts val="0"/>
+              </a:spcAft>
+              <a:defRPr sz="1200">
+                <a:solidFill>
+                  <a:schemeClr val="tx1">
+                    <a:tint val="75000"/>
+                  </a:schemeClr>
+                </a:solidFill>
+                <a:latin typeface="+mn-lt"/>
+                <a:ea typeface="+mn-ea"/>
+              </a:defRPr>
+            </a:lvl1pPr>
+          </a:lstStyle>
+          <a:p>
+            <a:pPr>
+              <a:defRPr/>
+            </a:pPr>
+            <a:endParaRPr lang="zh-CN" altLang="en-US">
+              <a:solidFill>
+                <a:prstClr val="black">
+                  <a:tint val="75000"/>
+                </a:prstClr>
+              </a:solidFill>
+            </a:endParaRPr>
+          </a:p>
+        </p:txBody>
+      </p:sp>
+      <p:sp>
+        <p:nvSpPr>
+          <p:cNvPr id="6" name="灯片编号占位符 5"/>
+          <p:cNvSpPr>
+            <a:spLocks noGrp="1"/>
+          </p:cNvSpPr>
+          <p:nvPr>
+            <p:ph type="sldNum" sz="quarter" idx="4"/>
+          </p:nvPr>
+        </p:nvSpPr>
+        <p:spPr>
+          <a:xfrm>
+            <a:off x="6553200" y="6356350"/>
+            <a:ext cx="2133600" cy="365125"/>
+          </a:xfrm>
+          <a:prstGeom prst="rect">
+            <a:avLst/>
+          </a:prstGeom>
+        </p:spPr>
+        <p:txBody>
+          <a:bodyPr vert="horz" lIns="91440" tIns="45720" rIns="91440" bIns="45720" rtlCol="0" anchor="ctr"/>
+          <a:lstStyle>
+            <a:lvl1pPr algn="r" fontAlgn="auto">
+              <a:spcBef>
+                <a:spcPts val="0"/>
+              </a:spcBef>
+              <a:spcAft>
+                <a:spcPts val="0"/>
+              </a:spcAft>
+              <a:defRPr sz="1200">
+                <a:solidFill>
+                  <a:schemeClr val="tx1">
+                    <a:tint val="75000"/>
+                  </a:schemeClr>
+                </a:solidFill>
+                <a:latin typeface="+mn-lt"/>
+                <a:ea typeface="+mn-ea"/>
+              </a:defRPr>
+            </a:lvl1pPr>
+          </a:lstStyle>
+          <a:p>
+            <a:pPr>
+              <a:defRPr/>
+            </a:pPr>
+            <a:fld id="{A464C3B7-DDBD-403E-A304-4BD94D6CB492}" type="slidenum">
+              <a:rPr lang="zh-CN" altLang="en-US">
+                <a:solidFill>
+                  <a:prstClr val="black">
+                    <a:tint val="75000"/>
+                  </a:prstClr>
+                </a:solidFill>
+              </a:rPr>
+            </a:fld>
+            <a:endParaRPr lang="zh-CN" altLang="en-US">
+              <a:solidFill>
+                <a:prstClr val="black">
+                  <a:tint val="75000"/>
+                </a:prstClr>
+              </a:solidFill>
+            </a:endParaRPr>
+          </a:p>
+        </p:txBody>
+      </p:sp>
+    </p:spTree>
   </p:cSld>
   <p:clrMap bg1="lt1" tx1="dk1" bg2="lt2" tx2="dk2" accent1="accent1" accent2="accent2" accent3="accent3" accent4="accent4" accent5="accent5" accent6="accent6" hlink="hlink" folHlink="folHlink"/>
   <p:sldLayoutIdLst>
@@ -10571,7 +10972,7 @@
         <a:spcAft>
           <a:spcPct val="0"/>
         </a:spcAft>
-        <a:buFont typeface="Arial" charset="0"/>
+        <a:buFont typeface="Arial" panose="020B0604020202090204" pitchFamily="34" charset="0"/>
         <a:buChar char="•"/>
         <a:defRPr sz="3200" kern="1200">
           <a:solidFill>
@@ -10589,7 +10990,7 @@
         <a:spcAft>
           <a:spcPct val="0"/>
         </a:spcAft>
-        <a:buFont typeface="Arial" charset="0"/>
+        <a:buFont typeface="Arial" panose="020B0604020202090204" pitchFamily="34" charset="0"/>
         <a:buChar char="–"/>
         <a:defRPr sz="2800" kern="1200">
           <a:solidFill>
@@ -10607,7 +11008,7 @@
         <a:spcAft>
           <a:spcPct val="0"/>
         </a:spcAft>
-        <a:buFont typeface="Arial" charset="0"/>
+        <a:buFont typeface="Arial" panose="020B0604020202090204" pitchFamily="34" charset="0"/>
         <a:buChar char="•"/>
         <a:defRPr sz="2400" kern="1200">
           <a:solidFill>
@@ -10625,7 +11026,7 @@
         <a:spcAft>
           <a:spcPct val="0"/>
         </a:spcAft>
-        <a:buFont typeface="Arial" charset="0"/>
+        <a:buFont typeface="Arial" panose="020B0604020202090204" pitchFamily="34" charset="0"/>
         <a:buChar char="–"/>
         <a:defRPr sz="2000" kern="1200">
           <a:solidFill>
@@ -10643,7 +11044,7 @@
         <a:spcAft>
           <a:spcPct val="0"/>
         </a:spcAft>
-        <a:buFont typeface="Arial" charset="0"/>
+        <a:buFont typeface="Arial" panose="020B0604020202090204" pitchFamily="34" charset="0"/>
         <a:buChar char="»"/>
         <a:defRPr sz="2000" kern="1200">
           <a:solidFill>
@@ -10658,7 +11059,7 @@
         <a:spcBef>
           <a:spcPct val="20000"/>
         </a:spcBef>
-        <a:buFont typeface="Arial" pitchFamily="34" charset="0"/>
+        <a:buFont typeface="Arial" panose="020B0604020202090204" pitchFamily="34" charset="0"/>
         <a:buChar char="•"/>
         <a:defRPr sz="2000" kern="1200">
           <a:solidFill>
@@ -10673,7 +11074,7 @@
         <a:spcBef>
           <a:spcPct val="20000"/>
         </a:spcBef>
-        <a:buFont typeface="Arial" pitchFamily="34" charset="0"/>
+        <a:buFont typeface="Arial" panose="020B0604020202090204" pitchFamily="34" charset="0"/>
         <a:buChar char="•"/>
         <a:defRPr sz="2000" kern="1200">
           <a:solidFill>
@@ -10688,7 +11089,7 @@
         <a:spcBef>
           <a:spcPct val="20000"/>
         </a:spcBef>
-        <a:buFont typeface="Arial" pitchFamily="34" charset="0"/>
+        <a:buFont typeface="Arial" panose="020B0604020202090204" pitchFamily="34" charset="0"/>
         <a:buChar char="•"/>
         <a:defRPr sz="2000" kern="1200">
           <a:solidFill>
@@ -10703,777 +11104,7 @@
         <a:spcBef>
           <a:spcPct val="20000"/>
         </a:spcBef>
-        <a:buFont typeface="Arial" pitchFamily="34" charset="0"/>
-        <a:buChar char="•"/>
-        <a:defRPr sz="2000" kern="1200">
-          <a:solidFill>
-            <a:schemeClr val="tx1"/>
-          </a:solidFill>
-          <a:latin typeface="+mn-lt"/>
-          <a:ea typeface="+mn-ea"/>
-          <a:cs typeface="+mn-cs"/>
-        </a:defRPr>
-      </a:lvl9pPr>
-    </p:bodyStyle>
-    <p:otherStyle>
-      <a:defPPr>
-        <a:defRPr lang="zh-CN"/>
-      </a:defPPr>
-      <a:lvl1pPr marL="0" algn="l" defTabSz="914400" rtl="0" eaLnBrk="1" latinLnBrk="0" hangingPunct="1">
-        <a:defRPr sz="1800" kern="1200">
-          <a:solidFill>
-            <a:schemeClr val="tx1"/>
-          </a:solidFill>
-          <a:latin typeface="+mn-lt"/>
-          <a:ea typeface="+mn-ea"/>
-          <a:cs typeface="+mn-cs"/>
-        </a:defRPr>
-      </a:lvl1pPr>
-      <a:lvl2pPr marL="457200" algn="l" defTabSz="914400" rtl="0" eaLnBrk="1" latinLnBrk="0" hangingPunct="1">
-        <a:defRPr sz="1800" kern="1200">
-          <a:solidFill>
-            <a:schemeClr val="tx1"/>
-          </a:solidFill>
-          <a:latin typeface="+mn-lt"/>
-          <a:ea typeface="+mn-ea"/>
-          <a:cs typeface="+mn-cs"/>
-        </a:defRPr>
-      </a:lvl2pPr>
-      <a:lvl3pPr marL="914400" algn="l" defTabSz="914400" rtl="0" eaLnBrk="1" latinLnBrk="0" hangingPunct="1">
-        <a:defRPr sz="1800" kern="1200">
-          <a:solidFill>
-            <a:schemeClr val="tx1"/>
-          </a:solidFill>
-          <a:latin typeface="+mn-lt"/>
-          <a:ea typeface="+mn-ea"/>
-          <a:cs typeface="+mn-cs"/>
-        </a:defRPr>
-      </a:lvl3pPr>
-      <a:lvl4pPr marL="1371600" algn="l" defTabSz="914400" rtl="0" eaLnBrk="1" latinLnBrk="0" hangingPunct="1">
-        <a:defRPr sz="1800" kern="1200">
-          <a:solidFill>
-            <a:schemeClr val="tx1"/>
-          </a:solidFill>
-          <a:latin typeface="+mn-lt"/>
-          <a:ea typeface="+mn-ea"/>
-          <a:cs typeface="+mn-cs"/>
-        </a:defRPr>
-      </a:lvl4pPr>
-      <a:lvl5pPr marL="1828800" algn="l" defTabSz="914400" rtl="0" eaLnBrk="1" latinLnBrk="0" hangingPunct="1">
-        <a:defRPr sz="1800" kern="1200">
-          <a:solidFill>
-            <a:schemeClr val="tx1"/>
-          </a:solidFill>
-          <a:latin typeface="+mn-lt"/>
-          <a:ea typeface="+mn-ea"/>
-          <a:cs typeface="+mn-cs"/>
-        </a:defRPr>
-      </a:lvl5pPr>
-      <a:lvl6pPr marL="2286000" algn="l" defTabSz="914400" rtl="0" eaLnBrk="1" latinLnBrk="0" hangingPunct="1">
-        <a:defRPr sz="1800" kern="1200">
-          <a:solidFill>
-            <a:schemeClr val="tx1"/>
-          </a:solidFill>
-          <a:latin typeface="+mn-lt"/>
-          <a:ea typeface="+mn-ea"/>
-          <a:cs typeface="+mn-cs"/>
-        </a:defRPr>
-      </a:lvl6pPr>
-      <a:lvl7pPr marL="2743200" algn="l" defTabSz="914400" rtl="0" eaLnBrk="1" latinLnBrk="0" hangingPunct="1">
-        <a:defRPr sz="1800" kern="1200">
-          <a:solidFill>
-            <a:schemeClr val="tx1"/>
-          </a:solidFill>
-          <a:latin typeface="+mn-lt"/>
-          <a:ea typeface="+mn-ea"/>
-          <a:cs typeface="+mn-cs"/>
-        </a:defRPr>
-      </a:lvl7pPr>
-      <a:lvl8pPr marL="3200400" algn="l" defTabSz="914400" rtl="0" eaLnBrk="1" latinLnBrk="0" hangingPunct="1">
-        <a:defRPr sz="1800" kern="1200">
-          <a:solidFill>
-            <a:schemeClr val="tx1"/>
-          </a:solidFill>
-          <a:latin typeface="+mn-lt"/>
-          <a:ea typeface="+mn-ea"/>
-          <a:cs typeface="+mn-cs"/>
-        </a:defRPr>
-      </a:lvl8pPr>
-      <a:lvl9pPr marL="3657600" algn="l" defTabSz="914400" rtl="0" eaLnBrk="1" latinLnBrk="0" hangingPunct="1">
-        <a:defRPr sz="1800" kern="1200">
-          <a:solidFill>
-            <a:schemeClr val="tx1"/>
-          </a:solidFill>
-          <a:latin typeface="+mn-lt"/>
-          <a:ea typeface="+mn-ea"/>
-          <a:cs typeface="+mn-cs"/>
-        </a:defRPr>
-      </a:lvl9pPr>
-    </p:otherStyle>
-  </p:txStyles>
-</p:sldMaster>
-</file>
-
-<file path=ppt/slideMasters/slideMaster2.xml><?xml version="1.0" encoding="utf-8"?>
-<p:sldMaster xmlns:a="http://schemas.openxmlformats.org/drawingml/2006/main" xmlns:r="http://schemas.openxmlformats.org/officeDocument/2006/relationships" xmlns:p="http://schemas.openxmlformats.org/presentationml/2006/main">
-  <p:cSld>
-    <p:bg>
-      <p:bgPr>
-        <a:blipFill dpi="0" rotWithShape="0">
-          <a:blip r:embed="rId13"/>
-          <a:srcRect/>
-          <a:stretch>
-            <a:fillRect/>
-          </a:stretch>
-        </a:blipFill>
-        <a:effectLst/>
-      </p:bgPr>
-    </p:bg>
-    <p:spTree>
-      <p:nvGrpSpPr>
-        <p:cNvPr id="1" name=""/>
-        <p:cNvGrpSpPr/>
-        <p:nvPr/>
-      </p:nvGrpSpPr>
-      <p:grpSpPr>
-        <a:xfrm>
-          <a:off x="0" y="0"/>
-          <a:ext cx="0" cy="0"/>
-          <a:chOff x="0" y="0"/>
-          <a:chExt cx="0" cy="0"/>
-        </a:xfrm>
-      </p:grpSpPr>
-      <p:sp>
-        <p:nvSpPr>
-          <p:cNvPr id="1026" name="标题占位符 1"/>
-          <p:cNvSpPr>
-            <a:spLocks noGrp="1"/>
-          </p:cNvSpPr>
-          <p:nvPr>
-            <p:ph type="title"/>
-          </p:nvPr>
-        </p:nvSpPr>
-        <p:spPr bwMode="auto">
-          <a:xfrm>
-            <a:off x="142875" y="357188"/>
-            <a:ext cx="8229600" cy="654050"/>
-          </a:xfrm>
-          <a:prstGeom prst="rect">
-            <a:avLst/>
-          </a:prstGeom>
-          <a:noFill/>
-          <a:ln>
-            <a:noFill/>
-          </a:ln>
-          <a:extLst>
-            <a:ext uri="{909E8E84-426E-40DD-AFC4-6F175D3DCCD1}">
-              <a14:hiddenFill xmlns:a14="http://schemas.microsoft.com/office/drawing/2010/main">
-                <a:solidFill>
-                  <a:srgbClr val="FFFFFF"/>
-                </a:solidFill>
-              </a14:hiddenFill>
-            </a:ext>
-            <a:ext uri="{91240B29-F687-4F45-9708-019B960494DF}">
-              <a14:hiddenLine xmlns:a14="http://schemas.microsoft.com/office/drawing/2010/main" w="9525">
-                <a:solidFill>
-                  <a:srgbClr val="000000"/>
-                </a:solidFill>
-                <a:miter lim="800000"/>
-                <a:headEnd/>
-                <a:tailEnd/>
-              </a14:hiddenLine>
-            </a:ext>
-          </a:extLst>
-        </p:spPr>
-        <p:txBody>
-          <a:bodyPr vert="horz" wrap="square" lIns="91440" tIns="45720" rIns="91440" bIns="45720" numCol="1" anchor="ctr" anchorCtr="0" compatLnSpc="1">
-            <a:prstTxWarp prst="textNoShape">
-              <a:avLst/>
-            </a:prstTxWarp>
-          </a:bodyPr>
-          <a:lstStyle/>
-          <a:p>
-            <a:pPr lvl="0"/>
-            <a:r>
-              <a:rPr lang="zh-CN" altLang="en-US" smtClean="0"/>
-              <a:t>单击此处编辑母版标题样式</a:t>
-            </a:r>
-          </a:p>
-        </p:txBody>
-      </p:sp>
-      <p:sp>
-        <p:nvSpPr>
-          <p:cNvPr id="1027" name="文本占位符 2"/>
-          <p:cNvSpPr>
-            <a:spLocks noGrp="1"/>
-          </p:cNvSpPr>
-          <p:nvPr>
-            <p:ph type="body" idx="1"/>
-          </p:nvPr>
-        </p:nvSpPr>
-        <p:spPr bwMode="auto">
-          <a:xfrm>
-            <a:off x="457200" y="1600200"/>
-            <a:ext cx="8229600" cy="4525963"/>
-          </a:xfrm>
-          <a:prstGeom prst="rect">
-            <a:avLst/>
-          </a:prstGeom>
-          <a:noFill/>
-          <a:ln>
-            <a:noFill/>
-          </a:ln>
-          <a:extLst>
-            <a:ext uri="{909E8E84-426E-40DD-AFC4-6F175D3DCCD1}">
-              <a14:hiddenFill xmlns:a14="http://schemas.microsoft.com/office/drawing/2010/main">
-                <a:solidFill>
-                  <a:srgbClr val="FFFFFF"/>
-                </a:solidFill>
-              </a14:hiddenFill>
-            </a:ext>
-            <a:ext uri="{91240B29-F687-4F45-9708-019B960494DF}">
-              <a14:hiddenLine xmlns:a14="http://schemas.microsoft.com/office/drawing/2010/main" w="9525">
-                <a:solidFill>
-                  <a:srgbClr val="000000"/>
-                </a:solidFill>
-                <a:miter lim="800000"/>
-                <a:headEnd/>
-                <a:tailEnd/>
-              </a14:hiddenLine>
-            </a:ext>
-          </a:extLst>
-        </p:spPr>
-        <p:txBody>
-          <a:bodyPr vert="horz" wrap="square" lIns="91440" tIns="45720" rIns="91440" bIns="45720" numCol="1" anchor="t" anchorCtr="0" compatLnSpc="1">
-            <a:prstTxWarp prst="textNoShape">
-              <a:avLst/>
-            </a:prstTxWarp>
-          </a:bodyPr>
-          <a:lstStyle/>
-          <a:p>
-            <a:pPr lvl="0"/>
-            <a:r>
-              <a:rPr lang="zh-CN" altLang="en-US" smtClean="0"/>
-              <a:t>单击此处编辑母版文本样式</a:t>
-            </a:r>
-          </a:p>
-          <a:p>
-            <a:pPr lvl="1"/>
-            <a:r>
-              <a:rPr lang="zh-CN" altLang="en-US" smtClean="0"/>
-              <a:t>第二级</a:t>
-            </a:r>
-          </a:p>
-          <a:p>
-            <a:pPr lvl="2"/>
-            <a:r>
-              <a:rPr lang="zh-CN" altLang="en-US" smtClean="0"/>
-              <a:t>第三级</a:t>
-            </a:r>
-          </a:p>
-          <a:p>
-            <a:pPr lvl="3"/>
-            <a:r>
-              <a:rPr lang="zh-CN" altLang="en-US" smtClean="0"/>
-              <a:t>第四级</a:t>
-            </a:r>
-          </a:p>
-          <a:p>
-            <a:pPr lvl="4"/>
-            <a:r>
-              <a:rPr lang="zh-CN" altLang="en-US" smtClean="0"/>
-              <a:t>第五级</a:t>
-            </a:r>
-          </a:p>
-        </p:txBody>
-      </p:sp>
-      <p:sp>
-        <p:nvSpPr>
-          <p:cNvPr id="4" name="日期占位符 3"/>
-          <p:cNvSpPr>
-            <a:spLocks noGrp="1"/>
-          </p:cNvSpPr>
-          <p:nvPr>
-            <p:ph type="dt" sz="half" idx="2"/>
-          </p:nvPr>
-        </p:nvSpPr>
-        <p:spPr>
-          <a:xfrm>
-            <a:off x="457200" y="6356350"/>
-            <a:ext cx="2133600" cy="365125"/>
-          </a:xfrm>
-          <a:prstGeom prst="rect">
-            <a:avLst/>
-          </a:prstGeom>
-        </p:spPr>
-        <p:txBody>
-          <a:bodyPr vert="horz" lIns="91440" tIns="45720" rIns="91440" bIns="45720" rtlCol="0" anchor="ctr"/>
-          <a:lstStyle>
-            <a:lvl1pPr algn="l" fontAlgn="auto">
-              <a:spcBef>
-                <a:spcPts val="0"/>
-              </a:spcBef>
-              <a:spcAft>
-                <a:spcPts val="0"/>
-              </a:spcAft>
-              <a:defRPr sz="1200">
-                <a:solidFill>
-                  <a:schemeClr val="tx1">
-                    <a:tint val="75000"/>
-                  </a:schemeClr>
-                </a:solidFill>
-                <a:latin typeface="+mn-lt"/>
-                <a:ea typeface="+mn-ea"/>
-              </a:defRPr>
-            </a:lvl1pPr>
-          </a:lstStyle>
-          <a:p>
-            <a:pPr>
-              <a:defRPr/>
-            </a:pPr>
-            <a:fld id="{CA944234-1106-4754-8691-5FC22A1DC318}" type="datetime1">
-              <a:rPr lang="zh-CN" altLang="en-US" smtClean="0">
-                <a:solidFill>
-                  <a:prstClr val="black">
-                    <a:tint val="75000"/>
-                  </a:prstClr>
-                </a:solidFill>
-              </a:rPr>
-              <a:t>2017/10/27</a:t>
-            </a:fld>
-            <a:endParaRPr lang="zh-CN" altLang="en-US">
-              <a:solidFill>
-                <a:prstClr val="black">
-                  <a:tint val="75000"/>
-                </a:prstClr>
-              </a:solidFill>
-            </a:endParaRPr>
-          </a:p>
-        </p:txBody>
-      </p:sp>
-      <p:sp>
-        <p:nvSpPr>
-          <p:cNvPr id="5" name="页脚占位符 4"/>
-          <p:cNvSpPr>
-            <a:spLocks noGrp="1"/>
-          </p:cNvSpPr>
-          <p:nvPr>
-            <p:ph type="ftr" sz="quarter" idx="3"/>
-          </p:nvPr>
-        </p:nvSpPr>
-        <p:spPr>
-          <a:xfrm>
-            <a:off x="3124200" y="6356350"/>
-            <a:ext cx="2895600" cy="365125"/>
-          </a:xfrm>
-          <a:prstGeom prst="rect">
-            <a:avLst/>
-          </a:prstGeom>
-        </p:spPr>
-        <p:txBody>
-          <a:bodyPr vert="horz" lIns="91440" tIns="45720" rIns="91440" bIns="45720" rtlCol="0" anchor="ctr"/>
-          <a:lstStyle>
-            <a:lvl1pPr algn="ctr" fontAlgn="auto">
-              <a:spcBef>
-                <a:spcPts val="0"/>
-              </a:spcBef>
-              <a:spcAft>
-                <a:spcPts val="0"/>
-              </a:spcAft>
-              <a:defRPr sz="1200">
-                <a:solidFill>
-                  <a:schemeClr val="tx1">
-                    <a:tint val="75000"/>
-                  </a:schemeClr>
-                </a:solidFill>
-                <a:latin typeface="+mn-lt"/>
-                <a:ea typeface="+mn-ea"/>
-              </a:defRPr>
-            </a:lvl1pPr>
-          </a:lstStyle>
-          <a:p>
-            <a:pPr>
-              <a:defRPr/>
-            </a:pPr>
-            <a:endParaRPr lang="zh-CN" altLang="en-US">
-              <a:solidFill>
-                <a:prstClr val="black">
-                  <a:tint val="75000"/>
-                </a:prstClr>
-              </a:solidFill>
-            </a:endParaRPr>
-          </a:p>
-        </p:txBody>
-      </p:sp>
-      <p:sp>
-        <p:nvSpPr>
-          <p:cNvPr id="6" name="灯片编号占位符 5"/>
-          <p:cNvSpPr>
-            <a:spLocks noGrp="1"/>
-          </p:cNvSpPr>
-          <p:nvPr>
-            <p:ph type="sldNum" sz="quarter" idx="4"/>
-          </p:nvPr>
-        </p:nvSpPr>
-        <p:spPr>
-          <a:xfrm>
-            <a:off x="6553200" y="6356350"/>
-            <a:ext cx="2133600" cy="365125"/>
-          </a:xfrm>
-          <a:prstGeom prst="rect">
-            <a:avLst/>
-          </a:prstGeom>
-        </p:spPr>
-        <p:txBody>
-          <a:bodyPr vert="horz" lIns="91440" tIns="45720" rIns="91440" bIns="45720" rtlCol="0" anchor="ctr"/>
-          <a:lstStyle>
-            <a:lvl1pPr algn="r" fontAlgn="auto">
-              <a:spcBef>
-                <a:spcPts val="0"/>
-              </a:spcBef>
-              <a:spcAft>
-                <a:spcPts val="0"/>
-              </a:spcAft>
-              <a:defRPr sz="1200">
-                <a:solidFill>
-                  <a:schemeClr val="tx1">
-                    <a:tint val="75000"/>
-                  </a:schemeClr>
-                </a:solidFill>
-                <a:latin typeface="+mn-lt"/>
-                <a:ea typeface="+mn-ea"/>
-              </a:defRPr>
-            </a:lvl1pPr>
-          </a:lstStyle>
-          <a:p>
-            <a:pPr>
-              <a:defRPr/>
-            </a:pPr>
-            <a:fld id="{A464C3B7-DDBD-403E-A304-4BD94D6CB492}" type="slidenum">
-              <a:rPr lang="zh-CN" altLang="en-US">
-                <a:solidFill>
-                  <a:prstClr val="black">
-                    <a:tint val="75000"/>
-                  </a:prstClr>
-                </a:solidFill>
-              </a:rPr>
-              <a:pPr>
-                <a:defRPr/>
-              </a:pPr>
-              <a:t>‹#›</a:t>
-            </a:fld>
-            <a:endParaRPr lang="zh-CN" altLang="en-US">
-              <a:solidFill>
-                <a:prstClr val="black">
-                  <a:tint val="75000"/>
-                </a:prstClr>
-              </a:solidFill>
-            </a:endParaRPr>
-          </a:p>
-        </p:txBody>
-      </p:sp>
-    </p:spTree>
-    <p:extLst>
-      <p:ext uri="{BB962C8B-B14F-4D97-AF65-F5344CB8AC3E}">
-        <p14:creationId xmlns:p14="http://schemas.microsoft.com/office/powerpoint/2010/main" val="3056870513"/>
-      </p:ext>
-    </p:extLst>
-  </p:cSld>
-  <p:clrMap bg1="lt1" tx1="dk1" bg2="lt2" tx2="dk2" accent1="accent1" accent2="accent2" accent3="accent3" accent4="accent4" accent5="accent5" accent6="accent6" hlink="hlink" folHlink="folHlink"/>
-  <p:sldLayoutIdLst>
-    <p:sldLayoutId id="2147483673" r:id="rId1"/>
-    <p:sldLayoutId id="2147483674" r:id="rId2"/>
-    <p:sldLayoutId id="2147483675" r:id="rId3"/>
-    <p:sldLayoutId id="2147483676" r:id="rId4"/>
-    <p:sldLayoutId id="2147483677" r:id="rId5"/>
-    <p:sldLayoutId id="2147483678" r:id="rId6"/>
-    <p:sldLayoutId id="2147483679" r:id="rId7"/>
-    <p:sldLayoutId id="2147483680" r:id="rId8"/>
-    <p:sldLayoutId id="2147483681" r:id="rId9"/>
-    <p:sldLayoutId id="2147483682" r:id="rId10"/>
-    <p:sldLayoutId id="2147483683" r:id="rId11"/>
-  </p:sldLayoutIdLst>
-  <p:hf hdr="0" ftr="0" dt="0"/>
-  <p:txStyles>
-    <p:titleStyle>
-      <a:lvl1pPr algn="l" rtl="0" eaLnBrk="0" fontAlgn="base" hangingPunct="0">
-        <a:spcBef>
-          <a:spcPct val="0"/>
-        </a:spcBef>
-        <a:spcAft>
-          <a:spcPct val="0"/>
-        </a:spcAft>
-        <a:defRPr sz="3200" kern="1200">
-          <a:solidFill>
-            <a:schemeClr val="bg1"/>
-          </a:solidFill>
-          <a:latin typeface="黑体" pitchFamily="2" charset="-122"/>
-          <a:ea typeface="黑体" pitchFamily="2" charset="-122"/>
-          <a:cs typeface="+mj-cs"/>
-        </a:defRPr>
-      </a:lvl1pPr>
-      <a:lvl2pPr algn="l" rtl="0" eaLnBrk="0" fontAlgn="base" hangingPunct="0">
-        <a:spcBef>
-          <a:spcPct val="0"/>
-        </a:spcBef>
-        <a:spcAft>
-          <a:spcPct val="0"/>
-        </a:spcAft>
-        <a:defRPr sz="3200">
-          <a:solidFill>
-            <a:schemeClr val="bg1"/>
-          </a:solidFill>
-          <a:latin typeface="黑体" pitchFamily="2" charset="-122"/>
-          <a:ea typeface="黑体" pitchFamily="2" charset="-122"/>
-        </a:defRPr>
-      </a:lvl2pPr>
-      <a:lvl3pPr algn="l" rtl="0" eaLnBrk="0" fontAlgn="base" hangingPunct="0">
-        <a:spcBef>
-          <a:spcPct val="0"/>
-        </a:spcBef>
-        <a:spcAft>
-          <a:spcPct val="0"/>
-        </a:spcAft>
-        <a:defRPr sz="3200">
-          <a:solidFill>
-            <a:schemeClr val="bg1"/>
-          </a:solidFill>
-          <a:latin typeface="黑体" pitchFamily="2" charset="-122"/>
-          <a:ea typeface="黑体" pitchFamily="2" charset="-122"/>
-        </a:defRPr>
-      </a:lvl3pPr>
-      <a:lvl4pPr algn="l" rtl="0" eaLnBrk="0" fontAlgn="base" hangingPunct="0">
-        <a:spcBef>
-          <a:spcPct val="0"/>
-        </a:spcBef>
-        <a:spcAft>
-          <a:spcPct val="0"/>
-        </a:spcAft>
-        <a:defRPr sz="3200">
-          <a:solidFill>
-            <a:schemeClr val="bg1"/>
-          </a:solidFill>
-          <a:latin typeface="黑体" pitchFamily="2" charset="-122"/>
-          <a:ea typeface="黑体" pitchFamily="2" charset="-122"/>
-        </a:defRPr>
-      </a:lvl4pPr>
-      <a:lvl5pPr algn="l" rtl="0" eaLnBrk="0" fontAlgn="base" hangingPunct="0">
-        <a:spcBef>
-          <a:spcPct val="0"/>
-        </a:spcBef>
-        <a:spcAft>
-          <a:spcPct val="0"/>
-        </a:spcAft>
-        <a:defRPr sz="3200">
-          <a:solidFill>
-            <a:schemeClr val="bg1"/>
-          </a:solidFill>
-          <a:latin typeface="黑体" pitchFamily="2" charset="-122"/>
-          <a:ea typeface="黑体" pitchFamily="2" charset="-122"/>
-        </a:defRPr>
-      </a:lvl5pPr>
-      <a:lvl6pPr marL="457200" algn="l" rtl="0" fontAlgn="base">
-        <a:spcBef>
-          <a:spcPct val="0"/>
-        </a:spcBef>
-        <a:spcAft>
-          <a:spcPct val="0"/>
-        </a:spcAft>
-        <a:defRPr sz="3200">
-          <a:solidFill>
-            <a:schemeClr val="bg1"/>
-          </a:solidFill>
-          <a:latin typeface="黑体" pitchFamily="2" charset="-122"/>
-          <a:ea typeface="黑体" pitchFamily="2" charset="-122"/>
-        </a:defRPr>
-      </a:lvl6pPr>
-      <a:lvl7pPr marL="914400" algn="l" rtl="0" fontAlgn="base">
-        <a:spcBef>
-          <a:spcPct val="0"/>
-        </a:spcBef>
-        <a:spcAft>
-          <a:spcPct val="0"/>
-        </a:spcAft>
-        <a:defRPr sz="3200">
-          <a:solidFill>
-            <a:schemeClr val="bg1"/>
-          </a:solidFill>
-          <a:latin typeface="黑体" pitchFamily="2" charset="-122"/>
-          <a:ea typeface="黑体" pitchFamily="2" charset="-122"/>
-        </a:defRPr>
-      </a:lvl7pPr>
-      <a:lvl8pPr marL="1371600" algn="l" rtl="0" fontAlgn="base">
-        <a:spcBef>
-          <a:spcPct val="0"/>
-        </a:spcBef>
-        <a:spcAft>
-          <a:spcPct val="0"/>
-        </a:spcAft>
-        <a:defRPr sz="3200">
-          <a:solidFill>
-            <a:schemeClr val="bg1"/>
-          </a:solidFill>
-          <a:latin typeface="黑体" pitchFamily="2" charset="-122"/>
-          <a:ea typeface="黑体" pitchFamily="2" charset="-122"/>
-        </a:defRPr>
-      </a:lvl8pPr>
-      <a:lvl9pPr marL="1828800" algn="l" rtl="0" fontAlgn="base">
-        <a:spcBef>
-          <a:spcPct val="0"/>
-        </a:spcBef>
-        <a:spcAft>
-          <a:spcPct val="0"/>
-        </a:spcAft>
-        <a:defRPr sz="3200">
-          <a:solidFill>
-            <a:schemeClr val="bg1"/>
-          </a:solidFill>
-          <a:latin typeface="黑体" pitchFamily="2" charset="-122"/>
-          <a:ea typeface="黑体" pitchFamily="2" charset="-122"/>
-        </a:defRPr>
-      </a:lvl9pPr>
-    </p:titleStyle>
-    <p:bodyStyle>
-      <a:lvl1pPr marL="342900" indent="-342900" algn="l" rtl="0" eaLnBrk="0" fontAlgn="base" hangingPunct="0">
-        <a:spcBef>
-          <a:spcPct val="20000"/>
-        </a:spcBef>
-        <a:spcAft>
-          <a:spcPct val="0"/>
-        </a:spcAft>
-        <a:buFont typeface="Arial" charset="0"/>
-        <a:buChar char="•"/>
-        <a:defRPr sz="3200" kern="1200">
-          <a:solidFill>
-            <a:schemeClr val="tx1"/>
-          </a:solidFill>
-          <a:latin typeface="黑体" pitchFamily="2" charset="-122"/>
-          <a:ea typeface="黑体" pitchFamily="2" charset="-122"/>
-          <a:cs typeface="+mn-cs"/>
-        </a:defRPr>
-      </a:lvl1pPr>
-      <a:lvl2pPr marL="742950" indent="-285750" algn="l" rtl="0" eaLnBrk="0" fontAlgn="base" hangingPunct="0">
-        <a:spcBef>
-          <a:spcPct val="20000"/>
-        </a:spcBef>
-        <a:spcAft>
-          <a:spcPct val="0"/>
-        </a:spcAft>
-        <a:buFont typeface="Arial" charset="0"/>
-        <a:buChar char="–"/>
-        <a:defRPr sz="2800" kern="1200">
-          <a:solidFill>
-            <a:schemeClr val="tx1"/>
-          </a:solidFill>
-          <a:latin typeface="黑体" pitchFamily="2" charset="-122"/>
-          <a:ea typeface="黑体" pitchFamily="2" charset="-122"/>
-          <a:cs typeface="+mn-cs"/>
-        </a:defRPr>
-      </a:lvl2pPr>
-      <a:lvl3pPr marL="1143000" indent="-228600" algn="l" rtl="0" eaLnBrk="0" fontAlgn="base" hangingPunct="0">
-        <a:spcBef>
-          <a:spcPct val="20000"/>
-        </a:spcBef>
-        <a:spcAft>
-          <a:spcPct val="0"/>
-        </a:spcAft>
-        <a:buFont typeface="Arial" charset="0"/>
-        <a:buChar char="•"/>
-        <a:defRPr sz="2400" kern="1200">
-          <a:solidFill>
-            <a:schemeClr val="tx1"/>
-          </a:solidFill>
-          <a:latin typeface="黑体" pitchFamily="2" charset="-122"/>
-          <a:ea typeface="黑体" pitchFamily="2" charset="-122"/>
-          <a:cs typeface="+mn-cs"/>
-        </a:defRPr>
-      </a:lvl3pPr>
-      <a:lvl4pPr marL="1600200" indent="-228600" algn="l" rtl="0" eaLnBrk="0" fontAlgn="base" hangingPunct="0">
-        <a:spcBef>
-          <a:spcPct val="20000"/>
-        </a:spcBef>
-        <a:spcAft>
-          <a:spcPct val="0"/>
-        </a:spcAft>
-        <a:buFont typeface="Arial" charset="0"/>
-        <a:buChar char="–"/>
-        <a:defRPr sz="2000" kern="1200">
-          <a:solidFill>
-            <a:schemeClr val="tx1"/>
-          </a:solidFill>
-          <a:latin typeface="黑体" pitchFamily="2" charset="-122"/>
-          <a:ea typeface="黑体" pitchFamily="2" charset="-122"/>
-          <a:cs typeface="+mn-cs"/>
-        </a:defRPr>
-      </a:lvl4pPr>
-      <a:lvl5pPr marL="2057400" indent="-228600" algn="l" rtl="0" eaLnBrk="0" fontAlgn="base" hangingPunct="0">
-        <a:spcBef>
-          <a:spcPct val="20000"/>
-        </a:spcBef>
-        <a:spcAft>
-          <a:spcPct val="0"/>
-        </a:spcAft>
-        <a:buFont typeface="Arial" charset="0"/>
-        <a:buChar char="»"/>
-        <a:defRPr sz="2000" kern="1200">
-          <a:solidFill>
-            <a:schemeClr val="tx1"/>
-          </a:solidFill>
-          <a:latin typeface="黑体" pitchFamily="2" charset="-122"/>
-          <a:ea typeface="黑体" pitchFamily="2" charset="-122"/>
-          <a:cs typeface="+mn-cs"/>
-        </a:defRPr>
-      </a:lvl5pPr>
-      <a:lvl6pPr marL="2514600" indent="-228600" algn="l" defTabSz="914400" rtl="0" eaLnBrk="1" latinLnBrk="0" hangingPunct="1">
-        <a:spcBef>
-          <a:spcPct val="20000"/>
-        </a:spcBef>
-        <a:buFont typeface="Arial" pitchFamily="34" charset="0"/>
-        <a:buChar char="•"/>
-        <a:defRPr sz="2000" kern="1200">
-          <a:solidFill>
-            <a:schemeClr val="tx1"/>
-          </a:solidFill>
-          <a:latin typeface="+mn-lt"/>
-          <a:ea typeface="+mn-ea"/>
-          <a:cs typeface="+mn-cs"/>
-        </a:defRPr>
-      </a:lvl6pPr>
-      <a:lvl7pPr marL="2971800" indent="-228600" algn="l" defTabSz="914400" rtl="0" eaLnBrk="1" latinLnBrk="0" hangingPunct="1">
-        <a:spcBef>
-          <a:spcPct val="20000"/>
-        </a:spcBef>
-        <a:buFont typeface="Arial" pitchFamily="34" charset="0"/>
-        <a:buChar char="•"/>
-        <a:defRPr sz="2000" kern="1200">
-          <a:solidFill>
-            <a:schemeClr val="tx1"/>
-          </a:solidFill>
-          <a:latin typeface="+mn-lt"/>
-          <a:ea typeface="+mn-ea"/>
-          <a:cs typeface="+mn-cs"/>
-        </a:defRPr>
-      </a:lvl7pPr>
-      <a:lvl8pPr marL="3429000" indent="-228600" algn="l" defTabSz="914400" rtl="0" eaLnBrk="1" latinLnBrk="0" hangingPunct="1">
-        <a:spcBef>
-          <a:spcPct val="20000"/>
-        </a:spcBef>
-        <a:buFont typeface="Arial" pitchFamily="34" charset="0"/>
-        <a:buChar char="•"/>
-        <a:defRPr sz="2000" kern="1200">
-          <a:solidFill>
-            <a:schemeClr val="tx1"/>
-          </a:solidFill>
-          <a:latin typeface="+mn-lt"/>
-          <a:ea typeface="+mn-ea"/>
-          <a:cs typeface="+mn-cs"/>
-        </a:defRPr>
-      </a:lvl8pPr>
-      <a:lvl9pPr marL="3886200" indent="-228600" algn="l" defTabSz="914400" rtl="0" eaLnBrk="1" latinLnBrk="0" hangingPunct="1">
-        <a:spcBef>
-          <a:spcPct val="20000"/>
-        </a:spcBef>
-        <a:buFont typeface="Arial" pitchFamily="34" charset="0"/>
+        <a:buFont typeface="Arial" panose="020B0604020202090204" pitchFamily="34" charset="0"/>
         <a:buChar char="•"/>
         <a:defRPr sz="2000" kern="1200">
           <a:solidFill>
@@ -11657,9 +11288,9 @@
               <a:solidFill>
                 <a:srgbClr val="FF0000"/>
               </a:solidFill>
-              <a:latin typeface="Times New Roman" panose="02020603050405020304" pitchFamily="18" charset="0"/>
+              <a:latin typeface="Times New Roman" panose="02020503050405090304" pitchFamily="18" charset="0"/>
               <a:ea typeface="Arial Unicode MS" panose="020B0604020202020204" pitchFamily="34" charset="-122"/>
-              <a:cs typeface="Times New Roman" panose="02020603050405020304" pitchFamily="18" charset="0"/>
+              <a:cs typeface="Times New Roman" panose="02020503050405090304" pitchFamily="18" charset="0"/>
             </a:endParaRPr>
           </a:p>
           <a:p>
@@ -11706,18 +11337,15 @@
                 <a:latin typeface="华文楷体" panose="02010600040101010101" pitchFamily="2" charset="-122"/>
                 <a:ea typeface="华文楷体" panose="02010600040101010101" pitchFamily="2" charset="-122"/>
               </a:rPr>
-              <a:t>Principle Component Analysis</a:t>
-            </a:r>
-            <a:r>
-              <a:rPr lang="en-US" altLang="zh-CN" sz="4000" b="1" dirty="0" smtClean="0">
-                <a:solidFill>
-                  <a:schemeClr val="bg1"/>
-                </a:solidFill>
-                <a:latin typeface="华文楷体" panose="02010600040101010101" pitchFamily="2" charset="-122"/>
-                <a:ea typeface="华文楷体" panose="02010600040101010101" pitchFamily="2" charset="-122"/>
-              </a:rPr>
-              <a:t>	</a:t>
-            </a:r>
+              <a:t>Principle Component Analysis	</a:t>
+            </a:r>
+            <a:endParaRPr lang="en-US" altLang="zh-CN" sz="4000" b="1" dirty="0" smtClean="0">
+              <a:solidFill>
+                <a:schemeClr val="bg1"/>
+              </a:solidFill>
+              <a:latin typeface="华文楷体" panose="02010600040101010101" pitchFamily="2" charset="-122"/>
+              <a:ea typeface="华文楷体" panose="02010600040101010101" pitchFamily="2" charset="-122"/>
+            </a:endParaRPr>
           </a:p>
           <a:p>
             <a:pPr algn="ctr" fontAlgn="base">
@@ -11792,16 +11420,16 @@
             </a:pPr>
             <a:r>
               <a:rPr lang="zh-CN" altLang="en-US" sz="2400" b="1" dirty="0" smtClean="0">
-                <a:latin typeface="Times New Roman" panose="02020603050405020304" pitchFamily="18" charset="0"/>
+                <a:latin typeface="Times New Roman" panose="02020503050405090304" pitchFamily="18" charset="0"/>
                 <a:ea typeface="Arial Unicode MS" panose="020B0604020202020204" pitchFamily="34" charset="-122"/>
-                <a:cs typeface="Times New Roman" panose="02020603050405020304" pitchFamily="18" charset="0"/>
+                <a:cs typeface="Times New Roman" panose="02020503050405090304" pitchFamily="18" charset="0"/>
               </a:rPr>
               <a:t>胡浩基</a:t>
             </a:r>
             <a:endParaRPr lang="en-US" altLang="zh-CN" sz="2400" b="1" dirty="0" smtClean="0">
-              <a:latin typeface="Times New Roman" panose="02020603050405020304" pitchFamily="18" charset="0"/>
+              <a:latin typeface="Times New Roman" panose="02020503050405090304" pitchFamily="18" charset="0"/>
               <a:ea typeface="Arial Unicode MS" panose="020B0604020202020204" pitchFamily="34" charset="-122"/>
-              <a:cs typeface="Times New Roman" panose="02020603050405020304" pitchFamily="18" charset="0"/>
+              <a:cs typeface="Times New Roman" panose="02020503050405090304" pitchFamily="18" charset="0"/>
             </a:endParaRPr>
           </a:p>
           <a:p>
@@ -11815,33 +11443,33 @@
             </a:pPr>
             <a:r>
               <a:rPr lang="zh-CN" altLang="en-US" sz="2400" b="1" dirty="0">
-                <a:latin typeface="Times New Roman" panose="02020603050405020304" pitchFamily="18" charset="0"/>
+                <a:latin typeface="Times New Roman" panose="02020503050405090304" pitchFamily="18" charset="0"/>
                 <a:ea typeface="Arial Unicode MS" panose="020B0604020202020204" pitchFamily="34" charset="-122"/>
-                <a:cs typeface="Times New Roman" panose="02020603050405020304" pitchFamily="18" charset="0"/>
+                <a:cs typeface="Times New Roman" panose="02020503050405090304" pitchFamily="18" charset="0"/>
               </a:rPr>
               <a:t>浙江大</a:t>
             </a:r>
             <a:r>
               <a:rPr lang="zh-CN" altLang="en-US" sz="2400" b="1" dirty="0" smtClean="0">
-                <a:latin typeface="Times New Roman" panose="02020603050405020304" pitchFamily="18" charset="0"/>
+                <a:latin typeface="Times New Roman" panose="02020503050405090304" pitchFamily="18" charset="0"/>
                 <a:ea typeface="Arial Unicode MS" panose="020B0604020202020204" pitchFamily="34" charset="-122"/>
-                <a:cs typeface="Times New Roman" panose="02020603050405020304" pitchFamily="18" charset="0"/>
+                <a:cs typeface="Times New Roman" panose="02020503050405090304" pitchFamily="18" charset="0"/>
               </a:rPr>
               <a:t>学信息与电子工程学院</a:t>
             </a:r>
             <a:r>
               <a:rPr lang="en-US" altLang="zh-CN" sz="2400" b="1" dirty="0" smtClean="0">
-                <a:latin typeface="Times New Roman" panose="02020603050405020304" pitchFamily="18" charset="0"/>
+                <a:latin typeface="Times New Roman" panose="02020503050405090304" pitchFamily="18" charset="0"/>
                 <a:ea typeface="Arial Unicode MS" panose="020B0604020202020204" pitchFamily="34" charset="-122"/>
-                <a:cs typeface="Times New Roman" panose="02020603050405020304" pitchFamily="18" charset="0"/>
-                <a:hlinkClick r:id="rId3"/>
+                <a:cs typeface="Times New Roman" panose="02020503050405090304" pitchFamily="18" charset="0"/>
+                <a:hlinkClick r:id="rId1"/>
               </a:rPr>
               <a:t>haoji_hu@zju.edu.cn</a:t>
             </a:r>
             <a:endParaRPr lang="en-US" altLang="zh-CN" sz="2400" b="1" dirty="0" smtClean="0">
-              <a:latin typeface="Times New Roman" panose="02020603050405020304" pitchFamily="18" charset="0"/>
+              <a:latin typeface="Times New Roman" panose="02020503050405090304" pitchFamily="18" charset="0"/>
               <a:ea typeface="Arial Unicode MS" panose="020B0604020202020204" pitchFamily="34" charset="-122"/>
-              <a:cs typeface="Times New Roman" panose="02020603050405020304" pitchFamily="18" charset="0"/>
+              <a:cs typeface="Times New Roman" panose="02020503050405090304" pitchFamily="18" charset="0"/>
             </a:endParaRPr>
           </a:p>
           <a:p>
@@ -11858,12 +11486,20 @@
                 <a:solidFill>
                   <a:schemeClr val="bg1"/>
                 </a:solidFill>
-                <a:latin typeface="Times New Roman" panose="02020603050405020304" pitchFamily="18" charset="0"/>
+                <a:latin typeface="Times New Roman" panose="02020503050405090304" pitchFamily="18" charset="0"/>
                 <a:ea typeface="华文楷体" panose="02010600040101010101" pitchFamily="2" charset="-122"/>
-                <a:cs typeface="Times New Roman" panose="02020603050405020304" pitchFamily="18" charset="0"/>
+                <a:cs typeface="Times New Roman" panose="02020503050405090304" pitchFamily="18" charset="0"/>
               </a:rPr>
               <a:t>	</a:t>
             </a:r>
+            <a:endParaRPr lang="en-US" altLang="zh-CN" sz="4000" b="1" dirty="0">
+              <a:solidFill>
+                <a:schemeClr val="bg1"/>
+              </a:solidFill>
+              <a:latin typeface="Times New Roman" panose="02020503050405090304" pitchFamily="18" charset="0"/>
+              <a:ea typeface="华文楷体" panose="02010600040101010101" pitchFamily="2" charset="-122"/>
+              <a:cs typeface="Times New Roman" panose="02020503050405090304" pitchFamily="18" charset="0"/>
+            </a:endParaRPr>
           </a:p>
           <a:p>
             <a:pPr algn="ctr" fontAlgn="base">
@@ -11878,19 +11514,14 @@
               <a:solidFill>
                 <a:schemeClr val="bg1"/>
               </a:solidFill>
-              <a:latin typeface="Times New Roman" panose="02020603050405020304" pitchFamily="18" charset="0"/>
+              <a:latin typeface="Times New Roman" panose="02020503050405090304" pitchFamily="18" charset="0"/>
               <a:ea typeface="华文楷体" panose="02010600040101010101" pitchFamily="2" charset="-122"/>
-              <a:cs typeface="Times New Roman" panose="02020603050405020304" pitchFamily="18" charset="0"/>
+              <a:cs typeface="Times New Roman" panose="02020503050405090304" pitchFamily="18" charset="0"/>
             </a:endParaRPr>
           </a:p>
         </p:txBody>
       </p:sp>
     </p:spTree>
-    <p:extLst>
-      <p:ext uri="{BB962C8B-B14F-4D97-AF65-F5344CB8AC3E}">
-        <p14:creationId xmlns:p14="http://schemas.microsoft.com/office/powerpoint/2010/main" val="1935515388"/>
-      </p:ext>
-    </p:extLst>
   </p:cSld>
   <p:clrMapOvr>
     <a:masterClrMapping/>
@@ -11974,9 +11605,6 @@
         </p:spPr>
         <p:txBody>
           <a:bodyPr vert="horz" wrap="none" lIns="91440" tIns="45720" rIns="91440" bIns="45720" numCol="1" anchor="ctr" anchorCtr="0" compatLnSpc="1">
-            <a:prstTxWarp prst="textNoShape">
-              <a:avLst/>
-            </a:prstTxWarp>
             <a:spAutoFit/>
           </a:bodyPr>
           <a:lstStyle/>
@@ -11988,9 +11616,7 @@
       <p:sp>
         <p:nvSpPr>
           <p:cNvPr id="22" name="标题 1"/>
-          <p:cNvSpPr txBox="1">
-            <a:spLocks/>
-          </p:cNvSpPr>
+          <p:cNvSpPr txBox="1"/>
           <p:nvPr/>
         </p:nvSpPr>
         <p:spPr bwMode="auto">
@@ -12005,8 +11631,6 @@
           <a:ln w="9525">
             <a:noFill/>
             <a:miter lim="800000"/>
-            <a:headEnd/>
-            <a:tailEnd/>
           </a:ln>
         </p:spPr>
         <p:txBody>
@@ -12027,7 +11651,7 @@
                 <a:solidFill>
                   <a:prstClr val="white"/>
                 </a:solidFill>
-                <a:latin typeface="Arial" charset="0"/>
+                <a:latin typeface="Arial" panose="020B0604020202090204" pitchFamily="34" charset="0"/>
               </a:rPr>
               <a:t>PCA</a:t>
             </a:r>
@@ -12036,7 +11660,7 @@
                 <a:solidFill>
                   <a:prstClr val="white"/>
                 </a:solidFill>
-                <a:latin typeface="Arial" charset="0"/>
+                <a:latin typeface="Arial" panose="020B0604020202090204" pitchFamily="34" charset="0"/>
               </a:rPr>
               <a:t>在人脸识别的应用</a:t>
             </a:r>
@@ -12044,8 +11668,8 @@
               <a:solidFill>
                 <a:prstClr val="white"/>
               </a:solidFill>
-              <a:latin typeface="黑体" pitchFamily="49" charset="-122"/>
-              <a:ea typeface="黑体" pitchFamily="49" charset="-122"/>
+              <a:latin typeface="黑体" pitchFamily="2" charset="-122"/>
+              <a:ea typeface="黑体" pitchFamily="2" charset="-122"/>
             </a:endParaRPr>
           </a:p>
         </p:txBody>
@@ -12102,9 +11726,6 @@
         </p:spPr>
         <p:txBody>
           <a:bodyPr vert="horz" wrap="none" lIns="91440" tIns="45720" rIns="91440" bIns="45720" numCol="1" anchor="ctr" anchorCtr="0" compatLnSpc="1">
-            <a:prstTxWarp prst="textNoShape">
-              <a:avLst/>
-            </a:prstTxWarp>
             <a:spAutoFit/>
           </a:bodyPr>
           <a:lstStyle/>
@@ -12154,6 +11775,7 @@
               <a:rPr lang="en-US" altLang="zh-CN" sz="2000" dirty="0" smtClean="0"/>
               <a:t>36-d features</a:t>
             </a:r>
+            <a:endParaRPr lang="en-US" altLang="zh-CN" sz="2000" dirty="0" smtClean="0"/>
           </a:p>
           <a:p>
             <a:pPr eaLnBrk="1" hangingPunct="1">
@@ -12182,7 +11804,7 @@
           <p:nvPr/>
         </p:nvPicPr>
         <p:blipFill>
-          <a:blip r:embed="rId3"/>
+          <a:blip r:embed="rId1"/>
           <a:stretch>
             <a:fillRect/>
           </a:stretch>
@@ -12198,11 +11820,6 @@
         </p:spPr>
       </p:pic>
     </p:spTree>
-    <p:extLst>
-      <p:ext uri="{BB962C8B-B14F-4D97-AF65-F5344CB8AC3E}">
-        <p14:creationId xmlns:p14="http://schemas.microsoft.com/office/powerpoint/2010/main" val="1167312747"/>
-      </p:ext>
-    </p:extLst>
   </p:cSld>
   <p:clrMapOvr>
     <a:masterClrMapping/>
@@ -12243,7 +11860,7 @@
           <p:nvPr/>
         </p:nvPicPr>
         <p:blipFill>
-          <a:blip r:embed="rId2"/>
+          <a:blip r:embed="rId1"/>
           <a:stretch>
             <a:fillRect/>
           </a:stretch>
@@ -12308,7 +11925,7 @@
                 <a:solidFill>
                   <a:schemeClr val="tx1"/>
                 </a:solidFill>
-                <a:latin typeface="Arial" charset="0"/>
+                <a:latin typeface="Arial" panose="020B0604020202090204" pitchFamily="34" charset="0"/>
                 <a:ea typeface="宋体" pitchFamily="2" charset="-122"/>
               </a:defRPr>
             </a:lvl1pPr>
@@ -12317,7 +11934,7 @@
                 <a:solidFill>
                   <a:schemeClr val="tx1"/>
                 </a:solidFill>
-                <a:latin typeface="Arial" charset="0"/>
+                <a:latin typeface="Arial" panose="020B0604020202090204" pitchFamily="34" charset="0"/>
                 <a:ea typeface="宋体" pitchFamily="2" charset="-122"/>
               </a:defRPr>
             </a:lvl2pPr>
@@ -12326,7 +11943,7 @@
                 <a:solidFill>
                   <a:schemeClr val="tx1"/>
                 </a:solidFill>
-                <a:latin typeface="Arial" charset="0"/>
+                <a:latin typeface="Arial" panose="020B0604020202090204" pitchFamily="34" charset="0"/>
                 <a:ea typeface="宋体" pitchFamily="2" charset="-122"/>
               </a:defRPr>
             </a:lvl3pPr>
@@ -12335,7 +11952,7 @@
                 <a:solidFill>
                   <a:schemeClr val="tx1"/>
                 </a:solidFill>
-                <a:latin typeface="Arial" charset="0"/>
+                <a:latin typeface="Arial" panose="020B0604020202090204" pitchFamily="34" charset="0"/>
                 <a:ea typeface="宋体" pitchFamily="2" charset="-122"/>
               </a:defRPr>
             </a:lvl4pPr>
@@ -12344,7 +11961,7 @@
                 <a:solidFill>
                   <a:schemeClr val="tx1"/>
                 </a:solidFill>
-                <a:latin typeface="Arial" charset="0"/>
+                <a:latin typeface="Arial" panose="020B0604020202090204" pitchFamily="34" charset="0"/>
                 <a:ea typeface="宋体" pitchFamily="2" charset="-122"/>
               </a:defRPr>
             </a:lvl5pPr>
@@ -12359,7 +11976,7 @@
                 <a:solidFill>
                   <a:schemeClr val="tx1"/>
                 </a:solidFill>
-                <a:latin typeface="Arial" charset="0"/>
+                <a:latin typeface="Arial" panose="020B0604020202090204" pitchFamily="34" charset="0"/>
                 <a:ea typeface="宋体" pitchFamily="2" charset="-122"/>
               </a:defRPr>
             </a:lvl6pPr>
@@ -12374,7 +11991,7 @@
                 <a:solidFill>
                   <a:schemeClr val="tx1"/>
                 </a:solidFill>
-                <a:latin typeface="Arial" charset="0"/>
+                <a:latin typeface="Arial" panose="020B0604020202090204" pitchFamily="34" charset="0"/>
                 <a:ea typeface="宋体" pitchFamily="2" charset="-122"/>
               </a:defRPr>
             </a:lvl7pPr>
@@ -12389,7 +12006,7 @@
                 <a:solidFill>
                   <a:schemeClr val="tx1"/>
                 </a:solidFill>
-                <a:latin typeface="Arial" charset="0"/>
+                <a:latin typeface="Arial" panose="020B0604020202090204" pitchFamily="34" charset="0"/>
                 <a:ea typeface="宋体" pitchFamily="2" charset="-122"/>
               </a:defRPr>
             </a:lvl8pPr>
@@ -12404,7 +12021,7 @@
                 <a:solidFill>
                   <a:schemeClr val="tx1"/>
                 </a:solidFill>
-                <a:latin typeface="Arial" charset="0"/>
+                <a:latin typeface="Arial" panose="020B0604020202090204" pitchFamily="34" charset="0"/>
                 <a:ea typeface="宋体" pitchFamily="2" charset="-122"/>
               </a:defRPr>
             </a:lvl9pPr>
@@ -12420,20 +12037,19 @@
             </a:pPr>
             <a:r>
               <a:rPr lang="en-US" altLang="zh-CN" sz="4000" b="1" dirty="0" smtClean="0">
-                <a:latin typeface="黑体" pitchFamily="49" charset="-122"/>
-                <a:ea typeface="黑体" pitchFamily="49" charset="-122"/>
+                <a:latin typeface="黑体" pitchFamily="2" charset="-122"/>
+                <a:ea typeface="黑体" pitchFamily="2" charset="-122"/>
               </a:rPr>
               <a:t>Thank you and comments are welcomed</a:t>
             </a:r>
+            <a:endParaRPr lang="en-US" altLang="zh-CN" sz="4000" b="1" dirty="0" smtClean="0">
+              <a:latin typeface="黑体" pitchFamily="2" charset="-122"/>
+              <a:ea typeface="黑体" pitchFamily="2" charset="-122"/>
+            </a:endParaRPr>
           </a:p>
         </p:txBody>
       </p:sp>
     </p:spTree>
-    <p:extLst>
-      <p:ext uri="{BB962C8B-B14F-4D97-AF65-F5344CB8AC3E}">
-        <p14:creationId xmlns:p14="http://schemas.microsoft.com/office/powerpoint/2010/main" val="1866364592"/>
-      </p:ext>
-    </p:extLst>
   </p:cSld>
   <p:clrMapOvr>
     <a:masterClrMapping/>
@@ -12517,9 +12133,6 @@
         </p:spPr>
         <p:txBody>
           <a:bodyPr vert="horz" wrap="none" lIns="91440" tIns="45720" rIns="91440" bIns="45720" numCol="1" anchor="ctr" anchorCtr="0" compatLnSpc="1">
-            <a:prstTxWarp prst="textNoShape">
-              <a:avLst/>
-            </a:prstTxWarp>
             <a:spAutoFit/>
           </a:bodyPr>
           <a:lstStyle/>
@@ -12531,9 +12144,7 @@
       <p:sp>
         <p:nvSpPr>
           <p:cNvPr id="22" name="标题 1"/>
-          <p:cNvSpPr txBox="1">
-            <a:spLocks/>
-          </p:cNvSpPr>
+          <p:cNvSpPr txBox="1"/>
           <p:nvPr/>
         </p:nvSpPr>
         <p:spPr bwMode="auto">
@@ -12548,8 +12159,6 @@
           <a:ln w="9525">
             <a:noFill/>
             <a:miter lim="800000"/>
-            <a:headEnd/>
-            <a:tailEnd/>
           </a:ln>
         </p:spPr>
         <p:txBody>
@@ -12570,7 +12179,7 @@
                 <a:solidFill>
                   <a:prstClr val="white"/>
                 </a:solidFill>
-                <a:latin typeface="Arial" charset="0"/>
+                <a:latin typeface="Arial" panose="020B0604020202090204" pitchFamily="34" charset="0"/>
               </a:rPr>
               <a:t>PCA</a:t>
             </a:r>
@@ -12579,7 +12188,7 @@
                 <a:solidFill>
                   <a:prstClr val="white"/>
                 </a:solidFill>
-                <a:latin typeface="Arial" charset="0"/>
+                <a:latin typeface="Arial" panose="020B0604020202090204" pitchFamily="34" charset="0"/>
               </a:rPr>
               <a:t>在人脸识别的应用</a:t>
             </a:r>
@@ -12587,8 +12196,8 @@
               <a:solidFill>
                 <a:prstClr val="white"/>
               </a:solidFill>
-              <a:latin typeface="黑体" pitchFamily="49" charset="-122"/>
-              <a:ea typeface="黑体" pitchFamily="49" charset="-122"/>
+              <a:latin typeface="黑体" pitchFamily="2" charset="-122"/>
+              <a:ea typeface="黑体" pitchFamily="2" charset="-122"/>
             </a:endParaRPr>
           </a:p>
         </p:txBody>
@@ -12645,9 +12254,6 @@
         </p:spPr>
         <p:txBody>
           <a:bodyPr vert="horz" wrap="none" lIns="91440" tIns="45720" rIns="91440" bIns="45720" numCol="1" anchor="ctr" anchorCtr="0" compatLnSpc="1">
-            <a:prstTxWarp prst="textNoShape">
-              <a:avLst/>
-            </a:prstTxWarp>
             <a:spAutoFit/>
           </a:bodyPr>
           <a:lstStyle/>
@@ -12758,7 +12364,7 @@
           <p:nvPr/>
         </p:nvPicPr>
         <p:blipFill>
-          <a:blip r:embed="rId3"/>
+          <a:blip r:embed="rId1"/>
           <a:stretch>
             <a:fillRect/>
           </a:stretch>
@@ -12782,7 +12388,7 @@
           <p:nvPr/>
         </p:nvPicPr>
         <p:blipFill>
-          <a:blip r:embed="rId4"/>
+          <a:blip r:embed="rId2"/>
           <a:stretch>
             <a:fillRect/>
           </a:stretch>
@@ -12806,7 +12412,7 @@
           <p:nvPr/>
         </p:nvPicPr>
         <p:blipFill>
-          <a:blip r:embed="rId5"/>
+          <a:blip r:embed="rId3"/>
           <a:stretch>
             <a:fillRect/>
           </a:stretch>
@@ -12830,7 +12436,7 @@
           <p:nvPr/>
         </p:nvPicPr>
         <p:blipFill>
-          <a:blip r:embed="rId6"/>
+          <a:blip r:embed="rId4"/>
           <a:stretch>
             <a:fillRect/>
           </a:stretch>
@@ -12854,7 +12460,7 @@
           <p:nvPr/>
         </p:nvPicPr>
         <p:blipFill>
-          <a:blip r:embed="rId7"/>
+          <a:blip r:embed="rId5"/>
           <a:stretch>
             <a:fillRect/>
           </a:stretch>
@@ -12927,11 +12533,6 @@
         </p:txBody>
       </p:sp>
     </p:spTree>
-    <p:extLst>
-      <p:ext uri="{BB962C8B-B14F-4D97-AF65-F5344CB8AC3E}">
-        <p14:creationId xmlns:p14="http://schemas.microsoft.com/office/powerpoint/2010/main" val="2631474252"/>
-      </p:ext>
-    </p:extLst>
   </p:cSld>
   <p:clrMapOvr>
     <a:masterClrMapping/>
@@ -13015,9 +12616,6 @@
         </p:spPr>
         <p:txBody>
           <a:bodyPr vert="horz" wrap="none" lIns="91440" tIns="45720" rIns="91440" bIns="45720" numCol="1" anchor="ctr" anchorCtr="0" compatLnSpc="1">
-            <a:prstTxWarp prst="textNoShape">
-              <a:avLst/>
-            </a:prstTxWarp>
             <a:spAutoFit/>
           </a:bodyPr>
           <a:lstStyle/>
@@ -13029,9 +12627,7 @@
       <p:sp>
         <p:nvSpPr>
           <p:cNvPr id="22" name="标题 1"/>
-          <p:cNvSpPr txBox="1">
-            <a:spLocks/>
-          </p:cNvSpPr>
+          <p:cNvSpPr txBox="1"/>
           <p:nvPr/>
         </p:nvSpPr>
         <p:spPr bwMode="auto">
@@ -13046,8 +12642,6 @@
           <a:ln w="9525">
             <a:noFill/>
             <a:miter lim="800000"/>
-            <a:headEnd/>
-            <a:tailEnd/>
           </a:ln>
         </p:spPr>
         <p:txBody>
@@ -13068,7 +12662,7 @@
                 <a:solidFill>
                   <a:prstClr val="white"/>
                 </a:solidFill>
-                <a:latin typeface="Arial" charset="0"/>
+                <a:latin typeface="Arial" panose="020B0604020202090204" pitchFamily="34" charset="0"/>
               </a:rPr>
               <a:t>PCA</a:t>
             </a:r>
@@ -13077,7 +12671,7 @@
                 <a:solidFill>
                   <a:prstClr val="white"/>
                 </a:solidFill>
-                <a:latin typeface="Arial" charset="0"/>
+                <a:latin typeface="Arial" panose="020B0604020202090204" pitchFamily="34" charset="0"/>
               </a:rPr>
               <a:t>在人脸识别的应用</a:t>
             </a:r>
@@ -13085,8 +12679,8 @@
               <a:solidFill>
                 <a:prstClr val="white"/>
               </a:solidFill>
-              <a:latin typeface="黑体" pitchFamily="49" charset="-122"/>
-              <a:ea typeface="黑体" pitchFamily="49" charset="-122"/>
+              <a:latin typeface="黑体" pitchFamily="2" charset="-122"/>
+              <a:ea typeface="黑体" pitchFamily="2" charset="-122"/>
             </a:endParaRPr>
           </a:p>
         </p:txBody>
@@ -13143,9 +12737,6 @@
         </p:spPr>
         <p:txBody>
           <a:bodyPr vert="horz" wrap="none" lIns="91440" tIns="45720" rIns="91440" bIns="45720" numCol="1" anchor="ctr" anchorCtr="0" compatLnSpc="1">
-            <a:prstTxWarp prst="textNoShape">
-              <a:avLst/>
-            </a:prstTxWarp>
             <a:spAutoFit/>
           </a:bodyPr>
           <a:lstStyle/>
@@ -13317,13 +12908,7 @@
           <p:cNvGraphicFramePr>
             <a:graphicFrameLocks noGrp="1"/>
           </p:cNvGraphicFramePr>
-          <p:nvPr>
-            <p:extLst>
-              <p:ext uri="{D42A27DB-BD31-4B8C-83A1-F6EECF244321}">
-                <p14:modId xmlns:p14="http://schemas.microsoft.com/office/powerpoint/2010/main" val="851481287"/>
-              </p:ext>
-            </p:extLst>
-          </p:nvPr>
+          <p:nvPr/>
         </p:nvGraphicFramePr>
         <p:xfrm>
           <a:off x="1284981" y="3717032"/>
@@ -13429,11 +13014,6 @@
         </a:graphic>
       </p:graphicFrame>
     </p:spTree>
-    <p:extLst>
-      <p:ext uri="{BB962C8B-B14F-4D97-AF65-F5344CB8AC3E}">
-        <p14:creationId xmlns:p14="http://schemas.microsoft.com/office/powerpoint/2010/main" val="196873381"/>
-      </p:ext>
-    </p:extLst>
   </p:cSld>
   <p:clrMapOvr>
     <a:masterClrMapping/>
@@ -13517,9 +13097,6 @@
         </p:spPr>
         <p:txBody>
           <a:bodyPr vert="horz" wrap="none" lIns="91440" tIns="45720" rIns="91440" bIns="45720" numCol="1" anchor="ctr" anchorCtr="0" compatLnSpc="1">
-            <a:prstTxWarp prst="textNoShape">
-              <a:avLst/>
-            </a:prstTxWarp>
             <a:spAutoFit/>
           </a:bodyPr>
           <a:lstStyle/>
@@ -13531,9 +13108,7 @@
       <p:sp>
         <p:nvSpPr>
           <p:cNvPr id="22" name="标题 1"/>
-          <p:cNvSpPr txBox="1">
-            <a:spLocks/>
-          </p:cNvSpPr>
+          <p:cNvSpPr txBox="1"/>
           <p:nvPr/>
         </p:nvSpPr>
         <p:spPr bwMode="auto">
@@ -13548,8 +13123,6 @@
           <a:ln w="9525">
             <a:noFill/>
             <a:miter lim="800000"/>
-            <a:headEnd/>
-            <a:tailEnd/>
           </a:ln>
         </p:spPr>
         <p:txBody>
@@ -13570,7 +13143,7 @@
                 <a:solidFill>
                   <a:prstClr val="white"/>
                 </a:solidFill>
-                <a:latin typeface="Arial" charset="0"/>
+                <a:latin typeface="Arial" panose="020B0604020202090204" pitchFamily="34" charset="0"/>
               </a:rPr>
               <a:t>PCA</a:t>
             </a:r>
@@ -13579,7 +13152,7 @@
                 <a:solidFill>
                   <a:prstClr val="white"/>
                 </a:solidFill>
-                <a:latin typeface="Arial" charset="0"/>
+                <a:latin typeface="Arial" panose="020B0604020202090204" pitchFamily="34" charset="0"/>
               </a:rPr>
               <a:t>在人脸识别的应用</a:t>
             </a:r>
@@ -13587,8 +13160,8 @@
               <a:solidFill>
                 <a:prstClr val="white"/>
               </a:solidFill>
-              <a:latin typeface="黑体" pitchFamily="49" charset="-122"/>
-              <a:ea typeface="黑体" pitchFamily="49" charset="-122"/>
+              <a:latin typeface="黑体" pitchFamily="2" charset="-122"/>
+              <a:ea typeface="黑体" pitchFamily="2" charset="-122"/>
             </a:endParaRPr>
           </a:p>
         </p:txBody>
@@ -13645,9 +13218,6 @@
         </p:spPr>
         <p:txBody>
           <a:bodyPr vert="horz" wrap="none" lIns="91440" tIns="45720" rIns="91440" bIns="45720" numCol="1" anchor="ctr" anchorCtr="0" compatLnSpc="1">
-            <a:prstTxWarp prst="textNoShape">
-              <a:avLst/>
-            </a:prstTxWarp>
             <a:spAutoFit/>
           </a:bodyPr>
           <a:lstStyle/>
@@ -13665,7 +13235,7 @@
           <p:nvPr/>
         </p:nvPicPr>
         <p:blipFill>
-          <a:blip r:embed="rId3">
+          <a:blip r:embed="rId1">
             <a:extLst>
               <a:ext uri="{28A0092B-C50C-407E-A947-70E740481C1C}">
                 <a14:useLocalDpi xmlns:a14="http://schemas.microsoft.com/office/drawing/2010/main" val="0"/>
@@ -13711,11 +13281,6 @@
         </p:spPr>
       </p:pic>
     </p:spTree>
-    <p:extLst>
-      <p:ext uri="{BB962C8B-B14F-4D97-AF65-F5344CB8AC3E}">
-        <p14:creationId xmlns:p14="http://schemas.microsoft.com/office/powerpoint/2010/main" val="1812512672"/>
-      </p:ext>
-    </p:extLst>
   </p:cSld>
   <p:clrMapOvr>
     <a:masterClrMapping/>
@@ -13799,9 +13364,6 @@
         </p:spPr>
         <p:txBody>
           <a:bodyPr vert="horz" wrap="none" lIns="91440" tIns="45720" rIns="91440" bIns="45720" numCol="1" anchor="ctr" anchorCtr="0" compatLnSpc="1">
-            <a:prstTxWarp prst="textNoShape">
-              <a:avLst/>
-            </a:prstTxWarp>
             <a:spAutoFit/>
           </a:bodyPr>
           <a:lstStyle/>
@@ -13813,9 +13375,7 @@
       <p:sp>
         <p:nvSpPr>
           <p:cNvPr id="22" name="标题 1"/>
-          <p:cNvSpPr txBox="1">
-            <a:spLocks/>
-          </p:cNvSpPr>
+          <p:cNvSpPr txBox="1"/>
           <p:nvPr/>
         </p:nvSpPr>
         <p:spPr bwMode="auto">
@@ -13830,8 +13390,6 @@
           <a:ln w="9525">
             <a:noFill/>
             <a:miter lim="800000"/>
-            <a:headEnd/>
-            <a:tailEnd/>
           </a:ln>
         </p:spPr>
         <p:txBody>
@@ -13852,7 +13410,7 @@
                 <a:solidFill>
                   <a:prstClr val="white"/>
                 </a:solidFill>
-                <a:latin typeface="Arial" charset="0"/>
+                <a:latin typeface="Arial" panose="020B0604020202090204" pitchFamily="34" charset="0"/>
               </a:rPr>
               <a:t>PCA</a:t>
             </a:r>
@@ -13861,7 +13419,7 @@
                 <a:solidFill>
                   <a:prstClr val="white"/>
                 </a:solidFill>
-                <a:latin typeface="Arial" charset="0"/>
+                <a:latin typeface="Arial" panose="020B0604020202090204" pitchFamily="34" charset="0"/>
               </a:rPr>
               <a:t>在人脸识别的应用</a:t>
             </a:r>
@@ -13869,8 +13427,8 @@
               <a:solidFill>
                 <a:prstClr val="white"/>
               </a:solidFill>
-              <a:latin typeface="黑体" pitchFamily="49" charset="-122"/>
-              <a:ea typeface="黑体" pitchFamily="49" charset="-122"/>
+              <a:latin typeface="黑体" pitchFamily="2" charset="-122"/>
+              <a:ea typeface="黑体" pitchFamily="2" charset="-122"/>
             </a:endParaRPr>
           </a:p>
         </p:txBody>
@@ -13927,9 +13485,6 @@
         </p:spPr>
         <p:txBody>
           <a:bodyPr vert="horz" wrap="none" lIns="91440" tIns="45720" rIns="91440" bIns="45720" numCol="1" anchor="ctr" anchorCtr="0" compatLnSpc="1">
-            <a:prstTxWarp prst="textNoShape">
-              <a:avLst/>
-            </a:prstTxWarp>
             <a:spAutoFit/>
           </a:bodyPr>
           <a:lstStyle/>
@@ -14040,7 +13595,7 @@
           <p:nvPr/>
         </p:nvPicPr>
         <p:blipFill>
-          <a:blip r:embed="rId3"/>
+          <a:blip r:embed="rId1"/>
           <a:stretch>
             <a:fillRect/>
           </a:stretch>
@@ -14056,11 +13611,6 @@
         </p:spPr>
       </p:pic>
     </p:spTree>
-    <p:extLst>
-      <p:ext uri="{BB962C8B-B14F-4D97-AF65-F5344CB8AC3E}">
-        <p14:creationId xmlns:p14="http://schemas.microsoft.com/office/powerpoint/2010/main" val="2475179971"/>
-      </p:ext>
-    </p:extLst>
   </p:cSld>
   <p:clrMapOvr>
     <a:masterClrMapping/>
@@ -14144,9 +13694,6 @@
         </p:spPr>
         <p:txBody>
           <a:bodyPr vert="horz" wrap="none" lIns="91440" tIns="45720" rIns="91440" bIns="45720" numCol="1" anchor="ctr" anchorCtr="0" compatLnSpc="1">
-            <a:prstTxWarp prst="textNoShape">
-              <a:avLst/>
-            </a:prstTxWarp>
             <a:spAutoFit/>
           </a:bodyPr>
           <a:lstStyle/>
@@ -14158,9 +13705,7 @@
       <p:sp>
         <p:nvSpPr>
           <p:cNvPr id="22" name="标题 1"/>
-          <p:cNvSpPr txBox="1">
-            <a:spLocks/>
-          </p:cNvSpPr>
+          <p:cNvSpPr txBox="1"/>
           <p:nvPr/>
         </p:nvSpPr>
         <p:spPr bwMode="auto">
@@ -14175,8 +13720,6 @@
           <a:ln w="9525">
             <a:noFill/>
             <a:miter lim="800000"/>
-            <a:headEnd/>
-            <a:tailEnd/>
           </a:ln>
         </p:spPr>
         <p:txBody>
@@ -14197,7 +13740,7 @@
                 <a:solidFill>
                   <a:prstClr val="white"/>
                 </a:solidFill>
-                <a:latin typeface="Arial" charset="0"/>
+                <a:latin typeface="Arial" panose="020B0604020202090204" pitchFamily="34" charset="0"/>
               </a:rPr>
               <a:t>PCA</a:t>
             </a:r>
@@ -14206,7 +13749,7 @@
                 <a:solidFill>
                   <a:prstClr val="white"/>
                 </a:solidFill>
-                <a:latin typeface="Arial" charset="0"/>
+                <a:latin typeface="Arial" panose="020B0604020202090204" pitchFamily="34" charset="0"/>
               </a:rPr>
               <a:t>在人脸识别的应用</a:t>
             </a:r>
@@ -14214,8 +13757,8 @@
               <a:solidFill>
                 <a:prstClr val="white"/>
               </a:solidFill>
-              <a:latin typeface="黑体" pitchFamily="49" charset="-122"/>
-              <a:ea typeface="黑体" pitchFamily="49" charset="-122"/>
+              <a:latin typeface="黑体" pitchFamily="2" charset="-122"/>
+              <a:ea typeface="黑体" pitchFamily="2" charset="-122"/>
             </a:endParaRPr>
           </a:p>
         </p:txBody>
@@ -14272,9 +13815,6 @@
         </p:spPr>
         <p:txBody>
           <a:bodyPr vert="horz" wrap="none" lIns="91440" tIns="45720" rIns="91440" bIns="45720" numCol="1" anchor="ctr" anchorCtr="0" compatLnSpc="1">
-            <a:prstTxWarp prst="textNoShape">
-              <a:avLst/>
-            </a:prstTxWarp>
             <a:spAutoFit/>
           </a:bodyPr>
           <a:lstStyle/>
@@ -14405,7 +13945,7 @@
           <p:nvPr/>
         </p:nvPicPr>
         <p:blipFill>
-          <a:blip r:embed="rId3"/>
+          <a:blip r:embed="rId1"/>
           <a:stretch>
             <a:fillRect/>
           </a:stretch>
@@ -14421,11 +13961,6 @@
         </p:spPr>
       </p:pic>
     </p:spTree>
-    <p:extLst>
-      <p:ext uri="{BB962C8B-B14F-4D97-AF65-F5344CB8AC3E}">
-        <p14:creationId xmlns:p14="http://schemas.microsoft.com/office/powerpoint/2010/main" val="2517934702"/>
-      </p:ext>
-    </p:extLst>
   </p:cSld>
   <p:clrMapOvr>
     <a:masterClrMapping/>
@@ -14509,9 +14044,6 @@
         </p:spPr>
         <p:txBody>
           <a:bodyPr vert="horz" wrap="none" lIns="91440" tIns="45720" rIns="91440" bIns="45720" numCol="1" anchor="ctr" anchorCtr="0" compatLnSpc="1">
-            <a:prstTxWarp prst="textNoShape">
-              <a:avLst/>
-            </a:prstTxWarp>
             <a:spAutoFit/>
           </a:bodyPr>
           <a:lstStyle/>
@@ -14523,9 +14055,7 @@
       <p:sp>
         <p:nvSpPr>
           <p:cNvPr id="22" name="标题 1"/>
-          <p:cNvSpPr txBox="1">
-            <a:spLocks/>
-          </p:cNvSpPr>
+          <p:cNvSpPr txBox="1"/>
           <p:nvPr/>
         </p:nvSpPr>
         <p:spPr bwMode="auto">
@@ -14540,8 +14070,6 @@
           <a:ln w="9525">
             <a:noFill/>
             <a:miter lim="800000"/>
-            <a:headEnd/>
-            <a:tailEnd/>
           </a:ln>
         </p:spPr>
         <p:txBody>
@@ -14562,7 +14090,7 @@
                 <a:solidFill>
                   <a:prstClr val="white"/>
                 </a:solidFill>
-                <a:latin typeface="Arial" charset="0"/>
+                <a:latin typeface="Arial" panose="020B0604020202090204" pitchFamily="34" charset="0"/>
               </a:rPr>
               <a:t>PCA</a:t>
             </a:r>
@@ -14571,7 +14099,7 @@
                 <a:solidFill>
                   <a:prstClr val="white"/>
                 </a:solidFill>
-                <a:latin typeface="Arial" charset="0"/>
+                <a:latin typeface="Arial" panose="020B0604020202090204" pitchFamily="34" charset="0"/>
               </a:rPr>
               <a:t>在人脸识别的应用</a:t>
             </a:r>
@@ -14579,8 +14107,8 @@
               <a:solidFill>
                 <a:prstClr val="white"/>
               </a:solidFill>
-              <a:latin typeface="黑体" pitchFamily="49" charset="-122"/>
-              <a:ea typeface="黑体" pitchFamily="49" charset="-122"/>
+              <a:latin typeface="黑体" pitchFamily="2" charset="-122"/>
+              <a:ea typeface="黑体" pitchFamily="2" charset="-122"/>
             </a:endParaRPr>
           </a:p>
         </p:txBody>
@@ -14637,9 +14165,6 @@
         </p:spPr>
         <p:txBody>
           <a:bodyPr vert="horz" wrap="none" lIns="91440" tIns="45720" rIns="91440" bIns="45720" numCol="1" anchor="ctr" anchorCtr="0" compatLnSpc="1">
-            <a:prstTxWarp prst="textNoShape">
-              <a:avLst/>
-            </a:prstTxWarp>
             <a:spAutoFit/>
           </a:bodyPr>
           <a:lstStyle/>
@@ -14657,7 +14182,7 @@
           <p:nvPr/>
         </p:nvPicPr>
         <p:blipFill>
-          <a:blip r:embed="rId3"/>
+          <a:blip r:embed="rId1"/>
           <a:stretch>
             <a:fillRect/>
           </a:stretch>
@@ -14713,6 +14238,7 @@
               <a:rPr lang="en-US" altLang="zh-CN" sz="2000" dirty="0" smtClean="0"/>
               <a:t>320-d features</a:t>
             </a:r>
+            <a:endParaRPr lang="en-US" altLang="zh-CN" sz="2000" dirty="0" smtClean="0"/>
           </a:p>
           <a:p>
             <a:pPr eaLnBrk="1" hangingPunct="1">
@@ -14733,11 +14259,6 @@
         </p:txBody>
       </p:sp>
     </p:spTree>
-    <p:extLst>
-      <p:ext uri="{BB962C8B-B14F-4D97-AF65-F5344CB8AC3E}">
-        <p14:creationId xmlns:p14="http://schemas.microsoft.com/office/powerpoint/2010/main" val="3023097753"/>
-      </p:ext>
-    </p:extLst>
   </p:cSld>
   <p:clrMapOvr>
     <a:masterClrMapping/>
@@ -14821,9 +14342,6 @@
         </p:spPr>
         <p:txBody>
           <a:bodyPr vert="horz" wrap="none" lIns="91440" tIns="45720" rIns="91440" bIns="45720" numCol="1" anchor="ctr" anchorCtr="0" compatLnSpc="1">
-            <a:prstTxWarp prst="textNoShape">
-              <a:avLst/>
-            </a:prstTxWarp>
             <a:spAutoFit/>
           </a:bodyPr>
           <a:lstStyle/>
@@ -14835,9 +14353,7 @@
       <p:sp>
         <p:nvSpPr>
           <p:cNvPr id="22" name="标题 1"/>
-          <p:cNvSpPr txBox="1">
-            <a:spLocks/>
-          </p:cNvSpPr>
+          <p:cNvSpPr txBox="1"/>
           <p:nvPr/>
         </p:nvSpPr>
         <p:spPr bwMode="auto">
@@ -14852,8 +14368,6 @@
           <a:ln w="9525">
             <a:noFill/>
             <a:miter lim="800000"/>
-            <a:headEnd/>
-            <a:tailEnd/>
           </a:ln>
         </p:spPr>
         <p:txBody>
@@ -14874,7 +14388,7 @@
                 <a:solidFill>
                   <a:prstClr val="white"/>
                 </a:solidFill>
-                <a:latin typeface="Arial" charset="0"/>
+                <a:latin typeface="Arial" panose="020B0604020202090204" pitchFamily="34" charset="0"/>
               </a:rPr>
               <a:t>PCA</a:t>
             </a:r>
@@ -14883,7 +14397,7 @@
                 <a:solidFill>
                   <a:prstClr val="white"/>
                 </a:solidFill>
-                <a:latin typeface="Arial" charset="0"/>
+                <a:latin typeface="Arial" panose="020B0604020202090204" pitchFamily="34" charset="0"/>
               </a:rPr>
               <a:t>在人脸识别的应用</a:t>
             </a:r>
@@ -14891,8 +14405,8 @@
               <a:solidFill>
                 <a:prstClr val="white"/>
               </a:solidFill>
-              <a:latin typeface="黑体" pitchFamily="49" charset="-122"/>
-              <a:ea typeface="黑体" pitchFamily="49" charset="-122"/>
+              <a:latin typeface="黑体" pitchFamily="2" charset="-122"/>
+              <a:ea typeface="黑体" pitchFamily="2" charset="-122"/>
             </a:endParaRPr>
           </a:p>
         </p:txBody>
@@ -14949,9 +14463,6 @@
         </p:spPr>
         <p:txBody>
           <a:bodyPr vert="horz" wrap="none" lIns="91440" tIns="45720" rIns="91440" bIns="45720" numCol="1" anchor="ctr" anchorCtr="0" compatLnSpc="1">
-            <a:prstTxWarp prst="textNoShape">
-              <a:avLst/>
-            </a:prstTxWarp>
             <a:spAutoFit/>
           </a:bodyPr>
           <a:lstStyle/>
@@ -15001,6 +14512,7 @@
               <a:rPr lang="en-US" altLang="zh-CN" sz="2000" dirty="0" smtClean="0"/>
               <a:t>51-d features</a:t>
             </a:r>
+            <a:endParaRPr lang="en-US" altLang="zh-CN" sz="2000" dirty="0" smtClean="0"/>
           </a:p>
           <a:p>
             <a:pPr eaLnBrk="1" hangingPunct="1">
@@ -15029,7 +14541,7 @@
           <p:nvPr/>
         </p:nvPicPr>
         <p:blipFill>
-          <a:blip r:embed="rId3"/>
+          <a:blip r:embed="rId1"/>
           <a:stretch>
             <a:fillRect/>
           </a:stretch>
@@ -15045,11 +14557,6 @@
         </p:spPr>
       </p:pic>
     </p:spTree>
-    <p:extLst>
-      <p:ext uri="{BB962C8B-B14F-4D97-AF65-F5344CB8AC3E}">
-        <p14:creationId xmlns:p14="http://schemas.microsoft.com/office/powerpoint/2010/main" val="2453437969"/>
-      </p:ext>
-    </p:extLst>
   </p:cSld>
   <p:clrMapOvr>
     <a:masterClrMapping/>
@@ -15133,9 +14640,6 @@
         </p:spPr>
         <p:txBody>
           <a:bodyPr vert="horz" wrap="none" lIns="91440" tIns="45720" rIns="91440" bIns="45720" numCol="1" anchor="ctr" anchorCtr="0" compatLnSpc="1">
-            <a:prstTxWarp prst="textNoShape">
-              <a:avLst/>
-            </a:prstTxWarp>
             <a:spAutoFit/>
           </a:bodyPr>
           <a:lstStyle/>
@@ -15147,9 +14651,7 @@
       <p:sp>
         <p:nvSpPr>
           <p:cNvPr id="22" name="标题 1"/>
-          <p:cNvSpPr txBox="1">
-            <a:spLocks/>
-          </p:cNvSpPr>
+          <p:cNvSpPr txBox="1"/>
           <p:nvPr/>
         </p:nvSpPr>
         <p:spPr bwMode="auto">
@@ -15164,8 +14666,6 @@
           <a:ln w="9525">
             <a:noFill/>
             <a:miter lim="800000"/>
-            <a:headEnd/>
-            <a:tailEnd/>
           </a:ln>
         </p:spPr>
         <p:txBody>
@@ -15186,7 +14686,7 @@
                 <a:solidFill>
                   <a:prstClr val="white"/>
                 </a:solidFill>
-                <a:latin typeface="Arial" charset="0"/>
+                <a:latin typeface="Arial" panose="020B0604020202090204" pitchFamily="34" charset="0"/>
               </a:rPr>
               <a:t>PCA</a:t>
             </a:r>
@@ -15195,7 +14695,7 @@
                 <a:solidFill>
                   <a:prstClr val="white"/>
                 </a:solidFill>
-                <a:latin typeface="Arial" charset="0"/>
+                <a:latin typeface="Arial" panose="020B0604020202090204" pitchFamily="34" charset="0"/>
               </a:rPr>
               <a:t>在人脸识别的应用</a:t>
             </a:r>
@@ -15203,8 +14703,8 @@
               <a:solidFill>
                 <a:prstClr val="white"/>
               </a:solidFill>
-              <a:latin typeface="黑体" pitchFamily="49" charset="-122"/>
-              <a:ea typeface="黑体" pitchFamily="49" charset="-122"/>
+              <a:latin typeface="黑体" pitchFamily="2" charset="-122"/>
+              <a:ea typeface="黑体" pitchFamily="2" charset="-122"/>
             </a:endParaRPr>
           </a:p>
         </p:txBody>
@@ -15261,9 +14761,6 @@
         </p:spPr>
         <p:txBody>
           <a:bodyPr vert="horz" wrap="none" lIns="91440" tIns="45720" rIns="91440" bIns="45720" numCol="1" anchor="ctr" anchorCtr="0" compatLnSpc="1">
-            <a:prstTxWarp prst="textNoShape">
-              <a:avLst/>
-            </a:prstTxWarp>
             <a:spAutoFit/>
           </a:bodyPr>
           <a:lstStyle/>
@@ -15313,6 +14810,7 @@
               <a:rPr lang="en-US" altLang="zh-CN" sz="2000" dirty="0" smtClean="0"/>
               <a:t>51-d features</a:t>
             </a:r>
+            <a:endParaRPr lang="en-US" altLang="zh-CN" sz="2000" dirty="0" smtClean="0"/>
           </a:p>
           <a:p>
             <a:pPr eaLnBrk="1" hangingPunct="1">
@@ -15341,7 +14839,7 @@
           <p:nvPr/>
         </p:nvPicPr>
         <p:blipFill>
-          <a:blip r:embed="rId3"/>
+          <a:blip r:embed="rId1"/>
           <a:stretch>
             <a:fillRect/>
           </a:stretch>
@@ -15357,11 +14855,6 @@
         </p:spPr>
       </p:pic>
     </p:spTree>
-    <p:extLst>
-      <p:ext uri="{BB962C8B-B14F-4D97-AF65-F5344CB8AC3E}">
-        <p14:creationId xmlns:p14="http://schemas.microsoft.com/office/powerpoint/2010/main" val="1503505843"/>
-      </p:ext>
-    </p:extLst>
   </p:cSld>
   <p:clrMapOvr>
     <a:masterClrMapping/>
@@ -15654,8 +15147,11 @@
       </a:bgFillStyleLst>
     </a:fmtScheme>
   </a:themeElements>
-  <a:objectDefaults/>
-  <a:extraClrSchemeLst/>
+  <a:extLst>
+    <a:ext uri="{05A4C25C-085E-4340-85A3-A5531E510DB2}">
+      <thm15:themeFamily xmlns:thm15="http://schemas.microsoft.com/office/thememl/2012/main" name="Office Theme" id="{62F939B6-93AF-4DB8-9C6B-D6C7DFDC589F}" vid="{4A3C46E8-61CC-4603-A589-7422A47A8E4A}"/>
+    </a:ext>
+  </a:extLst>
 </a:theme>
 </file>
 
@@ -15937,8 +15433,11 @@
       </a:bgFillStyleLst>
     </a:fmtScheme>
   </a:themeElements>
-  <a:objectDefaults/>
-  <a:extraClrSchemeLst/>
+  <a:extLst>
+    <a:ext uri="{05A4C25C-085E-4340-85A3-A5531E510DB2}">
+      <thm15:themeFamily xmlns:thm15="http://schemas.microsoft.com/office/thememl/2012/main" name="Office Theme" id="{62F939B6-93AF-4DB8-9C6B-D6C7DFDC589F}" vid="{4A3C46E8-61CC-4603-A589-7422A47A8E4A}"/>
+    </a:ext>
+  </a:extLst>
 </a:theme>
 </file>
 
@@ -16222,7 +15721,10 @@
       </a:bgFillStyleLst>
     </a:fmtScheme>
   </a:themeElements>
-  <a:objectDefaults/>
-  <a:extraClrSchemeLst/>
+  <a:extLst>
+    <a:ext uri="{05A4C25C-085E-4340-85A3-A5531E510DB2}">
+      <thm15:themeFamily xmlns:thm15="http://schemas.microsoft.com/office/thememl/2012/main" name="Office Theme" id="{62F939B6-93AF-4DB8-9C6B-D6C7DFDC589F}" vid="{4A3C46E8-61CC-4603-A589-7422A47A8E4A}"/>
+    </a:ext>
+  </a:extLst>
 </a:theme>
 </file>